--- a/documents/system presentation.pptx
+++ b/documents/system presentation.pptx
@@ -1,47 +1,47 @@
 
 <file path=ppt/presentation.xml><?xml version="1.0" encoding="utf-8"?>
-<p:presentation xmlns:a="http://schemas.openxmlformats.org/drawingml/2006/main" xmlns:r="http://schemas.openxmlformats.org/officeDocument/2006/relationships" xmlns:mc="http://schemas.openxmlformats.org/markup-compatibility/2006" xmlns:mv="urn:schemas-microsoft-com:mac:vml" xmlns:p="http://schemas.openxmlformats.org/presentationml/2006/main" xmlns:c="http://schemas.openxmlformats.org/drawingml/2006/chart" xmlns:dgm="http://schemas.openxmlformats.org/drawingml/2006/diagram" xmlns:o="urn:schemas-microsoft-com:office:office" xmlns:v="urn:schemas-microsoft-com:vml" xmlns:pvml="urn:schemas-microsoft-com:office:powerpoint" xmlns:com="http://schemas.openxmlformats.org/drawingml/2006/compatibility" xmlns:p14="http://schemas.microsoft.com/office/powerpoint/2010/main" xmlns:p15="http://schemas.microsoft.com/office/powerpoint/2012/main" xmlns:ahyp="http://schemas.microsoft.com/office/drawing/2018/hyperlinkcolor" autoCompressPictures="0" embedTrueTypeFonts="1" strictFirstAndLastChars="0" saveSubsetFonts="1">
+<p:presentation xmlns:a="http://schemas.openxmlformats.org/drawingml/2006/main" xmlns:r="http://schemas.openxmlformats.org/officeDocument/2006/relationships" xmlns:p="http://schemas.openxmlformats.org/presentationml/2006/main" strictFirstAndLastChars="0" embedTrueTypeFonts="1" saveSubsetFonts="1" autoCompressPictures="0">
   <p:sldMasterIdLst>
-    <p:sldMasterId id="2147483659" r:id="rId4"/>
+    <p:sldMasterId id="2147483659" r:id="rId1"/>
   </p:sldMasterIdLst>
   <p:notesMasterIdLst>
-    <p:notesMasterId r:id="rId5"/>
+    <p:notesMasterId r:id="rId15"/>
   </p:notesMasterIdLst>
   <p:sldIdLst>
-    <p:sldId id="256" r:id="rId6"/>
-    <p:sldId id="257" r:id="rId7"/>
-    <p:sldId id="258" r:id="rId8"/>
-    <p:sldId id="259" r:id="rId9"/>
-    <p:sldId id="260" r:id="rId10"/>
-    <p:sldId id="261" r:id="rId11"/>
-    <p:sldId id="262" r:id="rId12"/>
-    <p:sldId id="263" r:id="rId13"/>
-    <p:sldId id="264" r:id="rId14"/>
-    <p:sldId id="265" r:id="rId15"/>
-    <p:sldId id="266" r:id="rId16"/>
-    <p:sldId id="267" r:id="rId17"/>
-    <p:sldId id="268" r:id="rId18"/>
+    <p:sldId id="256" r:id="rId2"/>
+    <p:sldId id="257" r:id="rId3"/>
+    <p:sldId id="258" r:id="rId4"/>
+    <p:sldId id="259" r:id="rId5"/>
+    <p:sldId id="260" r:id="rId6"/>
+    <p:sldId id="261" r:id="rId7"/>
+    <p:sldId id="262" r:id="rId8"/>
+    <p:sldId id="263" r:id="rId9"/>
+    <p:sldId id="264" r:id="rId10"/>
+    <p:sldId id="265" r:id="rId11"/>
+    <p:sldId id="266" r:id="rId12"/>
+    <p:sldId id="267" r:id="rId13"/>
+    <p:sldId id="268" r:id="rId14"/>
   </p:sldIdLst>
-  <p:sldSz cy="5143500" cx="9144000"/>
+  <p:sldSz cx="9144000" cy="5143500" type="screen16x9"/>
   <p:notesSz cx="6858000" cy="9144000"/>
   <p:embeddedFontLst>
     <p:embeddedFont>
-      <p:font typeface="Montserrat"/>
-      <p:regular r:id="rId19"/>
-      <p:bold r:id="rId20"/>
-      <p:italic r:id="rId21"/>
-      <p:boldItalic r:id="rId22"/>
+      <p:font typeface="Lato" panose="020F0502020204030203" pitchFamily="34" charset="0"/>
+      <p:regular r:id="rId16"/>
+      <p:bold r:id="rId17"/>
+      <p:italic r:id="rId18"/>
+      <p:boldItalic r:id="rId19"/>
     </p:embeddedFont>
     <p:embeddedFont>
-      <p:font typeface="Lato"/>
-      <p:regular r:id="rId23"/>
-      <p:bold r:id="rId24"/>
-      <p:italic r:id="rId25"/>
-      <p:boldItalic r:id="rId26"/>
+      <p:font typeface="Montserrat" panose="00000500000000000000" pitchFamily="2" charset="0"/>
+      <p:regular r:id="rId20"/>
+      <p:bold r:id="rId21"/>
+      <p:italic r:id="rId22"/>
+      <p:boldItalic r:id="rId23"/>
     </p:embeddedFont>
   </p:embeddedFontLst>
   <p:defaultTextStyle>
-    <a:defPPr lvl="0" marR="0" rtl="0" algn="l">
+    <a:defPPr marR="0" lvl="0" algn="l" rtl="0">
       <a:lnSpc>
         <a:spcPct val="100000"/>
       </a:lnSpc>
@@ -52,7 +52,7 @@
         <a:spcPts val="0"/>
       </a:spcAft>
     </a:defPPr>
-    <a:lvl1pPr lvl="0" marR="0" rtl="0" algn="l">
+    <a:lvl1pPr marR="0" lvl="0" algn="l" rtl="0">
       <a:lnSpc>
         <a:spcPct val="100000"/>
       </a:lnSpc>
@@ -66,7 +66,7 @@
         <a:srgbClr val="000000"/>
       </a:buClr>
       <a:buFont typeface="Arial"/>
-      <a:defRPr b="0" i="0" sz="1400" u="none" cap="none" strike="noStrike">
+      <a:defRPr sz="1400" b="0" i="0" u="none" strike="noStrike" cap="none">
         <a:solidFill>
           <a:srgbClr val="000000"/>
         </a:solidFill>
@@ -76,7 +76,7 @@
         <a:sym typeface="Arial"/>
       </a:defRPr>
     </a:lvl1pPr>
-    <a:lvl2pPr lvl="1" marR="0" rtl="0" algn="l">
+    <a:lvl2pPr marR="0" lvl="1" algn="l" rtl="0">
       <a:lnSpc>
         <a:spcPct val="100000"/>
       </a:lnSpc>
@@ -90,7 +90,7 @@
         <a:srgbClr val="000000"/>
       </a:buClr>
       <a:buFont typeface="Arial"/>
-      <a:defRPr b="0" i="0" sz="1400" u="none" cap="none" strike="noStrike">
+      <a:defRPr sz="1400" b="0" i="0" u="none" strike="noStrike" cap="none">
         <a:solidFill>
           <a:srgbClr val="000000"/>
         </a:solidFill>
@@ -100,7 +100,7 @@
         <a:sym typeface="Arial"/>
       </a:defRPr>
     </a:lvl2pPr>
-    <a:lvl3pPr lvl="2" marR="0" rtl="0" algn="l">
+    <a:lvl3pPr marR="0" lvl="2" algn="l" rtl="0">
       <a:lnSpc>
         <a:spcPct val="100000"/>
       </a:lnSpc>
@@ -114,7 +114,7 @@
         <a:srgbClr val="000000"/>
       </a:buClr>
       <a:buFont typeface="Arial"/>
-      <a:defRPr b="0" i="0" sz="1400" u="none" cap="none" strike="noStrike">
+      <a:defRPr sz="1400" b="0" i="0" u="none" strike="noStrike" cap="none">
         <a:solidFill>
           <a:srgbClr val="000000"/>
         </a:solidFill>
@@ -124,7 +124,7 @@
         <a:sym typeface="Arial"/>
       </a:defRPr>
     </a:lvl3pPr>
-    <a:lvl4pPr lvl="3" marR="0" rtl="0" algn="l">
+    <a:lvl4pPr marR="0" lvl="3" algn="l" rtl="0">
       <a:lnSpc>
         <a:spcPct val="100000"/>
       </a:lnSpc>
@@ -138,7 +138,7 @@
         <a:srgbClr val="000000"/>
       </a:buClr>
       <a:buFont typeface="Arial"/>
-      <a:defRPr b="0" i="0" sz="1400" u="none" cap="none" strike="noStrike">
+      <a:defRPr sz="1400" b="0" i="0" u="none" strike="noStrike" cap="none">
         <a:solidFill>
           <a:srgbClr val="000000"/>
         </a:solidFill>
@@ -148,7 +148,7 @@
         <a:sym typeface="Arial"/>
       </a:defRPr>
     </a:lvl4pPr>
-    <a:lvl5pPr lvl="4" marR="0" rtl="0" algn="l">
+    <a:lvl5pPr marR="0" lvl="4" algn="l" rtl="0">
       <a:lnSpc>
         <a:spcPct val="100000"/>
       </a:lnSpc>
@@ -162,7 +162,7 @@
         <a:srgbClr val="000000"/>
       </a:buClr>
       <a:buFont typeface="Arial"/>
-      <a:defRPr b="0" i="0" sz="1400" u="none" cap="none" strike="noStrike">
+      <a:defRPr sz="1400" b="0" i="0" u="none" strike="noStrike" cap="none">
         <a:solidFill>
           <a:srgbClr val="000000"/>
         </a:solidFill>
@@ -172,7 +172,7 @@
         <a:sym typeface="Arial"/>
       </a:defRPr>
     </a:lvl5pPr>
-    <a:lvl6pPr lvl="5" marR="0" rtl="0" algn="l">
+    <a:lvl6pPr marR="0" lvl="5" algn="l" rtl="0">
       <a:lnSpc>
         <a:spcPct val="100000"/>
       </a:lnSpc>
@@ -186,7 +186,7 @@
         <a:srgbClr val="000000"/>
       </a:buClr>
       <a:buFont typeface="Arial"/>
-      <a:defRPr b="0" i="0" sz="1400" u="none" cap="none" strike="noStrike">
+      <a:defRPr sz="1400" b="0" i="0" u="none" strike="noStrike" cap="none">
         <a:solidFill>
           <a:srgbClr val="000000"/>
         </a:solidFill>
@@ -196,7 +196,7 @@
         <a:sym typeface="Arial"/>
       </a:defRPr>
     </a:lvl6pPr>
-    <a:lvl7pPr lvl="6" marR="0" rtl="0" algn="l">
+    <a:lvl7pPr marR="0" lvl="6" algn="l" rtl="0">
       <a:lnSpc>
         <a:spcPct val="100000"/>
       </a:lnSpc>
@@ -210,7 +210,7 @@
         <a:srgbClr val="000000"/>
       </a:buClr>
       <a:buFont typeface="Arial"/>
-      <a:defRPr b="0" i="0" sz="1400" u="none" cap="none" strike="noStrike">
+      <a:defRPr sz="1400" b="0" i="0" u="none" strike="noStrike" cap="none">
         <a:solidFill>
           <a:srgbClr val="000000"/>
         </a:solidFill>
@@ -220,7 +220,7 @@
         <a:sym typeface="Arial"/>
       </a:defRPr>
     </a:lvl7pPr>
-    <a:lvl8pPr lvl="7" marR="0" rtl="0" algn="l">
+    <a:lvl8pPr marR="0" lvl="7" algn="l" rtl="0">
       <a:lnSpc>
         <a:spcPct val="100000"/>
       </a:lnSpc>
@@ -234,7 +234,7 @@
         <a:srgbClr val="000000"/>
       </a:buClr>
       <a:buFont typeface="Arial"/>
-      <a:defRPr b="0" i="0" sz="1400" u="none" cap="none" strike="noStrike">
+      <a:defRPr sz="1400" b="0" i="0" u="none" strike="noStrike" cap="none">
         <a:solidFill>
           <a:srgbClr val="000000"/>
         </a:solidFill>
@@ -244,7 +244,7 @@
         <a:sym typeface="Arial"/>
       </a:defRPr>
     </a:lvl8pPr>
-    <a:lvl9pPr lvl="8" marR="0" rtl="0" algn="l">
+    <a:lvl9pPr marR="0" lvl="8" algn="l" rtl="0">
       <a:lnSpc>
         <a:spcPct val="100000"/>
       </a:lnSpc>
@@ -258,7 +258,7 @@
         <a:srgbClr val="000000"/>
       </a:buClr>
       <a:buFont typeface="Arial"/>
-      <a:defRPr b="0" i="0" sz="1400" u="none" cap="none" strike="noStrike">
+      <a:defRPr sz="1400" b="0" i="0" u="none" strike="noStrike" cap="none">
         <a:solidFill>
           <a:srgbClr val="000000"/>
         </a:solidFill>
@@ -271,7 +271,7 @@
   </p:defaultTextStyle>
   <p:extLst>
     <p:ext uri="{EFAFB233-063F-42B5-8137-9DF3F51BA10A}">
-      <p15:sldGuideLst>
+      <p15:sldGuideLst xmlns:p15="http://schemas.microsoft.com/office/powerpoint/2012/main">
         <p15:guide id="1" orient="horz" pos="1620">
           <p15:clr>
             <a:srgbClr val="747775"/>
@@ -289,11 +289,16 @@
 </file>
 
 <file path=ppt/notesMasters/notesMaster1.xml><?xml version="1.0" encoding="utf-8"?>
-<p:notesMaster xmlns:a="http://schemas.openxmlformats.org/drawingml/2006/main" xmlns:r="http://schemas.openxmlformats.org/officeDocument/2006/relationships" xmlns:mc="http://schemas.openxmlformats.org/markup-compatibility/2006" xmlns:mv="urn:schemas-microsoft-com:mac:vml" xmlns:p="http://schemas.openxmlformats.org/presentationml/2006/main" xmlns:c="http://schemas.openxmlformats.org/drawingml/2006/chart" xmlns:dgm="http://schemas.openxmlformats.org/drawingml/2006/diagram" xmlns:o="urn:schemas-microsoft-com:office:office" xmlns:v="urn:schemas-microsoft-com:vml" xmlns:pvml="urn:schemas-microsoft-com:office:powerpoint" xmlns:com="http://schemas.openxmlformats.org/drawingml/2006/compatibility" xmlns:p14="http://schemas.microsoft.com/office/powerpoint/2010/main" xmlns:p15="http://schemas.microsoft.com/office/powerpoint/2012/main" xmlns:ahyp="http://schemas.microsoft.com/office/drawing/2018/hyperlinkcolor">
+<p:notesMaster xmlns:a="http://schemas.openxmlformats.org/drawingml/2006/main" xmlns:r="http://schemas.openxmlformats.org/officeDocument/2006/relationships" xmlns:p="http://schemas.openxmlformats.org/presentationml/2006/main">
   <p:cSld>
+    <p:bg>
+      <p:bgRef idx="1001">
+        <a:schemeClr val="bg1"/>
+      </p:bgRef>
+    </p:bg>
     <p:spTree>
       <p:nvGrpSpPr>
-        <p:cNvPr id="2" name="Shape 2"/>
+        <p:cNvPr id="1" name="Shape 2"/>
         <p:cNvGrpSpPr/>
         <p:nvPr/>
       </p:nvGrpSpPr>
@@ -308,9 +313,11 @@
       <p:sp>
         <p:nvSpPr>
           <p:cNvPr id="3" name="Google Shape;3;n"/>
-          <p:cNvSpPr/>
+          <p:cNvSpPr>
+            <a:spLocks noGrp="1" noRot="1" noChangeAspect="1"/>
+          </p:cNvSpPr>
           <p:nvPr>
-            <p:ph idx="2" type="sldImg"/>
+            <p:ph type="sldImg" idx="2"/>
           </p:nvPr>
         </p:nvSpPr>
         <p:spPr>
@@ -319,9 +326,13 @@
             <a:ext cx="6096075" cy="3429000"/>
           </a:xfrm>
           <a:custGeom>
-            <a:rect b="b" l="l" r="r" t="t"/>
+            <a:avLst/>
+            <a:gdLst/>
+            <a:ahLst/>
+            <a:cxnLst/>
+            <a:rect l="l" t="t" r="r" b="b"/>
             <a:pathLst>
-              <a:path extrusionOk="0" h="120000" w="120000">
+              <a:path w="120000" h="120000" extrusionOk="0">
                 <a:moveTo>
                   <a:pt x="0" y="0"/>
                 </a:moveTo>
@@ -339,23 +350,25 @@
             </a:pathLst>
           </a:custGeom>
           <a:noFill/>
-          <a:ln cap="flat" cmpd="sng" w="9525">
+          <a:ln w="9525" cap="flat" cmpd="sng">
             <a:solidFill>
               <a:srgbClr val="000000"/>
             </a:solidFill>
             <a:prstDash val="solid"/>
             <a:round/>
-            <a:headEnd len="sm" w="sm" type="none"/>
-            <a:tailEnd len="sm" w="sm" type="none"/>
+            <a:headEnd type="none" w="sm" len="sm"/>
+            <a:tailEnd type="none" w="sm" len="sm"/>
           </a:ln>
         </p:spPr>
       </p:sp>
       <p:sp>
         <p:nvSpPr>
           <p:cNvPr id="4" name="Google Shape;4;n"/>
-          <p:cNvSpPr txBox="1"/>
+          <p:cNvSpPr txBox="1">
+            <a:spLocks noGrp="1"/>
+          </p:cNvSpPr>
           <p:nvPr>
-            <p:ph idx="1" type="body"/>
+            <p:ph type="body" idx="1"/>
           </p:nvPr>
         </p:nvSpPr>
         <p:spPr>
@@ -372,11 +385,11 @@
           </a:ln>
         </p:spPr>
         <p:txBody>
-          <a:bodyPr anchorCtr="0" anchor="t" bIns="91425" lIns="91425" spcFirstLastPara="1" rIns="91425" wrap="square" tIns="91425">
+          <a:bodyPr spcFirstLastPara="1" wrap="square" lIns="91425" tIns="91425" rIns="91425" bIns="91425" anchor="t" anchorCtr="0">
             <a:noAutofit/>
           </a:bodyPr>
           <a:lstStyle>
-            <a:lvl1pPr indent="-298450" lvl="0" marL="457200">
+            <a:lvl1pPr marL="457200" lvl="0" indent="-298450">
               <a:spcBef>
                 <a:spcPts val="0"/>
               </a:spcBef>
@@ -387,7 +400,7 @@
               <a:buChar char="●"/>
               <a:defRPr sz="1100"/>
             </a:lvl1pPr>
-            <a:lvl2pPr indent="-298450" lvl="1" marL="914400">
+            <a:lvl2pPr marL="914400" lvl="1" indent="-298450">
               <a:spcBef>
                 <a:spcPts val="0"/>
               </a:spcBef>
@@ -398,7 +411,7 @@
               <a:buChar char="○"/>
               <a:defRPr sz="1100"/>
             </a:lvl2pPr>
-            <a:lvl3pPr indent="-298450" lvl="2" marL="1371600">
+            <a:lvl3pPr marL="1371600" lvl="2" indent="-298450">
               <a:spcBef>
                 <a:spcPts val="0"/>
               </a:spcBef>
@@ -409,7 +422,7 @@
               <a:buChar char="■"/>
               <a:defRPr sz="1100"/>
             </a:lvl3pPr>
-            <a:lvl4pPr indent="-298450" lvl="3" marL="1828800">
+            <a:lvl4pPr marL="1828800" lvl="3" indent="-298450">
               <a:spcBef>
                 <a:spcPts val="0"/>
               </a:spcBef>
@@ -420,7 +433,7 @@
               <a:buChar char="●"/>
               <a:defRPr sz="1100"/>
             </a:lvl4pPr>
-            <a:lvl5pPr indent="-298450" lvl="4" marL="2286000">
+            <a:lvl5pPr marL="2286000" lvl="4" indent="-298450">
               <a:spcBef>
                 <a:spcPts val="0"/>
               </a:spcBef>
@@ -431,7 +444,7 @@
               <a:buChar char="○"/>
               <a:defRPr sz="1100"/>
             </a:lvl5pPr>
-            <a:lvl6pPr indent="-298450" lvl="5" marL="2743200">
+            <a:lvl6pPr marL="2743200" lvl="5" indent="-298450">
               <a:spcBef>
                 <a:spcPts val="0"/>
               </a:spcBef>
@@ -442,7 +455,7 @@
               <a:buChar char="■"/>
               <a:defRPr sz="1100"/>
             </a:lvl6pPr>
-            <a:lvl7pPr indent="-298450" lvl="6" marL="3200400">
+            <a:lvl7pPr marL="3200400" lvl="6" indent="-298450">
               <a:spcBef>
                 <a:spcPts val="0"/>
               </a:spcBef>
@@ -453,7 +466,7 @@
               <a:buChar char="●"/>
               <a:defRPr sz="1100"/>
             </a:lvl7pPr>
-            <a:lvl8pPr indent="-298450" lvl="7" marL="3657600">
+            <a:lvl8pPr marL="3657600" lvl="7" indent="-298450">
               <a:spcBef>
                 <a:spcPts val="0"/>
               </a:spcBef>
@@ -464,7 +477,7 @@
               <a:buChar char="○"/>
               <a:defRPr sz="1100"/>
             </a:lvl8pPr>
-            <a:lvl9pPr indent="-298450" lvl="8" marL="4114800">
+            <a:lvl9pPr marL="4114800" lvl="8" indent="-298450">
               <a:spcBef>
                 <a:spcPts val="0"/>
               </a:spcBef>
@@ -476,14 +489,16 @@
               <a:defRPr sz="1100"/>
             </a:lvl9pPr>
           </a:lstStyle>
-          <a:p/>
+          <a:p>
+            <a:endParaRPr/>
+          </a:p>
         </p:txBody>
       </p:sp>
     </p:spTree>
   </p:cSld>
-  <p:clrMap accent1="accent1" accent2="accent2" accent3="accent3" accent4="accent4" accent5="accent5" accent6="accent6" bg1="lt1" bg2="dk2" tx1="dk1" tx2="lt2" folHlink="folHlink" hlink="hlink"/>
+  <p:clrMap bg1="lt1" tx1="dk1" bg2="dk2" tx2="lt2" accent1="accent1" accent2="accent2" accent3="accent3" accent4="accent4" accent5="accent5" accent6="accent6" hlink="hlink" folHlink="folHlink"/>
   <p:notesStyle>
-    <a:defPPr lvl="0" marR="0" rtl="0" algn="l">
+    <a:defPPr marR="0" lvl="0" algn="l" rtl="0">
       <a:lnSpc>
         <a:spcPct val="100000"/>
       </a:lnSpc>
@@ -494,7 +509,7 @@
         <a:spcPts val="0"/>
       </a:spcAft>
     </a:defPPr>
-    <a:lvl1pPr lvl="0" marR="0" rtl="0" algn="l">
+    <a:lvl1pPr marR="0" lvl="0" algn="l" rtl="0">
       <a:lnSpc>
         <a:spcPct val="100000"/>
       </a:lnSpc>
@@ -508,7 +523,7 @@
         <a:srgbClr val="000000"/>
       </a:buClr>
       <a:buFont typeface="Arial"/>
-      <a:defRPr b="0" i="0" sz="1400" u="none" cap="none" strike="noStrike">
+      <a:defRPr sz="1400" b="0" i="0" u="none" strike="noStrike" cap="none">
         <a:solidFill>
           <a:srgbClr val="000000"/>
         </a:solidFill>
@@ -518,7 +533,7 @@
         <a:sym typeface="Arial"/>
       </a:defRPr>
     </a:lvl1pPr>
-    <a:lvl2pPr lvl="1" marR="0" rtl="0" algn="l">
+    <a:lvl2pPr marR="0" lvl="1" algn="l" rtl="0">
       <a:lnSpc>
         <a:spcPct val="100000"/>
       </a:lnSpc>
@@ -532,7 +547,7 @@
         <a:srgbClr val="000000"/>
       </a:buClr>
       <a:buFont typeface="Arial"/>
-      <a:defRPr b="0" i="0" sz="1400" u="none" cap="none" strike="noStrike">
+      <a:defRPr sz="1400" b="0" i="0" u="none" strike="noStrike" cap="none">
         <a:solidFill>
           <a:srgbClr val="000000"/>
         </a:solidFill>
@@ -542,7 +557,7 @@
         <a:sym typeface="Arial"/>
       </a:defRPr>
     </a:lvl2pPr>
-    <a:lvl3pPr lvl="2" marR="0" rtl="0" algn="l">
+    <a:lvl3pPr marR="0" lvl="2" algn="l" rtl="0">
       <a:lnSpc>
         <a:spcPct val="100000"/>
       </a:lnSpc>
@@ -556,7 +571,7 @@
         <a:srgbClr val="000000"/>
       </a:buClr>
       <a:buFont typeface="Arial"/>
-      <a:defRPr b="0" i="0" sz="1400" u="none" cap="none" strike="noStrike">
+      <a:defRPr sz="1400" b="0" i="0" u="none" strike="noStrike" cap="none">
         <a:solidFill>
           <a:srgbClr val="000000"/>
         </a:solidFill>
@@ -566,7 +581,7 @@
         <a:sym typeface="Arial"/>
       </a:defRPr>
     </a:lvl3pPr>
-    <a:lvl4pPr lvl="3" marR="0" rtl="0" algn="l">
+    <a:lvl4pPr marR="0" lvl="3" algn="l" rtl="0">
       <a:lnSpc>
         <a:spcPct val="100000"/>
       </a:lnSpc>
@@ -580,7 +595,7 @@
         <a:srgbClr val="000000"/>
       </a:buClr>
       <a:buFont typeface="Arial"/>
-      <a:defRPr b="0" i="0" sz="1400" u="none" cap="none" strike="noStrike">
+      <a:defRPr sz="1400" b="0" i="0" u="none" strike="noStrike" cap="none">
         <a:solidFill>
           <a:srgbClr val="000000"/>
         </a:solidFill>
@@ -590,7 +605,7 @@
         <a:sym typeface="Arial"/>
       </a:defRPr>
     </a:lvl4pPr>
-    <a:lvl5pPr lvl="4" marR="0" rtl="0" algn="l">
+    <a:lvl5pPr marR="0" lvl="4" algn="l" rtl="0">
       <a:lnSpc>
         <a:spcPct val="100000"/>
       </a:lnSpc>
@@ -604,7 +619,7 @@
         <a:srgbClr val="000000"/>
       </a:buClr>
       <a:buFont typeface="Arial"/>
-      <a:defRPr b="0" i="0" sz="1400" u="none" cap="none" strike="noStrike">
+      <a:defRPr sz="1400" b="0" i="0" u="none" strike="noStrike" cap="none">
         <a:solidFill>
           <a:srgbClr val="000000"/>
         </a:solidFill>
@@ -614,7 +629,7 @@
         <a:sym typeface="Arial"/>
       </a:defRPr>
     </a:lvl5pPr>
-    <a:lvl6pPr lvl="5" marR="0" rtl="0" algn="l">
+    <a:lvl6pPr marR="0" lvl="5" algn="l" rtl="0">
       <a:lnSpc>
         <a:spcPct val="100000"/>
       </a:lnSpc>
@@ -628,7 +643,7 @@
         <a:srgbClr val="000000"/>
       </a:buClr>
       <a:buFont typeface="Arial"/>
-      <a:defRPr b="0" i="0" sz="1400" u="none" cap="none" strike="noStrike">
+      <a:defRPr sz="1400" b="0" i="0" u="none" strike="noStrike" cap="none">
         <a:solidFill>
           <a:srgbClr val="000000"/>
         </a:solidFill>
@@ -638,7 +653,7 @@
         <a:sym typeface="Arial"/>
       </a:defRPr>
     </a:lvl6pPr>
-    <a:lvl7pPr lvl="6" marR="0" rtl="0" algn="l">
+    <a:lvl7pPr marR="0" lvl="6" algn="l" rtl="0">
       <a:lnSpc>
         <a:spcPct val="100000"/>
       </a:lnSpc>
@@ -652,7 +667,7 @@
         <a:srgbClr val="000000"/>
       </a:buClr>
       <a:buFont typeface="Arial"/>
-      <a:defRPr b="0" i="0" sz="1400" u="none" cap="none" strike="noStrike">
+      <a:defRPr sz="1400" b="0" i="0" u="none" strike="noStrike" cap="none">
         <a:solidFill>
           <a:srgbClr val="000000"/>
         </a:solidFill>
@@ -662,7 +677,7 @@
         <a:sym typeface="Arial"/>
       </a:defRPr>
     </a:lvl7pPr>
-    <a:lvl8pPr lvl="7" marR="0" rtl="0" algn="l">
+    <a:lvl8pPr marR="0" lvl="7" algn="l" rtl="0">
       <a:lnSpc>
         <a:spcPct val="100000"/>
       </a:lnSpc>
@@ -676,7 +691,7 @@
         <a:srgbClr val="000000"/>
       </a:buClr>
       <a:buFont typeface="Arial"/>
-      <a:defRPr b="0" i="0" sz="1400" u="none" cap="none" strike="noStrike">
+      <a:defRPr sz="1400" b="0" i="0" u="none" strike="noStrike" cap="none">
         <a:solidFill>
           <a:srgbClr val="000000"/>
         </a:solidFill>
@@ -686,7 +701,7 @@
         <a:sym typeface="Arial"/>
       </a:defRPr>
     </a:lvl8pPr>
-    <a:lvl9pPr lvl="8" marR="0" rtl="0" algn="l">
+    <a:lvl9pPr marR="0" lvl="8" algn="l" rtl="0">
       <a:lnSpc>
         <a:spcPct val="100000"/>
       </a:lnSpc>
@@ -700,7 +715,7 @@
         <a:srgbClr val="000000"/>
       </a:buClr>
       <a:buFont typeface="Arial"/>
-      <a:defRPr b="0" i="0" sz="1400" u="none" cap="none" strike="noStrike">
+      <a:defRPr sz="1400" b="0" i="0" u="none" strike="noStrike" cap="none">
         <a:solidFill>
           <a:srgbClr val="000000"/>
         </a:solidFill>
@@ -715,11 +730,11 @@
 </file>
 
 <file path=ppt/notesSlides/notesSlide1.xml><?xml version="1.0" encoding="utf-8"?>
-<p:notes xmlns:a="http://schemas.openxmlformats.org/drawingml/2006/main" xmlns:r="http://schemas.openxmlformats.org/officeDocument/2006/relationships" xmlns:mc="http://schemas.openxmlformats.org/markup-compatibility/2006" xmlns:mv="urn:schemas-microsoft-com:mac:vml" xmlns:p="http://schemas.openxmlformats.org/presentationml/2006/main" xmlns:c="http://schemas.openxmlformats.org/drawingml/2006/chart" xmlns:dgm="http://schemas.openxmlformats.org/drawingml/2006/diagram" xmlns:o="urn:schemas-microsoft-com:office:office" xmlns:v="urn:schemas-microsoft-com:vml" xmlns:pvml="urn:schemas-microsoft-com:office:powerpoint" xmlns:com="http://schemas.openxmlformats.org/drawingml/2006/compatibility" xmlns:p14="http://schemas.microsoft.com/office/powerpoint/2010/main" xmlns:p15="http://schemas.microsoft.com/office/powerpoint/2012/main" xmlns:ahyp="http://schemas.microsoft.com/office/drawing/2018/hyperlinkcolor" showMasterPhAnim="0" showMasterSp="0">
+<p:notes xmlns:a="http://schemas.openxmlformats.org/drawingml/2006/main" xmlns:r="http://schemas.openxmlformats.org/officeDocument/2006/relationships" xmlns:p="http://schemas.openxmlformats.org/presentationml/2006/main" showMasterSp="0" showMasterPhAnim="0">
   <p:cSld>
     <p:spTree>
       <p:nvGrpSpPr>
-        <p:cNvPr id="130" name="Shape 130"/>
+        <p:cNvPr id="1" name="Shape 130"/>
         <p:cNvGrpSpPr/>
         <p:nvPr/>
       </p:nvGrpSpPr>
@@ -734,9 +749,11 @@
       <p:sp>
         <p:nvSpPr>
           <p:cNvPr id="131" name="Google Shape;131;p:notes"/>
-          <p:cNvSpPr/>
+          <p:cNvSpPr>
+            <a:spLocks noGrp="1" noRot="1" noChangeAspect="1"/>
+          </p:cNvSpPr>
           <p:nvPr>
-            <p:ph idx="2" type="sldImg"/>
+            <p:ph type="sldImg" idx="2"/>
           </p:nvPr>
         </p:nvSpPr>
         <p:spPr>
@@ -745,9 +762,13 @@
             <a:ext cx="6096075" cy="3429000"/>
           </a:xfrm>
           <a:custGeom>
-            <a:rect b="b" l="l" r="r" t="t"/>
+            <a:avLst/>
+            <a:gdLst/>
+            <a:ahLst/>
+            <a:cxnLst/>
+            <a:rect l="l" t="t" r="r" b="b"/>
             <a:pathLst>
-              <a:path extrusionOk="0" h="120000" w="120000">
+              <a:path w="120000" h="120000" extrusionOk="0">
                 <a:moveTo>
                   <a:pt x="0" y="0"/>
                 </a:moveTo>
@@ -769,9 +790,11 @@
       <p:sp>
         <p:nvSpPr>
           <p:cNvPr id="132" name="Google Shape;132;p:notes"/>
-          <p:cNvSpPr txBox="1"/>
+          <p:cNvSpPr txBox="1">
+            <a:spLocks noGrp="1"/>
+          </p:cNvSpPr>
           <p:nvPr>
-            <p:ph idx="1" type="body"/>
+            <p:ph type="body" idx="1"/>
           </p:nvPr>
         </p:nvSpPr>
         <p:spPr>
@@ -784,12 +807,12 @@
           </a:prstGeom>
         </p:spPr>
         <p:txBody>
-          <a:bodyPr anchorCtr="0" anchor="t" bIns="91425" lIns="91425" spcFirstLastPara="1" rIns="91425" wrap="square" tIns="91425">
+          <a:bodyPr spcFirstLastPara="1" wrap="square" lIns="91425" tIns="91425" rIns="91425" bIns="91425" anchor="t" anchorCtr="0">
             <a:noAutofit/>
           </a:bodyPr>
           <a:lstStyle/>
           <a:p>
-            <a:pPr indent="0" lvl="0" marL="0" rtl="0" algn="l">
+            <a:pPr marL="0" lvl="0" indent="0" algn="l" rtl="0">
               <a:spcBef>
                 <a:spcPts val="0"/>
               </a:spcBef>
@@ -798,9 +821,6 @@
               </a:spcAft>
               <a:buNone/>
             </a:pPr>
-            <a:r>
-              <a:t/>
-            </a:r>
             <a:endParaRPr/>
           </a:p>
         </p:txBody>
@@ -814,11 +834,11 @@
 </file>
 
 <file path=ppt/notesSlides/notesSlide10.xml><?xml version="1.0" encoding="utf-8"?>
-<p:notes xmlns:a="http://schemas.openxmlformats.org/drawingml/2006/main" xmlns:r="http://schemas.openxmlformats.org/officeDocument/2006/relationships" xmlns:mc="http://schemas.openxmlformats.org/markup-compatibility/2006" xmlns:mv="urn:schemas-microsoft-com:mac:vml" xmlns:p="http://schemas.openxmlformats.org/presentationml/2006/main" xmlns:c="http://schemas.openxmlformats.org/drawingml/2006/chart" xmlns:dgm="http://schemas.openxmlformats.org/drawingml/2006/diagram" xmlns:o="urn:schemas-microsoft-com:office:office" xmlns:v="urn:schemas-microsoft-com:vml" xmlns:pvml="urn:schemas-microsoft-com:office:powerpoint" xmlns:com="http://schemas.openxmlformats.org/drawingml/2006/compatibility" xmlns:p14="http://schemas.microsoft.com/office/powerpoint/2010/main" xmlns:p15="http://schemas.microsoft.com/office/powerpoint/2012/main" xmlns:ahyp="http://schemas.microsoft.com/office/drawing/2018/hyperlinkcolor" showMasterPhAnim="0" showMasterSp="0">
+<p:notes xmlns:a="http://schemas.openxmlformats.org/drawingml/2006/main" xmlns:r="http://schemas.openxmlformats.org/officeDocument/2006/relationships" xmlns:p="http://schemas.openxmlformats.org/presentationml/2006/main" showMasterSp="0" showMasterPhAnim="0">
   <p:cSld>
     <p:spTree>
       <p:nvGrpSpPr>
-        <p:cNvPr id="184" name="Shape 184"/>
+        <p:cNvPr id="1" name="Shape 184"/>
         <p:cNvGrpSpPr/>
         <p:nvPr/>
       </p:nvGrpSpPr>
@@ -833,20 +853,26 @@
       <p:sp>
         <p:nvSpPr>
           <p:cNvPr id="185" name="Google Shape;185;g2c4bf68cba4_0_348:notes"/>
-          <p:cNvSpPr/>
+          <p:cNvSpPr>
+            <a:spLocks noGrp="1" noRot="1" noChangeAspect="1"/>
+          </p:cNvSpPr>
           <p:nvPr>
-            <p:ph idx="2" type="sldImg"/>
+            <p:ph type="sldImg" idx="2"/>
           </p:nvPr>
         </p:nvSpPr>
         <p:spPr>
           <a:xfrm>
-            <a:off x="381300" y="685800"/>
+            <a:off x="381000" y="685800"/>
             <a:ext cx="6096000" cy="3429000"/>
           </a:xfrm>
           <a:custGeom>
-            <a:rect b="b" l="l" r="r" t="t"/>
+            <a:avLst/>
+            <a:gdLst/>
+            <a:ahLst/>
+            <a:cxnLst/>
+            <a:rect l="l" t="t" r="r" b="b"/>
             <a:pathLst>
-              <a:path extrusionOk="0" h="120000" w="120000">
+              <a:path w="120000" h="120000" extrusionOk="0">
                 <a:moveTo>
                   <a:pt x="0" y="0"/>
                 </a:moveTo>
@@ -868,9 +894,11 @@
       <p:sp>
         <p:nvSpPr>
           <p:cNvPr id="186" name="Google Shape;186;g2c4bf68cba4_0_348:notes"/>
-          <p:cNvSpPr txBox="1"/>
+          <p:cNvSpPr txBox="1">
+            <a:spLocks noGrp="1"/>
+          </p:cNvSpPr>
           <p:nvPr>
-            <p:ph idx="1" type="body"/>
+            <p:ph type="body" idx="1"/>
           </p:nvPr>
         </p:nvSpPr>
         <p:spPr>
@@ -883,12 +911,12 @@
           </a:prstGeom>
         </p:spPr>
         <p:txBody>
-          <a:bodyPr anchorCtr="0" anchor="t" bIns="91425" lIns="91425" spcFirstLastPara="1" rIns="91425" wrap="square" tIns="91425">
+          <a:bodyPr spcFirstLastPara="1" wrap="square" lIns="91425" tIns="91425" rIns="91425" bIns="91425" anchor="t" anchorCtr="0">
             <a:noAutofit/>
           </a:bodyPr>
           <a:lstStyle/>
           <a:p>
-            <a:pPr indent="0" lvl="0" marL="0" rtl="0" algn="l">
+            <a:pPr marL="0" lvl="0" indent="0" algn="l" rtl="0">
               <a:spcBef>
                 <a:spcPts val="0"/>
               </a:spcBef>
@@ -914,11 +942,11 @@
 </file>
 
 <file path=ppt/notesSlides/notesSlide11.xml><?xml version="1.0" encoding="utf-8"?>
-<p:notes xmlns:a="http://schemas.openxmlformats.org/drawingml/2006/main" xmlns:r="http://schemas.openxmlformats.org/officeDocument/2006/relationships" xmlns:mc="http://schemas.openxmlformats.org/markup-compatibility/2006" xmlns:mv="urn:schemas-microsoft-com:mac:vml" xmlns:p="http://schemas.openxmlformats.org/presentationml/2006/main" xmlns:c="http://schemas.openxmlformats.org/drawingml/2006/chart" xmlns:dgm="http://schemas.openxmlformats.org/drawingml/2006/diagram" xmlns:o="urn:schemas-microsoft-com:office:office" xmlns:v="urn:schemas-microsoft-com:vml" xmlns:pvml="urn:schemas-microsoft-com:office:powerpoint" xmlns:com="http://schemas.openxmlformats.org/drawingml/2006/compatibility" xmlns:p14="http://schemas.microsoft.com/office/powerpoint/2010/main" xmlns:p15="http://schemas.microsoft.com/office/powerpoint/2012/main" xmlns:ahyp="http://schemas.microsoft.com/office/drawing/2018/hyperlinkcolor" showMasterPhAnim="0" showMasterSp="0">
+<p:notes xmlns:a="http://schemas.openxmlformats.org/drawingml/2006/main" xmlns:r="http://schemas.openxmlformats.org/officeDocument/2006/relationships" xmlns:p="http://schemas.openxmlformats.org/presentationml/2006/main" showMasterSp="0" showMasterPhAnim="0">
   <p:cSld>
     <p:spTree>
       <p:nvGrpSpPr>
-        <p:cNvPr id="191" name="Shape 191"/>
+        <p:cNvPr id="1" name="Shape 191"/>
         <p:cNvGrpSpPr/>
         <p:nvPr/>
       </p:nvGrpSpPr>
@@ -933,9 +961,11 @@
       <p:sp>
         <p:nvSpPr>
           <p:cNvPr id="192" name="Google Shape;192;g2c4bf68cba4_0_354:notes"/>
-          <p:cNvSpPr/>
+          <p:cNvSpPr>
+            <a:spLocks noGrp="1" noRot="1" noChangeAspect="1"/>
+          </p:cNvSpPr>
           <p:nvPr>
-            <p:ph idx="2" type="sldImg"/>
+            <p:ph type="sldImg" idx="2"/>
           </p:nvPr>
         </p:nvSpPr>
         <p:spPr>
@@ -944,9 +974,13 @@
             <a:ext cx="6096000" cy="3429000"/>
           </a:xfrm>
           <a:custGeom>
-            <a:rect b="b" l="l" r="r" t="t"/>
+            <a:avLst/>
+            <a:gdLst/>
+            <a:ahLst/>
+            <a:cxnLst/>
+            <a:rect l="l" t="t" r="r" b="b"/>
             <a:pathLst>
-              <a:path extrusionOk="0" h="120000" w="120000">
+              <a:path w="120000" h="120000" extrusionOk="0">
                 <a:moveTo>
                   <a:pt x="0" y="0"/>
                 </a:moveTo>
@@ -968,9 +1002,11 @@
       <p:sp>
         <p:nvSpPr>
           <p:cNvPr id="193" name="Google Shape;193;g2c4bf68cba4_0_354:notes"/>
-          <p:cNvSpPr txBox="1"/>
+          <p:cNvSpPr txBox="1">
+            <a:spLocks noGrp="1"/>
+          </p:cNvSpPr>
           <p:nvPr>
-            <p:ph idx="1" type="body"/>
+            <p:ph type="body" idx="1"/>
           </p:nvPr>
         </p:nvSpPr>
         <p:spPr>
@@ -983,12 +1019,12 @@
           </a:prstGeom>
         </p:spPr>
         <p:txBody>
-          <a:bodyPr anchorCtr="0" anchor="t" bIns="91425" lIns="91425" spcFirstLastPara="1" rIns="91425" wrap="square" tIns="91425">
+          <a:bodyPr spcFirstLastPara="1" wrap="square" lIns="91425" tIns="91425" rIns="91425" bIns="91425" anchor="t" anchorCtr="0">
             <a:noAutofit/>
           </a:bodyPr>
           <a:lstStyle/>
           <a:p>
-            <a:pPr indent="0" lvl="0" marL="0" rtl="0" algn="l">
+            <a:pPr marL="0" lvl="0" indent="0" algn="l" rtl="0">
               <a:spcBef>
                 <a:spcPts val="0"/>
               </a:spcBef>
@@ -999,15 +1035,7 @@
             </a:pPr>
             <a:r>
               <a:rPr lang="en"/>
-              <a:t>After talking though the following slide, pull up the website on both google chrome and microsoft edge, then run the API in both windows. (to show that the website is load tested and has cross browser </a:t>
-            </a:r>
-            <a:r>
-              <a:rPr lang="en"/>
-              <a:t>compatibility</a:t>
-            </a:r>
-            <a:r>
-              <a:rPr lang="en"/>
-              <a:t>)</a:t>
+              <a:t>After talking though the following slide, pull up the website on both google chrome and microsoft edge, then run the API in both windows. (to show that the website is load tested and has cross browser compatibility)</a:t>
             </a:r>
             <a:endParaRPr/>
           </a:p>
@@ -1022,11 +1050,11 @@
 </file>
 
 <file path=ppt/notesSlides/notesSlide12.xml><?xml version="1.0" encoding="utf-8"?>
-<p:notes xmlns:a="http://schemas.openxmlformats.org/drawingml/2006/main" xmlns:r="http://schemas.openxmlformats.org/officeDocument/2006/relationships" xmlns:mc="http://schemas.openxmlformats.org/markup-compatibility/2006" xmlns:mv="urn:schemas-microsoft-com:mac:vml" xmlns:p="http://schemas.openxmlformats.org/presentationml/2006/main" xmlns:c="http://schemas.openxmlformats.org/drawingml/2006/chart" xmlns:dgm="http://schemas.openxmlformats.org/drawingml/2006/diagram" xmlns:o="urn:schemas-microsoft-com:office:office" xmlns:v="urn:schemas-microsoft-com:vml" xmlns:pvml="urn:schemas-microsoft-com:office:powerpoint" xmlns:com="http://schemas.openxmlformats.org/drawingml/2006/compatibility" xmlns:p14="http://schemas.microsoft.com/office/powerpoint/2010/main" xmlns:p15="http://schemas.microsoft.com/office/powerpoint/2012/main" xmlns:ahyp="http://schemas.microsoft.com/office/drawing/2018/hyperlinkcolor" showMasterPhAnim="0" showMasterSp="0">
+<p:notes xmlns:a="http://schemas.openxmlformats.org/drawingml/2006/main" xmlns:r="http://schemas.openxmlformats.org/officeDocument/2006/relationships" xmlns:p="http://schemas.openxmlformats.org/presentationml/2006/main" showMasterSp="0" showMasterPhAnim="0">
   <p:cSld>
     <p:spTree>
       <p:nvGrpSpPr>
-        <p:cNvPr id="196" name="Shape 196"/>
+        <p:cNvPr id="1" name="Shape 196"/>
         <p:cNvGrpSpPr/>
         <p:nvPr/>
       </p:nvGrpSpPr>
@@ -1041,9 +1069,11 @@
       <p:sp>
         <p:nvSpPr>
           <p:cNvPr id="197" name="Google Shape;197;g2c4bf68cba4_0_358:notes"/>
-          <p:cNvSpPr/>
+          <p:cNvSpPr>
+            <a:spLocks noGrp="1" noRot="1" noChangeAspect="1"/>
+          </p:cNvSpPr>
           <p:nvPr>
-            <p:ph idx="2" type="sldImg"/>
+            <p:ph type="sldImg" idx="2"/>
           </p:nvPr>
         </p:nvSpPr>
         <p:spPr>
@@ -1052,9 +1082,13 @@
             <a:ext cx="6096000" cy="3429000"/>
           </a:xfrm>
           <a:custGeom>
-            <a:rect b="b" l="l" r="r" t="t"/>
+            <a:avLst/>
+            <a:gdLst/>
+            <a:ahLst/>
+            <a:cxnLst/>
+            <a:rect l="l" t="t" r="r" b="b"/>
             <a:pathLst>
-              <a:path extrusionOk="0" h="120000" w="120000">
+              <a:path w="120000" h="120000" extrusionOk="0">
                 <a:moveTo>
                   <a:pt x="0" y="0"/>
                 </a:moveTo>
@@ -1076,9 +1110,11 @@
       <p:sp>
         <p:nvSpPr>
           <p:cNvPr id="198" name="Google Shape;198;g2c4bf68cba4_0_358:notes"/>
-          <p:cNvSpPr txBox="1"/>
+          <p:cNvSpPr txBox="1">
+            <a:spLocks noGrp="1"/>
+          </p:cNvSpPr>
           <p:nvPr>
-            <p:ph idx="1" type="body"/>
+            <p:ph type="body" idx="1"/>
           </p:nvPr>
         </p:nvSpPr>
         <p:spPr>
@@ -1091,12 +1127,12 @@
           </a:prstGeom>
         </p:spPr>
         <p:txBody>
-          <a:bodyPr anchorCtr="0" anchor="t" bIns="91425" lIns="91425" spcFirstLastPara="1" rIns="91425" wrap="square" tIns="91425">
+          <a:bodyPr spcFirstLastPara="1" wrap="square" lIns="91425" tIns="91425" rIns="91425" bIns="91425" anchor="t" anchorCtr="0">
             <a:noAutofit/>
           </a:bodyPr>
           <a:lstStyle/>
           <a:p>
-            <a:pPr indent="0" lvl="0" marL="0" rtl="0" algn="l">
+            <a:pPr marL="0" lvl="0" indent="0" algn="l" rtl="0">
               <a:spcBef>
                 <a:spcPts val="0"/>
               </a:spcBef>
@@ -1107,15 +1143,7 @@
             </a:pPr>
             <a:r>
               <a:rPr lang="en"/>
-              <a:t>Point </a:t>
-            </a:r>
-            <a:r>
-              <a:rPr lang="en"/>
-              <a:t>out</a:t>
-            </a:r>
-            <a:r>
-              <a:rPr lang="en"/>
-              <a:t> design choices when referencing neo-brutalism.</a:t>
+              <a:t>Point out design choices when referencing neo-brutalism.</a:t>
             </a:r>
             <a:endParaRPr/>
           </a:p>
@@ -1130,11 +1158,11 @@
 </file>
 
 <file path=ppt/notesSlides/notesSlide13.xml><?xml version="1.0" encoding="utf-8"?>
-<p:notes xmlns:a="http://schemas.openxmlformats.org/drawingml/2006/main" xmlns:r="http://schemas.openxmlformats.org/officeDocument/2006/relationships" xmlns:mc="http://schemas.openxmlformats.org/markup-compatibility/2006" xmlns:mv="urn:schemas-microsoft-com:mac:vml" xmlns:p="http://schemas.openxmlformats.org/presentationml/2006/main" xmlns:c="http://schemas.openxmlformats.org/drawingml/2006/chart" xmlns:dgm="http://schemas.openxmlformats.org/drawingml/2006/diagram" xmlns:o="urn:schemas-microsoft-com:office:office" xmlns:v="urn:schemas-microsoft-com:vml" xmlns:pvml="urn:schemas-microsoft-com:office:powerpoint" xmlns:com="http://schemas.openxmlformats.org/drawingml/2006/compatibility" xmlns:p14="http://schemas.microsoft.com/office/powerpoint/2010/main" xmlns:p15="http://schemas.microsoft.com/office/powerpoint/2012/main" xmlns:ahyp="http://schemas.microsoft.com/office/drawing/2018/hyperlinkcolor" showMasterPhAnim="0" showMasterSp="0">
+<p:notes xmlns:a="http://schemas.openxmlformats.org/drawingml/2006/main" xmlns:r="http://schemas.openxmlformats.org/officeDocument/2006/relationships" xmlns:p="http://schemas.openxmlformats.org/presentationml/2006/main" showMasterSp="0" showMasterPhAnim="0">
   <p:cSld>
     <p:spTree>
       <p:nvGrpSpPr>
-        <p:cNvPr id="203" name="Shape 203"/>
+        <p:cNvPr id="1" name="Shape 203"/>
         <p:cNvGrpSpPr/>
         <p:nvPr/>
       </p:nvGrpSpPr>
@@ -1149,9 +1177,11 @@
       <p:sp>
         <p:nvSpPr>
           <p:cNvPr id="204" name="Google Shape;204;g2c4bf68cba4_0_364:notes"/>
-          <p:cNvSpPr/>
+          <p:cNvSpPr>
+            <a:spLocks noGrp="1" noRot="1" noChangeAspect="1"/>
+          </p:cNvSpPr>
           <p:nvPr>
-            <p:ph idx="2" type="sldImg"/>
+            <p:ph type="sldImg" idx="2"/>
           </p:nvPr>
         </p:nvSpPr>
         <p:spPr>
@@ -1160,9 +1190,13 @@
             <a:ext cx="6096000" cy="3429000"/>
           </a:xfrm>
           <a:custGeom>
-            <a:rect b="b" l="l" r="r" t="t"/>
+            <a:avLst/>
+            <a:gdLst/>
+            <a:ahLst/>
+            <a:cxnLst/>
+            <a:rect l="l" t="t" r="r" b="b"/>
             <a:pathLst>
-              <a:path extrusionOk="0" h="120000" w="120000">
+              <a:path w="120000" h="120000" extrusionOk="0">
                 <a:moveTo>
                   <a:pt x="0" y="0"/>
                 </a:moveTo>
@@ -1184,9 +1218,11 @@
       <p:sp>
         <p:nvSpPr>
           <p:cNvPr id="205" name="Google Shape;205;g2c4bf68cba4_0_364:notes"/>
-          <p:cNvSpPr txBox="1"/>
+          <p:cNvSpPr txBox="1">
+            <a:spLocks noGrp="1"/>
+          </p:cNvSpPr>
           <p:nvPr>
-            <p:ph idx="1" type="body"/>
+            <p:ph type="body" idx="1"/>
           </p:nvPr>
         </p:nvSpPr>
         <p:spPr>
@@ -1199,12 +1235,12 @@
           </a:prstGeom>
         </p:spPr>
         <p:txBody>
-          <a:bodyPr anchorCtr="0" anchor="t" bIns="91425" lIns="91425" spcFirstLastPara="1" rIns="91425" wrap="square" tIns="91425">
+          <a:bodyPr spcFirstLastPara="1" wrap="square" lIns="91425" tIns="91425" rIns="91425" bIns="91425" anchor="t" anchorCtr="0">
             <a:noAutofit/>
           </a:bodyPr>
           <a:lstStyle/>
           <a:p>
-            <a:pPr indent="0" lvl="0" marL="0" rtl="0" algn="l">
+            <a:pPr marL="0" lvl="0" indent="0" algn="l" rtl="0">
               <a:spcBef>
                 <a:spcPts val="0"/>
               </a:spcBef>
@@ -1230,11 +1266,11 @@
 </file>
 
 <file path=ppt/notesSlides/notesSlide2.xml><?xml version="1.0" encoding="utf-8"?>
-<p:notes xmlns:a="http://schemas.openxmlformats.org/drawingml/2006/main" xmlns:r="http://schemas.openxmlformats.org/officeDocument/2006/relationships" xmlns:mc="http://schemas.openxmlformats.org/markup-compatibility/2006" xmlns:mv="urn:schemas-microsoft-com:mac:vml" xmlns:p="http://schemas.openxmlformats.org/presentationml/2006/main" xmlns:c="http://schemas.openxmlformats.org/drawingml/2006/chart" xmlns:dgm="http://schemas.openxmlformats.org/drawingml/2006/diagram" xmlns:o="urn:schemas-microsoft-com:office:office" xmlns:v="urn:schemas-microsoft-com:vml" xmlns:pvml="urn:schemas-microsoft-com:office:powerpoint" xmlns:com="http://schemas.openxmlformats.org/drawingml/2006/compatibility" xmlns:p14="http://schemas.microsoft.com/office/powerpoint/2010/main" xmlns:p15="http://schemas.microsoft.com/office/powerpoint/2012/main" xmlns:ahyp="http://schemas.microsoft.com/office/drawing/2018/hyperlinkcolor" showMasterPhAnim="0" showMasterSp="0">
+<p:notes xmlns:a="http://schemas.openxmlformats.org/drawingml/2006/main" xmlns:r="http://schemas.openxmlformats.org/officeDocument/2006/relationships" xmlns:p="http://schemas.openxmlformats.org/presentationml/2006/main" showMasterSp="0" showMasterPhAnim="0">
   <p:cSld>
     <p:spTree>
       <p:nvGrpSpPr>
-        <p:cNvPr id="136" name="Shape 136"/>
+        <p:cNvPr id="1" name="Shape 136"/>
         <p:cNvGrpSpPr/>
         <p:nvPr/>
       </p:nvGrpSpPr>
@@ -1249,9 +1285,11 @@
       <p:sp>
         <p:nvSpPr>
           <p:cNvPr id="137" name="Google Shape;137;g2c4bf68cba4_0_0:notes"/>
-          <p:cNvSpPr/>
+          <p:cNvSpPr>
+            <a:spLocks noGrp="1" noRot="1" noChangeAspect="1"/>
+          </p:cNvSpPr>
           <p:nvPr>
-            <p:ph idx="2" type="sldImg"/>
+            <p:ph type="sldImg" idx="2"/>
           </p:nvPr>
         </p:nvSpPr>
         <p:spPr>
@@ -1260,9 +1298,13 @@
             <a:ext cx="6096000" cy="3429000"/>
           </a:xfrm>
           <a:custGeom>
-            <a:rect b="b" l="l" r="r" t="t"/>
+            <a:avLst/>
+            <a:gdLst/>
+            <a:ahLst/>
+            <a:cxnLst/>
+            <a:rect l="l" t="t" r="r" b="b"/>
             <a:pathLst>
-              <a:path extrusionOk="0" h="120000" w="120000">
+              <a:path w="120000" h="120000" extrusionOk="0">
                 <a:moveTo>
                   <a:pt x="0" y="0"/>
                 </a:moveTo>
@@ -1284,9 +1326,11 @@
       <p:sp>
         <p:nvSpPr>
           <p:cNvPr id="138" name="Google Shape;138;g2c4bf68cba4_0_0:notes"/>
-          <p:cNvSpPr txBox="1"/>
+          <p:cNvSpPr txBox="1">
+            <a:spLocks noGrp="1"/>
+          </p:cNvSpPr>
           <p:nvPr>
-            <p:ph idx="1" type="body"/>
+            <p:ph type="body" idx="1"/>
           </p:nvPr>
         </p:nvSpPr>
         <p:spPr>
@@ -1299,12 +1343,12 @@
           </a:prstGeom>
         </p:spPr>
         <p:txBody>
-          <a:bodyPr anchorCtr="0" anchor="t" bIns="91425" lIns="91425" spcFirstLastPara="1" rIns="91425" wrap="square" tIns="91425">
+          <a:bodyPr spcFirstLastPara="1" wrap="square" lIns="91425" tIns="91425" rIns="91425" bIns="91425" anchor="t" anchorCtr="0">
             <a:noAutofit/>
           </a:bodyPr>
           <a:lstStyle/>
           <a:p>
-            <a:pPr indent="0" lvl="0" marL="0" rtl="0" algn="l">
+            <a:pPr marL="0" lvl="0" indent="0" algn="l" rtl="0">
               <a:spcBef>
                 <a:spcPts val="0"/>
               </a:spcBef>
@@ -1313,9 +1357,6 @@
               </a:spcAft>
               <a:buNone/>
             </a:pPr>
-            <a:r>
-              <a:t/>
-            </a:r>
             <a:endParaRPr/>
           </a:p>
         </p:txBody>
@@ -1329,11 +1370,11 @@
 </file>
 
 <file path=ppt/notesSlides/notesSlide3.xml><?xml version="1.0" encoding="utf-8"?>
-<p:notes xmlns:a="http://schemas.openxmlformats.org/drawingml/2006/main" xmlns:r="http://schemas.openxmlformats.org/officeDocument/2006/relationships" xmlns:mc="http://schemas.openxmlformats.org/markup-compatibility/2006" xmlns:mv="urn:schemas-microsoft-com:mac:vml" xmlns:p="http://schemas.openxmlformats.org/presentationml/2006/main" xmlns:c="http://schemas.openxmlformats.org/drawingml/2006/chart" xmlns:dgm="http://schemas.openxmlformats.org/drawingml/2006/diagram" xmlns:o="urn:schemas-microsoft-com:office:office" xmlns:v="urn:schemas-microsoft-com:vml" xmlns:pvml="urn:schemas-microsoft-com:office:powerpoint" xmlns:com="http://schemas.openxmlformats.org/drawingml/2006/compatibility" xmlns:p14="http://schemas.microsoft.com/office/powerpoint/2010/main" xmlns:p15="http://schemas.microsoft.com/office/powerpoint/2012/main" xmlns:ahyp="http://schemas.microsoft.com/office/drawing/2018/hyperlinkcolor" showMasterPhAnim="0" showMasterSp="0">
+<p:notes xmlns:a="http://schemas.openxmlformats.org/drawingml/2006/main" xmlns:r="http://schemas.openxmlformats.org/officeDocument/2006/relationships" xmlns:p="http://schemas.openxmlformats.org/presentationml/2006/main" showMasterSp="0" showMasterPhAnim="0">
   <p:cSld>
     <p:spTree>
       <p:nvGrpSpPr>
-        <p:cNvPr id="142" name="Shape 142"/>
+        <p:cNvPr id="1" name="Shape 142"/>
         <p:cNvGrpSpPr/>
         <p:nvPr/>
       </p:nvGrpSpPr>
@@ -1348,9 +1389,11 @@
       <p:sp>
         <p:nvSpPr>
           <p:cNvPr id="143" name="Google Shape;143;g2c4bf68cba4_0_5:notes"/>
-          <p:cNvSpPr/>
+          <p:cNvSpPr>
+            <a:spLocks noGrp="1" noRot="1" noChangeAspect="1"/>
+          </p:cNvSpPr>
           <p:nvPr>
-            <p:ph idx="2" type="sldImg"/>
+            <p:ph type="sldImg" idx="2"/>
           </p:nvPr>
         </p:nvSpPr>
         <p:spPr>
@@ -1359,9 +1402,13 @@
             <a:ext cx="6096000" cy="3429000"/>
           </a:xfrm>
           <a:custGeom>
-            <a:rect b="b" l="l" r="r" t="t"/>
+            <a:avLst/>
+            <a:gdLst/>
+            <a:ahLst/>
+            <a:cxnLst/>
+            <a:rect l="l" t="t" r="r" b="b"/>
             <a:pathLst>
-              <a:path extrusionOk="0" h="120000" w="120000">
+              <a:path w="120000" h="120000" extrusionOk="0">
                 <a:moveTo>
                   <a:pt x="0" y="0"/>
                 </a:moveTo>
@@ -1383,9 +1430,11 @@
       <p:sp>
         <p:nvSpPr>
           <p:cNvPr id="144" name="Google Shape;144;g2c4bf68cba4_0_5:notes"/>
-          <p:cNvSpPr txBox="1"/>
+          <p:cNvSpPr txBox="1">
+            <a:spLocks noGrp="1"/>
+          </p:cNvSpPr>
           <p:nvPr>
-            <p:ph idx="1" type="body"/>
+            <p:ph type="body" idx="1"/>
           </p:nvPr>
         </p:nvSpPr>
         <p:spPr>
@@ -1398,12 +1447,12 @@
           </a:prstGeom>
         </p:spPr>
         <p:txBody>
-          <a:bodyPr anchorCtr="0" anchor="t" bIns="91425" lIns="91425" spcFirstLastPara="1" rIns="91425" wrap="square" tIns="91425">
+          <a:bodyPr spcFirstLastPara="1" wrap="square" lIns="91425" tIns="91425" rIns="91425" bIns="91425" anchor="t" anchorCtr="0">
             <a:noAutofit/>
           </a:bodyPr>
           <a:lstStyle/>
           <a:p>
-            <a:pPr indent="0" lvl="0" marL="0" rtl="0" algn="l">
+            <a:pPr marL="0" lvl="0" indent="0" algn="l" rtl="0">
               <a:spcBef>
                 <a:spcPts val="0"/>
               </a:spcBef>
@@ -1412,9 +1461,6 @@
               </a:spcAft>
               <a:buNone/>
             </a:pPr>
-            <a:r>
-              <a:t/>
-            </a:r>
             <a:endParaRPr/>
           </a:p>
         </p:txBody>
@@ -1428,11 +1474,11 @@
 </file>
 
 <file path=ppt/notesSlides/notesSlide4.xml><?xml version="1.0" encoding="utf-8"?>
-<p:notes xmlns:a="http://schemas.openxmlformats.org/drawingml/2006/main" xmlns:r="http://schemas.openxmlformats.org/officeDocument/2006/relationships" xmlns:mc="http://schemas.openxmlformats.org/markup-compatibility/2006" xmlns:mv="urn:schemas-microsoft-com:mac:vml" xmlns:p="http://schemas.openxmlformats.org/presentationml/2006/main" xmlns:c="http://schemas.openxmlformats.org/drawingml/2006/chart" xmlns:dgm="http://schemas.openxmlformats.org/drawingml/2006/diagram" xmlns:o="urn:schemas-microsoft-com:office:office" xmlns:v="urn:schemas-microsoft-com:vml" xmlns:pvml="urn:schemas-microsoft-com:office:powerpoint" xmlns:com="http://schemas.openxmlformats.org/drawingml/2006/compatibility" xmlns:p14="http://schemas.microsoft.com/office/powerpoint/2010/main" xmlns:p15="http://schemas.microsoft.com/office/powerpoint/2012/main" xmlns:ahyp="http://schemas.microsoft.com/office/drawing/2018/hyperlinkcolor" showMasterPhAnim="0" showMasterSp="0">
+<p:notes xmlns:a="http://schemas.openxmlformats.org/drawingml/2006/main" xmlns:r="http://schemas.openxmlformats.org/officeDocument/2006/relationships" xmlns:p="http://schemas.openxmlformats.org/presentationml/2006/main" showMasterSp="0" showMasterPhAnim="0">
   <p:cSld>
     <p:spTree>
       <p:nvGrpSpPr>
-        <p:cNvPr id="148" name="Shape 148"/>
+        <p:cNvPr id="1" name="Shape 148"/>
         <p:cNvGrpSpPr/>
         <p:nvPr/>
       </p:nvGrpSpPr>
@@ -1447,9 +1493,11 @@
       <p:sp>
         <p:nvSpPr>
           <p:cNvPr id="149" name="Google Shape;149;g2c4bf68cba4_0_135:notes"/>
-          <p:cNvSpPr/>
+          <p:cNvSpPr>
+            <a:spLocks noGrp="1" noRot="1" noChangeAspect="1"/>
+          </p:cNvSpPr>
           <p:nvPr>
-            <p:ph idx="2" type="sldImg"/>
+            <p:ph type="sldImg" idx="2"/>
           </p:nvPr>
         </p:nvSpPr>
         <p:spPr>
@@ -1458,9 +1506,13 @@
             <a:ext cx="6096000" cy="3429000"/>
           </a:xfrm>
           <a:custGeom>
-            <a:rect b="b" l="l" r="r" t="t"/>
+            <a:avLst/>
+            <a:gdLst/>
+            <a:ahLst/>
+            <a:cxnLst/>
+            <a:rect l="l" t="t" r="r" b="b"/>
             <a:pathLst>
-              <a:path extrusionOk="0" h="120000" w="120000">
+              <a:path w="120000" h="120000" extrusionOk="0">
                 <a:moveTo>
                   <a:pt x="0" y="0"/>
                 </a:moveTo>
@@ -1482,9 +1534,11 @@
       <p:sp>
         <p:nvSpPr>
           <p:cNvPr id="150" name="Google Shape;150;g2c4bf68cba4_0_135:notes"/>
-          <p:cNvSpPr txBox="1"/>
+          <p:cNvSpPr txBox="1">
+            <a:spLocks noGrp="1"/>
+          </p:cNvSpPr>
           <p:nvPr>
-            <p:ph idx="1" type="body"/>
+            <p:ph type="body" idx="1"/>
           </p:nvPr>
         </p:nvSpPr>
         <p:spPr>
@@ -1497,12 +1551,12 @@
           </a:prstGeom>
         </p:spPr>
         <p:txBody>
-          <a:bodyPr anchorCtr="0" anchor="t" bIns="91425" lIns="91425" spcFirstLastPara="1" rIns="91425" wrap="square" tIns="91425">
+          <a:bodyPr spcFirstLastPara="1" wrap="square" lIns="91425" tIns="91425" rIns="91425" bIns="91425" anchor="t" anchorCtr="0">
             <a:noAutofit/>
           </a:bodyPr>
           <a:lstStyle/>
           <a:p>
-            <a:pPr indent="0" lvl="0" marL="0" rtl="0" algn="l">
+            <a:pPr marL="0" lvl="0" indent="0" algn="l" rtl="0">
               <a:spcBef>
                 <a:spcPts val="0"/>
               </a:spcBef>
@@ -1528,11 +1582,11 @@
 </file>
 
 <file path=ppt/notesSlides/notesSlide5.xml><?xml version="1.0" encoding="utf-8"?>
-<p:notes xmlns:a="http://schemas.openxmlformats.org/drawingml/2006/main" xmlns:r="http://schemas.openxmlformats.org/officeDocument/2006/relationships" xmlns:mc="http://schemas.openxmlformats.org/markup-compatibility/2006" xmlns:mv="urn:schemas-microsoft-com:mac:vml" xmlns:p="http://schemas.openxmlformats.org/presentationml/2006/main" xmlns:c="http://schemas.openxmlformats.org/drawingml/2006/chart" xmlns:dgm="http://schemas.openxmlformats.org/drawingml/2006/diagram" xmlns:o="urn:schemas-microsoft-com:office:office" xmlns:v="urn:schemas-microsoft-com:vml" xmlns:pvml="urn:schemas-microsoft-com:office:powerpoint" xmlns:com="http://schemas.openxmlformats.org/drawingml/2006/compatibility" xmlns:p14="http://schemas.microsoft.com/office/powerpoint/2010/main" xmlns:p15="http://schemas.microsoft.com/office/powerpoint/2012/main" xmlns:ahyp="http://schemas.microsoft.com/office/drawing/2018/hyperlinkcolor" showMasterPhAnim="0" showMasterSp="0">
+<p:notes xmlns:a="http://schemas.openxmlformats.org/drawingml/2006/main" xmlns:r="http://schemas.openxmlformats.org/officeDocument/2006/relationships" xmlns:p="http://schemas.openxmlformats.org/presentationml/2006/main" showMasterSp="0" showMasterPhAnim="0">
   <p:cSld>
     <p:spTree>
       <p:nvGrpSpPr>
-        <p:cNvPr id="154" name="Shape 154"/>
+        <p:cNvPr id="1" name="Shape 154"/>
         <p:cNvGrpSpPr/>
         <p:nvPr/>
       </p:nvGrpSpPr>
@@ -1547,9 +1601,11 @@
       <p:sp>
         <p:nvSpPr>
           <p:cNvPr id="155" name="Google Shape;155;g2c4bf68cba4_0_315:notes"/>
-          <p:cNvSpPr/>
+          <p:cNvSpPr>
+            <a:spLocks noGrp="1" noRot="1" noChangeAspect="1"/>
+          </p:cNvSpPr>
           <p:nvPr>
-            <p:ph idx="2" type="sldImg"/>
+            <p:ph type="sldImg" idx="2"/>
           </p:nvPr>
         </p:nvSpPr>
         <p:spPr>
@@ -1558,9 +1614,13 @@
             <a:ext cx="6096000" cy="3429000"/>
           </a:xfrm>
           <a:custGeom>
-            <a:rect b="b" l="l" r="r" t="t"/>
+            <a:avLst/>
+            <a:gdLst/>
+            <a:ahLst/>
+            <a:cxnLst/>
+            <a:rect l="l" t="t" r="r" b="b"/>
             <a:pathLst>
-              <a:path extrusionOk="0" h="120000" w="120000">
+              <a:path w="120000" h="120000" extrusionOk="0">
                 <a:moveTo>
                   <a:pt x="0" y="0"/>
                 </a:moveTo>
@@ -1582,9 +1642,11 @@
       <p:sp>
         <p:nvSpPr>
           <p:cNvPr id="156" name="Google Shape;156;g2c4bf68cba4_0_315:notes"/>
-          <p:cNvSpPr txBox="1"/>
+          <p:cNvSpPr txBox="1">
+            <a:spLocks noGrp="1"/>
+          </p:cNvSpPr>
           <p:nvPr>
-            <p:ph idx="1" type="body"/>
+            <p:ph type="body" idx="1"/>
           </p:nvPr>
         </p:nvSpPr>
         <p:spPr>
@@ -1597,12 +1659,12 @@
           </a:prstGeom>
         </p:spPr>
         <p:txBody>
-          <a:bodyPr anchorCtr="0" anchor="t" bIns="91425" lIns="91425" spcFirstLastPara="1" rIns="91425" wrap="square" tIns="91425">
+          <a:bodyPr spcFirstLastPara="1" wrap="square" lIns="91425" tIns="91425" rIns="91425" bIns="91425" anchor="t" anchorCtr="0">
             <a:noAutofit/>
           </a:bodyPr>
           <a:lstStyle/>
           <a:p>
-            <a:pPr indent="0" lvl="0" marL="0" rtl="0" algn="l">
+            <a:pPr marL="0" lvl="0" indent="0" algn="l" rtl="0">
               <a:spcBef>
                 <a:spcPts val="0"/>
               </a:spcBef>
@@ -1613,15 +1675,7 @@
             </a:pPr>
             <a:r>
               <a:rPr lang="en"/>
-              <a:t>After the following slide, show the audience around matts google drive folder, and explain how the code for the data-loader works, explain also that the folders are equal to the prompts you can </a:t>
-            </a:r>
-            <a:r>
-              <a:rPr lang="en"/>
-              <a:t>have</a:t>
-            </a:r>
-            <a:r>
-              <a:rPr lang="en"/>
-              <a:t>, but that we have fuzzy logic (link this back to in future being more broad if time permits)</a:t>
+              <a:t>After the following slide, show the audience around matts google drive folder, and explain how the code for the data-loader works, explain also that the folders are equal to the prompts you can have, but that we have fuzzy logic (link this back to in future being more broad if time permits)</a:t>
             </a:r>
             <a:endParaRPr/>
           </a:p>
@@ -1636,11 +1690,11 @@
 </file>
 
 <file path=ppt/notesSlides/notesSlide6.xml><?xml version="1.0" encoding="utf-8"?>
-<p:notes xmlns:a="http://schemas.openxmlformats.org/drawingml/2006/main" xmlns:r="http://schemas.openxmlformats.org/officeDocument/2006/relationships" xmlns:mc="http://schemas.openxmlformats.org/markup-compatibility/2006" xmlns:mv="urn:schemas-microsoft-com:mac:vml" xmlns:p="http://schemas.openxmlformats.org/presentationml/2006/main" xmlns:c="http://schemas.openxmlformats.org/drawingml/2006/chart" xmlns:dgm="http://schemas.openxmlformats.org/drawingml/2006/diagram" xmlns:o="urn:schemas-microsoft-com:office:office" xmlns:v="urn:schemas-microsoft-com:vml" xmlns:pvml="urn:schemas-microsoft-com:office:powerpoint" xmlns:com="http://schemas.openxmlformats.org/drawingml/2006/compatibility" xmlns:p14="http://schemas.microsoft.com/office/powerpoint/2010/main" xmlns:p15="http://schemas.microsoft.com/office/powerpoint/2012/main" xmlns:ahyp="http://schemas.microsoft.com/office/drawing/2018/hyperlinkcolor" showMasterPhAnim="0" showMasterSp="0">
+<p:notes xmlns:a="http://schemas.openxmlformats.org/drawingml/2006/main" xmlns:r="http://schemas.openxmlformats.org/officeDocument/2006/relationships" xmlns:p="http://schemas.openxmlformats.org/presentationml/2006/main" showMasterSp="0" showMasterPhAnim="0">
   <p:cSld>
     <p:spTree>
       <p:nvGrpSpPr>
-        <p:cNvPr id="159" name="Shape 159"/>
+        <p:cNvPr id="1" name="Shape 159"/>
         <p:cNvGrpSpPr/>
         <p:nvPr/>
       </p:nvGrpSpPr>
@@ -1655,9 +1709,11 @@
       <p:sp>
         <p:nvSpPr>
           <p:cNvPr id="160" name="Google Shape;160;g2c4bf68cba4_0_319:notes"/>
-          <p:cNvSpPr/>
+          <p:cNvSpPr>
+            <a:spLocks noGrp="1" noRot="1" noChangeAspect="1"/>
+          </p:cNvSpPr>
           <p:nvPr>
-            <p:ph idx="2" type="sldImg"/>
+            <p:ph type="sldImg" idx="2"/>
           </p:nvPr>
         </p:nvSpPr>
         <p:spPr>
@@ -1666,9 +1722,13 @@
             <a:ext cx="6096000" cy="3429000"/>
           </a:xfrm>
           <a:custGeom>
-            <a:rect b="b" l="l" r="r" t="t"/>
+            <a:avLst/>
+            <a:gdLst/>
+            <a:ahLst/>
+            <a:cxnLst/>
+            <a:rect l="l" t="t" r="r" b="b"/>
             <a:pathLst>
-              <a:path extrusionOk="0" h="120000" w="120000">
+              <a:path w="120000" h="120000" extrusionOk="0">
                 <a:moveTo>
                   <a:pt x="0" y="0"/>
                 </a:moveTo>
@@ -1690,9 +1750,11 @@
       <p:sp>
         <p:nvSpPr>
           <p:cNvPr id="161" name="Google Shape;161;g2c4bf68cba4_0_319:notes"/>
-          <p:cNvSpPr txBox="1"/>
+          <p:cNvSpPr txBox="1">
+            <a:spLocks noGrp="1"/>
+          </p:cNvSpPr>
           <p:nvPr>
-            <p:ph idx="1" type="body"/>
+            <p:ph type="body" idx="1"/>
           </p:nvPr>
         </p:nvSpPr>
         <p:spPr>
@@ -1705,12 +1767,12 @@
           </a:prstGeom>
         </p:spPr>
         <p:txBody>
-          <a:bodyPr anchorCtr="0" anchor="t" bIns="91425" lIns="91425" spcFirstLastPara="1" rIns="91425" wrap="square" tIns="91425">
+          <a:bodyPr spcFirstLastPara="1" wrap="square" lIns="91425" tIns="91425" rIns="91425" bIns="91425" anchor="t" anchorCtr="0">
             <a:noAutofit/>
           </a:bodyPr>
           <a:lstStyle/>
           <a:p>
-            <a:pPr indent="0" lvl="0" marL="0" rtl="0" algn="l">
+            <a:pPr marL="0" lvl="0" indent="0" algn="l" rtl="0">
               <a:spcBef>
                 <a:spcPts val="0"/>
               </a:spcBef>
@@ -1736,11 +1798,11 @@
 </file>
 
 <file path=ppt/notesSlides/notesSlide7.xml><?xml version="1.0" encoding="utf-8"?>
-<p:notes xmlns:a="http://schemas.openxmlformats.org/drawingml/2006/main" xmlns:r="http://schemas.openxmlformats.org/officeDocument/2006/relationships" xmlns:mc="http://schemas.openxmlformats.org/markup-compatibility/2006" xmlns:mv="urn:schemas-microsoft-com:mac:vml" xmlns:p="http://schemas.openxmlformats.org/presentationml/2006/main" xmlns:c="http://schemas.openxmlformats.org/drawingml/2006/chart" xmlns:dgm="http://schemas.openxmlformats.org/drawingml/2006/diagram" xmlns:o="urn:schemas-microsoft-com:office:office" xmlns:v="urn:schemas-microsoft-com:vml" xmlns:pvml="urn:schemas-microsoft-com:office:powerpoint" xmlns:com="http://schemas.openxmlformats.org/drawingml/2006/compatibility" xmlns:p14="http://schemas.microsoft.com/office/powerpoint/2010/main" xmlns:p15="http://schemas.microsoft.com/office/powerpoint/2012/main" xmlns:ahyp="http://schemas.microsoft.com/office/drawing/2018/hyperlinkcolor" showMasterPhAnim="0" showMasterSp="0">
+<p:notes xmlns:a="http://schemas.openxmlformats.org/drawingml/2006/main" xmlns:r="http://schemas.openxmlformats.org/officeDocument/2006/relationships" xmlns:p="http://schemas.openxmlformats.org/presentationml/2006/main" showMasterSp="0" showMasterPhAnim="0">
   <p:cSld>
     <p:spTree>
       <p:nvGrpSpPr>
-        <p:cNvPr id="166" name="Shape 166"/>
+        <p:cNvPr id="1" name="Shape 166"/>
         <p:cNvGrpSpPr/>
         <p:nvPr/>
       </p:nvGrpSpPr>
@@ -1755,9 +1817,11 @@
       <p:sp>
         <p:nvSpPr>
           <p:cNvPr id="167" name="Google Shape;167;g2c4bf68cba4_0_329:notes"/>
-          <p:cNvSpPr/>
+          <p:cNvSpPr>
+            <a:spLocks noGrp="1" noRot="1" noChangeAspect="1"/>
+          </p:cNvSpPr>
           <p:nvPr>
-            <p:ph idx="2" type="sldImg"/>
+            <p:ph type="sldImg" idx="2"/>
           </p:nvPr>
         </p:nvSpPr>
         <p:spPr>
@@ -1766,9 +1830,13 @@
             <a:ext cx="6096000" cy="3429000"/>
           </a:xfrm>
           <a:custGeom>
-            <a:rect b="b" l="l" r="r" t="t"/>
+            <a:avLst/>
+            <a:gdLst/>
+            <a:ahLst/>
+            <a:cxnLst/>
+            <a:rect l="l" t="t" r="r" b="b"/>
             <a:pathLst>
-              <a:path extrusionOk="0" h="120000" w="120000">
+              <a:path w="120000" h="120000" extrusionOk="0">
                 <a:moveTo>
                   <a:pt x="0" y="0"/>
                 </a:moveTo>
@@ -1790,9 +1858,11 @@
       <p:sp>
         <p:nvSpPr>
           <p:cNvPr id="168" name="Google Shape;168;g2c4bf68cba4_0_329:notes"/>
-          <p:cNvSpPr txBox="1"/>
+          <p:cNvSpPr txBox="1">
+            <a:spLocks noGrp="1"/>
+          </p:cNvSpPr>
           <p:nvPr>
-            <p:ph idx="1" type="body"/>
+            <p:ph type="body" idx="1"/>
           </p:nvPr>
         </p:nvSpPr>
         <p:spPr>
@@ -1805,12 +1875,12 @@
           </a:prstGeom>
         </p:spPr>
         <p:txBody>
-          <a:bodyPr anchorCtr="0" anchor="t" bIns="91425" lIns="91425" spcFirstLastPara="1" rIns="91425" wrap="square" tIns="91425">
+          <a:bodyPr spcFirstLastPara="1" wrap="square" lIns="91425" tIns="91425" rIns="91425" bIns="91425" anchor="t" anchorCtr="0">
             <a:noAutofit/>
           </a:bodyPr>
           <a:lstStyle/>
           <a:p>
-            <a:pPr indent="0" lvl="0" marL="0" rtl="0" algn="l">
+            <a:pPr marL="0" lvl="0" indent="0" algn="l" rtl="0">
               <a:spcBef>
                 <a:spcPts val="0"/>
               </a:spcBef>
@@ -1821,15 +1891,7 @@
             </a:pPr>
             <a:r>
               <a:rPr lang="en"/>
-              <a:t>After </a:t>
-            </a:r>
-            <a:r>
-              <a:rPr lang="en"/>
-              <a:t>talking</a:t>
-            </a:r>
-            <a:r>
-              <a:rPr lang="en"/>
-              <a:t> though the following slide, load up the example version of the network, quickly explain the need for preprocessing, the main network loops, then show the solution generating output.</a:t>
+              <a:t>After talking though the following slide, load up the example version of the network, quickly explain the need for preprocessing, the main network loops, then show the solution generating output.</a:t>
             </a:r>
             <a:endParaRPr/>
           </a:p>
@@ -1844,11 +1906,11 @@
 </file>
 
 <file path=ppt/notesSlides/notesSlide8.xml><?xml version="1.0" encoding="utf-8"?>
-<p:notes xmlns:a="http://schemas.openxmlformats.org/drawingml/2006/main" xmlns:r="http://schemas.openxmlformats.org/officeDocument/2006/relationships" xmlns:mc="http://schemas.openxmlformats.org/markup-compatibility/2006" xmlns:mv="urn:schemas-microsoft-com:mac:vml" xmlns:p="http://schemas.openxmlformats.org/presentationml/2006/main" xmlns:c="http://schemas.openxmlformats.org/drawingml/2006/chart" xmlns:dgm="http://schemas.openxmlformats.org/drawingml/2006/diagram" xmlns:o="urn:schemas-microsoft-com:office:office" xmlns:v="urn:schemas-microsoft-com:vml" xmlns:pvml="urn:schemas-microsoft-com:office:powerpoint" xmlns:com="http://schemas.openxmlformats.org/drawingml/2006/compatibility" xmlns:p14="http://schemas.microsoft.com/office/powerpoint/2010/main" xmlns:p15="http://schemas.microsoft.com/office/powerpoint/2012/main" xmlns:ahyp="http://schemas.microsoft.com/office/drawing/2018/hyperlinkcolor" showMasterPhAnim="0" showMasterSp="0">
+<p:notes xmlns:a="http://schemas.openxmlformats.org/drawingml/2006/main" xmlns:r="http://schemas.openxmlformats.org/officeDocument/2006/relationships" xmlns:p="http://schemas.openxmlformats.org/presentationml/2006/main" showMasterSp="0" showMasterPhAnim="0">
   <p:cSld>
     <p:spTree>
       <p:nvGrpSpPr>
-        <p:cNvPr id="171" name="Shape 171"/>
+        <p:cNvPr id="1" name="Shape 171"/>
         <p:cNvGrpSpPr/>
         <p:nvPr/>
       </p:nvGrpSpPr>
@@ -1863,9 +1925,11 @@
       <p:sp>
         <p:nvSpPr>
           <p:cNvPr id="172" name="Google Shape;172;g2c4bf68cba4_0_337:notes"/>
-          <p:cNvSpPr/>
+          <p:cNvSpPr>
+            <a:spLocks noGrp="1" noRot="1" noChangeAspect="1"/>
+          </p:cNvSpPr>
           <p:nvPr>
-            <p:ph idx="2" type="sldImg"/>
+            <p:ph type="sldImg" idx="2"/>
           </p:nvPr>
         </p:nvSpPr>
         <p:spPr>
@@ -1874,9 +1938,13 @@
             <a:ext cx="6096000" cy="3429000"/>
           </a:xfrm>
           <a:custGeom>
-            <a:rect b="b" l="l" r="r" t="t"/>
+            <a:avLst/>
+            <a:gdLst/>
+            <a:ahLst/>
+            <a:cxnLst/>
+            <a:rect l="l" t="t" r="r" b="b"/>
             <a:pathLst>
-              <a:path extrusionOk="0" h="120000" w="120000">
+              <a:path w="120000" h="120000" extrusionOk="0">
                 <a:moveTo>
                   <a:pt x="0" y="0"/>
                 </a:moveTo>
@@ -1898,9 +1966,11 @@
       <p:sp>
         <p:nvSpPr>
           <p:cNvPr id="173" name="Google Shape;173;g2c4bf68cba4_0_337:notes"/>
-          <p:cNvSpPr txBox="1"/>
+          <p:cNvSpPr txBox="1">
+            <a:spLocks noGrp="1"/>
+          </p:cNvSpPr>
           <p:nvPr>
-            <p:ph idx="1" type="body"/>
+            <p:ph type="body" idx="1"/>
           </p:nvPr>
         </p:nvSpPr>
         <p:spPr>
@@ -1913,12 +1983,12 @@
           </a:prstGeom>
         </p:spPr>
         <p:txBody>
-          <a:bodyPr anchorCtr="0" anchor="t" bIns="91425" lIns="91425" spcFirstLastPara="1" rIns="91425" wrap="square" tIns="91425">
+          <a:bodyPr spcFirstLastPara="1" wrap="square" lIns="91425" tIns="91425" rIns="91425" bIns="91425" anchor="t" anchorCtr="0">
             <a:noAutofit/>
           </a:bodyPr>
           <a:lstStyle/>
           <a:p>
-            <a:pPr indent="0" lvl="0" marL="0" rtl="0" algn="l">
+            <a:pPr marL="0" lvl="0" indent="0" algn="l" rtl="0">
               <a:spcBef>
                 <a:spcPts val="0"/>
               </a:spcBef>
@@ -1944,11 +2014,11 @@
 </file>
 
 <file path=ppt/notesSlides/notesSlide9.xml><?xml version="1.0" encoding="utf-8"?>
-<p:notes xmlns:a="http://schemas.openxmlformats.org/drawingml/2006/main" xmlns:r="http://schemas.openxmlformats.org/officeDocument/2006/relationships" xmlns:mc="http://schemas.openxmlformats.org/markup-compatibility/2006" xmlns:mv="urn:schemas-microsoft-com:mac:vml" xmlns:p="http://schemas.openxmlformats.org/presentationml/2006/main" xmlns:c="http://schemas.openxmlformats.org/drawingml/2006/chart" xmlns:dgm="http://schemas.openxmlformats.org/drawingml/2006/diagram" xmlns:o="urn:schemas-microsoft-com:office:office" xmlns:v="urn:schemas-microsoft-com:vml" xmlns:pvml="urn:schemas-microsoft-com:office:powerpoint" xmlns:com="http://schemas.openxmlformats.org/drawingml/2006/compatibility" xmlns:p14="http://schemas.microsoft.com/office/powerpoint/2010/main" xmlns:p15="http://schemas.microsoft.com/office/powerpoint/2012/main" xmlns:ahyp="http://schemas.microsoft.com/office/drawing/2018/hyperlinkcolor" showMasterPhAnim="0" showMasterSp="0">
+<p:notes xmlns:a="http://schemas.openxmlformats.org/drawingml/2006/main" xmlns:r="http://schemas.openxmlformats.org/officeDocument/2006/relationships" xmlns:p="http://schemas.openxmlformats.org/presentationml/2006/main" showMasterSp="0" showMasterPhAnim="0">
   <p:cSld>
     <p:spTree>
       <p:nvGrpSpPr>
-        <p:cNvPr id="179" name="Shape 179"/>
+        <p:cNvPr id="1" name="Shape 179"/>
         <p:cNvGrpSpPr/>
         <p:nvPr/>
       </p:nvGrpSpPr>
@@ -1963,9 +2033,11 @@
       <p:sp>
         <p:nvSpPr>
           <p:cNvPr id="180" name="Google Shape;180;g2c4bf68cba4_0_344:notes"/>
-          <p:cNvSpPr/>
+          <p:cNvSpPr>
+            <a:spLocks noGrp="1" noRot="1" noChangeAspect="1"/>
+          </p:cNvSpPr>
           <p:nvPr>
-            <p:ph idx="2" type="sldImg"/>
+            <p:ph type="sldImg" idx="2"/>
           </p:nvPr>
         </p:nvSpPr>
         <p:spPr>
@@ -1974,9 +2046,13 @@
             <a:ext cx="6096000" cy="3429000"/>
           </a:xfrm>
           <a:custGeom>
-            <a:rect b="b" l="l" r="r" t="t"/>
+            <a:avLst/>
+            <a:gdLst/>
+            <a:ahLst/>
+            <a:cxnLst/>
+            <a:rect l="l" t="t" r="r" b="b"/>
             <a:pathLst>
-              <a:path extrusionOk="0" h="120000" w="120000">
+              <a:path w="120000" h="120000" extrusionOk="0">
                 <a:moveTo>
                   <a:pt x="0" y="0"/>
                 </a:moveTo>
@@ -1998,9 +2074,11 @@
       <p:sp>
         <p:nvSpPr>
           <p:cNvPr id="181" name="Google Shape;181;g2c4bf68cba4_0_344:notes"/>
-          <p:cNvSpPr txBox="1"/>
+          <p:cNvSpPr txBox="1">
+            <a:spLocks noGrp="1"/>
+          </p:cNvSpPr>
           <p:nvPr>
-            <p:ph idx="1" type="body"/>
+            <p:ph type="body" idx="1"/>
           </p:nvPr>
         </p:nvSpPr>
         <p:spPr>
@@ -2013,12 +2091,12 @@
           </a:prstGeom>
         </p:spPr>
         <p:txBody>
-          <a:bodyPr anchorCtr="0" anchor="t" bIns="91425" lIns="91425" spcFirstLastPara="1" rIns="91425" wrap="square" tIns="91425">
+          <a:bodyPr spcFirstLastPara="1" wrap="square" lIns="91425" tIns="91425" rIns="91425" bIns="91425" anchor="t" anchorCtr="0">
             <a:noAutofit/>
           </a:bodyPr>
           <a:lstStyle/>
           <a:p>
-            <a:pPr indent="0" lvl="0" marL="0" rtl="0" algn="l">
+            <a:pPr marL="0" lvl="0" indent="0" algn="l" rtl="0">
               <a:spcBef>
                 <a:spcPts val="0"/>
               </a:spcBef>
@@ -2029,23 +2107,7 @@
             </a:pPr>
             <a:r>
               <a:rPr lang="en"/>
-              <a:t>After talking though the following slide, show the optimiser running on an example neural network, masking sure to show it calculating new values, and running on multiple threads </a:t>
-            </a:r>
-            <a:r>
-              <a:rPr lang="en"/>
-              <a:t>simultaneously</a:t>
-            </a:r>
-            <a:r>
-              <a:rPr lang="en"/>
-              <a:t> (for this to work we will need a network that is already partially optimised, since we will not be able to step though the whole 4 day process </a:t>
-            </a:r>
-            <a:r>
-              <a:rPr lang="en"/>
-              <a:t>during</a:t>
-            </a:r>
-            <a:r>
-              <a:rPr lang="en"/>
-              <a:t> the presentation)</a:t>
+              <a:t>After talking though the following slide, show the optimiser running on an example neural network, masking sure to show it calculating new values, and running on multiple threads simultaneously (for this to work we will need a network that is already partially optimised, since we will not be able to step though the whole 4 day process during the presentation)</a:t>
             </a:r>
             <a:endParaRPr/>
           </a:p>
@@ -2060,11 +2122,11 @@
 </file>
 
 <file path=ppt/slideLayouts/slideLayout1.xml><?xml version="1.0" encoding="utf-8"?>
-<p:sldLayout xmlns:a="http://schemas.openxmlformats.org/drawingml/2006/main" xmlns:r="http://schemas.openxmlformats.org/officeDocument/2006/relationships" xmlns:mc="http://schemas.openxmlformats.org/markup-compatibility/2006" xmlns:mv="urn:schemas-microsoft-com:mac:vml" xmlns:p="http://schemas.openxmlformats.org/presentationml/2006/main" xmlns:c="http://schemas.openxmlformats.org/drawingml/2006/chart" xmlns:dgm="http://schemas.openxmlformats.org/drawingml/2006/diagram" xmlns:o="urn:schemas-microsoft-com:office:office" xmlns:v="urn:schemas-microsoft-com:vml" xmlns:pvml="urn:schemas-microsoft-com:office:powerpoint" xmlns:com="http://schemas.openxmlformats.org/drawingml/2006/compatibility" xmlns:p14="http://schemas.microsoft.com/office/powerpoint/2010/main" xmlns:p15="http://schemas.microsoft.com/office/powerpoint/2012/main" xmlns:ahyp="http://schemas.microsoft.com/office/drawing/2018/hyperlinkcolor" matchingName="Title slide" type="title">
+<p:sldLayout xmlns:a="http://schemas.openxmlformats.org/drawingml/2006/main" xmlns:r="http://schemas.openxmlformats.org/officeDocument/2006/relationships" xmlns:p="http://schemas.openxmlformats.org/presentationml/2006/main" matchingName="Title slide" type="title">
   <p:cSld name="TITLE">
     <p:spTree>
       <p:nvGrpSpPr>
-        <p:cNvPr id="9" name="Shape 9"/>
+        <p:cNvPr id="1" name="Shape 9"/>
         <p:cNvGrpSpPr/>
         <p:nvPr/>
       </p:nvGrpSpPr>
@@ -2089,7 +2151,7 @@
           </a:xfrm>
           <a:prstGeom prst="diagStripe">
             <a:avLst>
-              <a:gd fmla="val 0" name="adj"/>
+              <a:gd name="adj" fmla="val 0"/>
             </a:avLst>
           </a:prstGeom>
           <a:solidFill>
@@ -2102,12 +2164,12 @@
           </a:ln>
         </p:spPr>
         <p:txBody>
-          <a:bodyPr anchorCtr="0" anchor="ctr" bIns="91425" lIns="91425" spcFirstLastPara="1" rIns="91425" wrap="square" tIns="91425">
+          <a:bodyPr spcFirstLastPara="1" wrap="square" lIns="91425" tIns="91425" rIns="91425" bIns="91425" anchor="ctr" anchorCtr="0">
             <a:noAutofit/>
           </a:bodyPr>
           <a:lstStyle/>
           <a:p>
-            <a:pPr indent="0" lvl="0" marL="0" rtl="0" algn="l">
+            <a:pPr marL="0" lvl="0" indent="0" algn="l" rtl="0">
               <a:spcBef>
                 <a:spcPts val="0"/>
               </a:spcBef>
@@ -2116,9 +2178,6 @@
               </a:spcAft>
               <a:buNone/>
             </a:pPr>
-            <a:r>
-              <a:t/>
-            </a:r>
             <a:endParaRPr/>
           </a:p>
         </p:txBody>
@@ -2150,7 +2209,7 @@
             </a:xfrm>
             <a:prstGeom prst="diagStripe">
               <a:avLst>
-                <a:gd fmla="val 50000" name="adj"/>
+                <a:gd name="adj" fmla="val 50000"/>
               </a:avLst>
             </a:prstGeom>
             <a:solidFill>
@@ -2163,12 +2222,12 @@
             </a:ln>
           </p:spPr>
           <p:txBody>
-            <a:bodyPr anchorCtr="0" anchor="ctr" bIns="91425" lIns="91425" spcFirstLastPara="1" rIns="91425" wrap="square" tIns="91425">
+            <a:bodyPr spcFirstLastPara="1" wrap="square" lIns="91425" tIns="91425" rIns="91425" bIns="91425" anchor="ctr" anchorCtr="0">
               <a:noAutofit/>
             </a:bodyPr>
             <a:lstStyle/>
             <a:p>
-              <a:pPr indent="0" lvl="0" marL="0" rtl="0" algn="l">
+              <a:pPr marL="0" lvl="0" indent="0" algn="l" rtl="0">
                 <a:spcBef>
                   <a:spcPts val="0"/>
                 </a:spcBef>
@@ -2177,9 +2236,6 @@
                 </a:spcAft>
                 <a:buNone/>
               </a:pPr>
-              <a:r>
-                <a:t/>
-              </a:r>
               <a:endParaRPr/>
             </a:p>
           </p:txBody>
@@ -2197,7 +2253,7 @@
             </a:xfrm>
             <a:prstGeom prst="diagStripe">
               <a:avLst>
-                <a:gd fmla="val 58774" name="adj"/>
+                <a:gd name="adj" fmla="val 58774"/>
               </a:avLst>
             </a:prstGeom>
             <a:solidFill>
@@ -2210,12 +2266,12 @@
             </a:ln>
           </p:spPr>
           <p:txBody>
-            <a:bodyPr anchorCtr="0" anchor="ctr" bIns="91425" lIns="91425" spcFirstLastPara="1" rIns="91425" wrap="square" tIns="91425">
+            <a:bodyPr spcFirstLastPara="1" wrap="square" lIns="91425" tIns="91425" rIns="91425" bIns="91425" anchor="ctr" anchorCtr="0">
               <a:noAutofit/>
             </a:bodyPr>
             <a:lstStyle/>
             <a:p>
-              <a:pPr indent="0" lvl="0" marL="0" rtl="0" algn="l">
+              <a:pPr marL="0" lvl="0" indent="0" algn="l" rtl="0">
                 <a:spcBef>
                   <a:spcPts val="0"/>
                 </a:spcBef>
@@ -2224,9 +2280,6 @@
                 </a:spcAft>
                 <a:buNone/>
               </a:pPr>
-              <a:r>
-                <a:t/>
-              </a:r>
               <a:endParaRPr/>
             </a:p>
           </p:txBody>
@@ -2244,7 +2297,7 @@
             </a:xfrm>
             <a:prstGeom prst="diagStripe">
               <a:avLst>
-                <a:gd fmla="val 50000" name="adj"/>
+                <a:gd name="adj" fmla="val 50000"/>
               </a:avLst>
             </a:prstGeom>
             <a:solidFill>
@@ -2255,12 +2308,12 @@
             </a:ln>
           </p:spPr>
           <p:txBody>
-            <a:bodyPr anchorCtr="0" anchor="ctr" bIns="91425" lIns="91425" spcFirstLastPara="1" rIns="91425" wrap="square" tIns="91425">
+            <a:bodyPr spcFirstLastPara="1" wrap="square" lIns="91425" tIns="91425" rIns="91425" bIns="91425" anchor="ctr" anchorCtr="0">
               <a:noAutofit/>
             </a:bodyPr>
             <a:lstStyle/>
             <a:p>
-              <a:pPr indent="0" lvl="0" marL="0" rtl="0" algn="l">
+              <a:pPr marL="0" lvl="0" indent="0" algn="l" rtl="0">
                 <a:spcBef>
                   <a:spcPts val="0"/>
                 </a:spcBef>
@@ -2269,9 +2322,6 @@
                 </a:spcAft>
                 <a:buNone/>
               </a:pPr>
-              <a:r>
-                <a:t/>
-              </a:r>
               <a:endParaRPr/>
             </a:p>
           </p:txBody>
@@ -2289,7 +2339,7 @@
             </a:xfrm>
             <a:prstGeom prst="diagStripe">
               <a:avLst>
-                <a:gd fmla="val 50000" name="adj"/>
+                <a:gd name="adj" fmla="val 50000"/>
               </a:avLst>
             </a:prstGeom>
             <a:solidFill>
@@ -2300,12 +2350,12 @@
             </a:ln>
           </p:spPr>
           <p:txBody>
-            <a:bodyPr anchorCtr="0" anchor="ctr" bIns="91425" lIns="91425" spcFirstLastPara="1" rIns="91425" wrap="square" tIns="91425">
+            <a:bodyPr spcFirstLastPara="1" wrap="square" lIns="91425" tIns="91425" rIns="91425" bIns="91425" anchor="ctr" anchorCtr="0">
               <a:noAutofit/>
             </a:bodyPr>
             <a:lstStyle/>
             <a:p>
-              <a:pPr indent="0" lvl="0" marL="0" rtl="0" algn="l">
+              <a:pPr marL="0" lvl="0" indent="0" algn="l" rtl="0">
                 <a:spcBef>
                   <a:spcPts val="0"/>
                 </a:spcBef>
@@ -2314,9 +2364,6 @@
                 </a:spcAft>
                 <a:buNone/>
               </a:pPr>
-              <a:r>
-                <a:t/>
-              </a:r>
               <a:endParaRPr/>
             </a:p>
           </p:txBody>
@@ -2325,7 +2372,9 @@
       <p:sp>
         <p:nvSpPr>
           <p:cNvPr id="16" name="Google Shape;16;p2"/>
-          <p:cNvSpPr txBox="1"/>
+          <p:cNvSpPr txBox="1">
+            <a:spLocks noGrp="1"/>
+          </p:cNvSpPr>
           <p:nvPr>
             <p:ph type="ctrTitle"/>
           </p:nvPr>
@@ -2340,7 +2389,7 @@
           </a:prstGeom>
         </p:spPr>
         <p:txBody>
-          <a:bodyPr anchorCtr="0" anchor="t" bIns="91425" lIns="91425" spcFirstLastPara="1" rIns="91425" wrap="square" tIns="91425">
+          <a:bodyPr spcFirstLastPara="1" wrap="square" lIns="91425" tIns="91425" rIns="91425" bIns="91425" anchor="t" anchorCtr="0">
             <a:normAutofit/>
           </a:bodyPr>
           <a:lstStyle>
@@ -2444,15 +2493,19 @@
               <a:defRPr sz="4000"/>
             </a:lvl9pPr>
           </a:lstStyle>
-          <a:p/>
+          <a:p>
+            <a:endParaRPr/>
+          </a:p>
         </p:txBody>
       </p:sp>
       <p:sp>
         <p:nvSpPr>
           <p:cNvPr id="17" name="Google Shape;17;p2"/>
-          <p:cNvSpPr txBox="1"/>
+          <p:cNvSpPr txBox="1">
+            <a:spLocks noGrp="1"/>
+          </p:cNvSpPr>
           <p:nvPr>
-            <p:ph idx="1" type="subTitle"/>
+            <p:ph type="subTitle" idx="1"/>
           </p:nvPr>
         </p:nvSpPr>
         <p:spPr>
@@ -2465,7 +2518,7 @@
           </a:prstGeom>
         </p:spPr>
         <p:txBody>
-          <a:bodyPr anchorCtr="0" anchor="t" bIns="91425" lIns="91425" spcFirstLastPara="1" rIns="91425" wrap="square" tIns="91425">
+          <a:bodyPr spcFirstLastPara="1" wrap="square" lIns="91425" tIns="91425" rIns="91425" bIns="91425" anchor="t" anchorCtr="0">
             <a:normAutofit/>
           </a:bodyPr>
           <a:lstStyle>
@@ -2596,15 +2649,19 @@
               <a:defRPr sz="1300"/>
             </a:lvl9pPr>
           </a:lstStyle>
-          <a:p/>
+          <a:p>
+            <a:endParaRPr/>
+          </a:p>
         </p:txBody>
       </p:sp>
       <p:sp>
         <p:nvSpPr>
           <p:cNvPr id="18" name="Google Shape;18;p2"/>
-          <p:cNvSpPr txBox="1"/>
+          <p:cNvSpPr txBox="1">
+            <a:spLocks noGrp="1"/>
+          </p:cNvSpPr>
           <p:nvPr>
-            <p:ph idx="12" type="sldNum"/>
+            <p:ph type="sldNum" idx="12"/>
           </p:nvPr>
         </p:nvSpPr>
         <p:spPr>
@@ -2617,7 +2674,7 @@
           </a:prstGeom>
         </p:spPr>
         <p:txBody>
-          <a:bodyPr anchorCtr="0" anchor="ctr" bIns="91425" lIns="91425" spcFirstLastPara="1" rIns="91425" wrap="square" tIns="91425">
+          <a:bodyPr spcFirstLastPara="1" wrap="square" lIns="91425" tIns="91425" rIns="91425" bIns="91425" anchor="ctr" anchorCtr="0">
             <a:normAutofit/>
           </a:bodyPr>
           <a:lstStyle>
@@ -2659,7 +2716,7 @@
             </a:lvl9pPr>
           </a:lstStyle>
           <a:p>
-            <a:pPr indent="0" lvl="0" marL="0" rtl="0" algn="r">
+            <a:pPr marL="0" lvl="0" indent="0" algn="r" rtl="0">
               <a:spcBef>
                 <a:spcPts val="0"/>
               </a:spcBef>
@@ -2685,11 +2742,11 @@
 </file>
 
 <file path=ppt/slideLayouts/slideLayout10.xml><?xml version="1.0" encoding="utf-8"?>
-<p:sldLayout xmlns:a="http://schemas.openxmlformats.org/drawingml/2006/main" xmlns:r="http://schemas.openxmlformats.org/officeDocument/2006/relationships" xmlns:mc="http://schemas.openxmlformats.org/markup-compatibility/2006" xmlns:mv="urn:schemas-microsoft-com:mac:vml" xmlns:p="http://schemas.openxmlformats.org/presentationml/2006/main" xmlns:c="http://schemas.openxmlformats.org/drawingml/2006/chart" xmlns:dgm="http://schemas.openxmlformats.org/drawingml/2006/diagram" xmlns:o="urn:schemas-microsoft-com:office:office" xmlns:v="urn:schemas-microsoft-com:vml" xmlns:pvml="urn:schemas-microsoft-com:office:powerpoint" xmlns:com="http://schemas.openxmlformats.org/drawingml/2006/compatibility" xmlns:p14="http://schemas.microsoft.com/office/powerpoint/2010/main" xmlns:p15="http://schemas.microsoft.com/office/powerpoint/2012/main" xmlns:ahyp="http://schemas.microsoft.com/office/drawing/2018/hyperlinkcolor" matchingName="Big number">
+<p:sldLayout xmlns:a="http://schemas.openxmlformats.org/drawingml/2006/main" xmlns:r="http://schemas.openxmlformats.org/officeDocument/2006/relationships" xmlns:p="http://schemas.openxmlformats.org/presentationml/2006/main" matchingName="Big number">
   <p:cSld name="BIG_NUMBER">
     <p:spTree>
       <p:nvGrpSpPr>
-        <p:cNvPr id="105" name="Shape 105"/>
+        <p:cNvPr id="1" name="Shape 105"/>
         <p:cNvGrpSpPr/>
         <p:nvPr/>
       </p:nvGrpSpPr>
@@ -2728,7 +2785,7 @@
             </a:xfrm>
             <a:prstGeom prst="diagStripe">
               <a:avLst>
-                <a:gd fmla="val 49469" name="adj"/>
+                <a:gd name="adj" fmla="val 49469"/>
               </a:avLst>
             </a:prstGeom>
             <a:solidFill>
@@ -2741,12 +2798,12 @@
             </a:ln>
           </p:spPr>
           <p:txBody>
-            <a:bodyPr anchorCtr="0" anchor="ctr" bIns="91425" lIns="91425" spcFirstLastPara="1" rIns="91425" wrap="square" tIns="91425">
+            <a:bodyPr spcFirstLastPara="1" wrap="square" lIns="91425" tIns="91425" rIns="91425" bIns="91425" anchor="ctr" anchorCtr="0">
               <a:noAutofit/>
             </a:bodyPr>
             <a:lstStyle/>
             <a:p>
-              <a:pPr indent="0" lvl="0" marL="0" rtl="0" algn="l">
+              <a:pPr marL="0" lvl="0" indent="0" algn="l" rtl="0">
                 <a:spcBef>
                   <a:spcPts val="0"/>
                 </a:spcBef>
@@ -2755,9 +2812,6 @@
                 </a:spcAft>
                 <a:buNone/>
               </a:pPr>
-              <a:r>
-                <a:t/>
-              </a:r>
               <a:endParaRPr/>
             </a:p>
           </p:txBody>
@@ -2775,7 +2829,7 @@
             </a:xfrm>
             <a:prstGeom prst="diagStripe">
               <a:avLst>
-                <a:gd fmla="val 0" name="adj"/>
+                <a:gd name="adj" fmla="val 0"/>
               </a:avLst>
             </a:prstGeom>
             <a:solidFill>
@@ -2788,12 +2842,12 @@
             </a:ln>
           </p:spPr>
           <p:txBody>
-            <a:bodyPr anchorCtr="0" anchor="ctr" bIns="91425" lIns="91425" spcFirstLastPara="1" rIns="91425" wrap="square" tIns="91425">
+            <a:bodyPr spcFirstLastPara="1" wrap="square" lIns="91425" tIns="91425" rIns="91425" bIns="91425" anchor="ctr" anchorCtr="0">
               <a:noAutofit/>
             </a:bodyPr>
             <a:lstStyle/>
             <a:p>
-              <a:pPr indent="0" lvl="0" marL="0" rtl="0" algn="l">
+              <a:pPr marL="0" lvl="0" indent="0" algn="l" rtl="0">
                 <a:spcBef>
                   <a:spcPts val="0"/>
                 </a:spcBef>
@@ -2802,9 +2856,6 @@
                 </a:spcAft>
                 <a:buNone/>
               </a:pPr>
-              <a:r>
-                <a:t/>
-              </a:r>
               <a:endParaRPr/>
             </a:p>
           </p:txBody>
@@ -2822,7 +2873,7 @@
             </a:xfrm>
             <a:prstGeom prst="diagStripe">
               <a:avLst>
-                <a:gd fmla="val 50000" name="adj"/>
+                <a:gd name="adj" fmla="val 50000"/>
               </a:avLst>
             </a:prstGeom>
             <a:solidFill>
@@ -2835,12 +2886,12 @@
             </a:ln>
           </p:spPr>
           <p:txBody>
-            <a:bodyPr anchorCtr="0" anchor="ctr" bIns="91425" lIns="91425" spcFirstLastPara="1" rIns="91425" wrap="square" tIns="91425">
+            <a:bodyPr spcFirstLastPara="1" wrap="square" lIns="91425" tIns="91425" rIns="91425" bIns="91425" anchor="ctr" anchorCtr="0">
               <a:noAutofit/>
             </a:bodyPr>
             <a:lstStyle/>
             <a:p>
-              <a:pPr indent="0" lvl="0" marL="0" rtl="0" algn="l">
+              <a:pPr marL="0" lvl="0" indent="0" algn="l" rtl="0">
                 <a:spcBef>
                   <a:spcPts val="0"/>
                 </a:spcBef>
@@ -2849,9 +2900,6 @@
                 </a:spcAft>
                 <a:buNone/>
               </a:pPr>
-              <a:r>
-                <a:t/>
-              </a:r>
               <a:endParaRPr/>
             </a:p>
           </p:txBody>
@@ -2869,7 +2917,7 @@
             </a:xfrm>
             <a:prstGeom prst="diagStripe">
               <a:avLst>
-                <a:gd fmla="val 50000" name="adj"/>
+                <a:gd name="adj" fmla="val 50000"/>
               </a:avLst>
             </a:prstGeom>
             <a:solidFill>
@@ -2882,12 +2930,12 @@
             </a:ln>
           </p:spPr>
           <p:txBody>
-            <a:bodyPr anchorCtr="0" anchor="ctr" bIns="91425" lIns="91425" spcFirstLastPara="1" rIns="91425" wrap="square" tIns="91425">
+            <a:bodyPr spcFirstLastPara="1" wrap="square" lIns="91425" tIns="91425" rIns="91425" bIns="91425" anchor="ctr" anchorCtr="0">
               <a:noAutofit/>
             </a:bodyPr>
             <a:lstStyle/>
             <a:p>
-              <a:pPr indent="0" lvl="0" marL="0" rtl="0" algn="l">
+              <a:pPr marL="0" lvl="0" indent="0" algn="l" rtl="0">
                 <a:spcBef>
                   <a:spcPts val="0"/>
                 </a:spcBef>
@@ -2896,9 +2944,6 @@
                 </a:spcAft>
                 <a:buNone/>
               </a:pPr>
-              <a:r>
-                <a:t/>
-              </a:r>
               <a:endParaRPr/>
             </a:p>
           </p:txBody>
@@ -2916,7 +2961,7 @@
             </a:xfrm>
             <a:prstGeom prst="diagStripe">
               <a:avLst>
-                <a:gd fmla="val 50000" name="adj"/>
+                <a:gd name="adj" fmla="val 50000"/>
               </a:avLst>
             </a:prstGeom>
             <a:solidFill>
@@ -2929,12 +2974,12 @@
             </a:ln>
           </p:spPr>
           <p:txBody>
-            <a:bodyPr anchorCtr="0" anchor="ctr" bIns="91425" lIns="91425" spcFirstLastPara="1" rIns="91425" wrap="square" tIns="91425">
+            <a:bodyPr spcFirstLastPara="1" wrap="square" lIns="91425" tIns="91425" rIns="91425" bIns="91425" anchor="ctr" anchorCtr="0">
               <a:noAutofit/>
             </a:bodyPr>
             <a:lstStyle/>
             <a:p>
-              <a:pPr indent="0" lvl="0" marL="0" rtl="0" algn="l">
+              <a:pPr marL="0" lvl="0" indent="0" algn="l" rtl="0">
                 <a:spcBef>
                   <a:spcPts val="0"/>
                 </a:spcBef>
@@ -2943,9 +2988,6 @@
                 </a:spcAft>
                 <a:buNone/>
               </a:pPr>
-              <a:r>
-                <a:t/>
-              </a:r>
               <a:endParaRPr/>
             </a:p>
           </p:txBody>
@@ -2963,7 +3005,7 @@
             </a:xfrm>
             <a:prstGeom prst="diagStripe">
               <a:avLst>
-                <a:gd fmla="val 50000" name="adj"/>
+                <a:gd name="adj" fmla="val 50000"/>
               </a:avLst>
             </a:prstGeom>
             <a:solidFill>
@@ -2976,12 +3018,12 @@
             </a:ln>
           </p:spPr>
           <p:txBody>
-            <a:bodyPr anchorCtr="0" anchor="ctr" bIns="91425" lIns="91425" spcFirstLastPara="1" rIns="91425" wrap="square" tIns="91425">
+            <a:bodyPr spcFirstLastPara="1" wrap="square" lIns="91425" tIns="91425" rIns="91425" bIns="91425" anchor="ctr" anchorCtr="0">
               <a:noAutofit/>
             </a:bodyPr>
             <a:lstStyle/>
             <a:p>
-              <a:pPr indent="0" lvl="0" marL="0" rtl="0" algn="l">
+              <a:pPr marL="0" lvl="0" indent="0" algn="l" rtl="0">
                 <a:spcBef>
                   <a:spcPts val="0"/>
                 </a:spcBef>
@@ -2990,9 +3032,6 @@
                 </a:spcAft>
                 <a:buNone/>
               </a:pPr>
-              <a:r>
-                <a:t/>
-              </a:r>
               <a:endParaRPr/>
             </a:p>
           </p:txBody>
@@ -3010,7 +3049,7 @@
             </a:xfrm>
             <a:prstGeom prst="diagStripe">
               <a:avLst>
-                <a:gd fmla="val 50000" name="adj"/>
+                <a:gd name="adj" fmla="val 50000"/>
               </a:avLst>
             </a:prstGeom>
             <a:solidFill>
@@ -3023,12 +3062,12 @@
             </a:ln>
           </p:spPr>
           <p:txBody>
-            <a:bodyPr anchorCtr="0" anchor="ctr" bIns="91425" lIns="91425" spcFirstLastPara="1" rIns="91425" wrap="square" tIns="91425">
+            <a:bodyPr spcFirstLastPara="1" wrap="square" lIns="91425" tIns="91425" rIns="91425" bIns="91425" anchor="ctr" anchorCtr="0">
               <a:noAutofit/>
             </a:bodyPr>
             <a:lstStyle/>
             <a:p>
-              <a:pPr indent="0" lvl="0" marL="0" rtl="0" algn="l">
+              <a:pPr marL="0" lvl="0" indent="0" algn="l" rtl="0">
                 <a:spcBef>
                   <a:spcPts val="0"/>
                 </a:spcBef>
@@ -3037,9 +3076,6 @@
                 </a:spcAft>
                 <a:buNone/>
               </a:pPr>
-              <a:r>
-                <a:t/>
-              </a:r>
               <a:endParaRPr/>
             </a:p>
           </p:txBody>
@@ -3057,7 +3093,7 @@
             </a:xfrm>
             <a:prstGeom prst="diagStripe">
               <a:avLst>
-                <a:gd fmla="val 50000" name="adj"/>
+                <a:gd name="adj" fmla="val 50000"/>
               </a:avLst>
             </a:prstGeom>
             <a:solidFill>
@@ -3068,12 +3104,12 @@
             </a:ln>
           </p:spPr>
           <p:txBody>
-            <a:bodyPr anchorCtr="0" anchor="ctr" bIns="91425" lIns="91425" spcFirstLastPara="1" rIns="91425" wrap="square" tIns="91425">
+            <a:bodyPr spcFirstLastPara="1" wrap="square" lIns="91425" tIns="91425" rIns="91425" bIns="91425" anchor="ctr" anchorCtr="0">
               <a:noAutofit/>
             </a:bodyPr>
             <a:lstStyle/>
             <a:p>
-              <a:pPr indent="0" lvl="0" marL="0" rtl="0" algn="l">
+              <a:pPr marL="0" lvl="0" indent="0" algn="l" rtl="0">
                 <a:spcBef>
                   <a:spcPts val="0"/>
                 </a:spcBef>
@@ -3082,9 +3118,6 @@
                 </a:spcAft>
                 <a:buNone/>
               </a:pPr>
-              <a:r>
-                <a:t/>
-              </a:r>
               <a:endParaRPr/>
             </a:p>
           </p:txBody>
@@ -3102,7 +3135,7 @@
             </a:xfrm>
             <a:prstGeom prst="diagStripe">
               <a:avLst>
-                <a:gd fmla="val 50000" name="adj"/>
+                <a:gd name="adj" fmla="val 50000"/>
               </a:avLst>
             </a:prstGeom>
             <a:solidFill>
@@ -3115,12 +3148,12 @@
             </a:ln>
           </p:spPr>
           <p:txBody>
-            <a:bodyPr anchorCtr="0" anchor="ctr" bIns="91425" lIns="91425" spcFirstLastPara="1" rIns="91425" wrap="square" tIns="91425">
+            <a:bodyPr spcFirstLastPara="1" wrap="square" lIns="91425" tIns="91425" rIns="91425" bIns="91425" anchor="ctr" anchorCtr="0">
               <a:noAutofit/>
             </a:bodyPr>
             <a:lstStyle/>
             <a:p>
-              <a:pPr indent="0" lvl="0" marL="0" rtl="0" algn="l">
+              <a:pPr marL="0" lvl="0" indent="0" algn="l" rtl="0">
                 <a:spcBef>
                   <a:spcPts val="0"/>
                 </a:spcBef>
@@ -3129,9 +3162,6 @@
                 </a:spcAft>
                 <a:buNone/>
               </a:pPr>
-              <a:r>
-                <a:t/>
-              </a:r>
               <a:endParaRPr/>
             </a:p>
           </p:txBody>
@@ -3149,7 +3179,7 @@
             </a:xfrm>
             <a:prstGeom prst="diagStripe">
               <a:avLst>
-                <a:gd fmla="val 50000" name="adj"/>
+                <a:gd name="adj" fmla="val 50000"/>
               </a:avLst>
             </a:prstGeom>
             <a:solidFill>
@@ -3162,12 +3192,12 @@
             </a:ln>
           </p:spPr>
           <p:txBody>
-            <a:bodyPr anchorCtr="0" anchor="ctr" bIns="91425" lIns="91425" spcFirstLastPara="1" rIns="91425" wrap="square" tIns="91425">
+            <a:bodyPr spcFirstLastPara="1" wrap="square" lIns="91425" tIns="91425" rIns="91425" bIns="91425" anchor="ctr" anchorCtr="0">
               <a:noAutofit/>
             </a:bodyPr>
             <a:lstStyle/>
             <a:p>
-              <a:pPr indent="0" lvl="0" marL="0" rtl="0" algn="l">
+              <a:pPr marL="0" lvl="0" indent="0" algn="l" rtl="0">
                 <a:spcBef>
                   <a:spcPts val="0"/>
                 </a:spcBef>
@@ -3176,9 +3206,6 @@
                 </a:spcAft>
                 <a:buNone/>
               </a:pPr>
-              <a:r>
-                <a:t/>
-              </a:r>
               <a:endParaRPr/>
             </a:p>
           </p:txBody>
@@ -3196,7 +3223,7 @@
             </a:xfrm>
             <a:prstGeom prst="diagStripe">
               <a:avLst>
-                <a:gd fmla="val 50000" name="adj"/>
+                <a:gd name="adj" fmla="val 50000"/>
               </a:avLst>
             </a:prstGeom>
             <a:solidFill>
@@ -3209,12 +3236,12 @@
             </a:ln>
           </p:spPr>
           <p:txBody>
-            <a:bodyPr anchorCtr="0" anchor="ctr" bIns="91425" lIns="91425" spcFirstLastPara="1" rIns="91425" wrap="square" tIns="91425">
+            <a:bodyPr spcFirstLastPara="1" wrap="square" lIns="91425" tIns="91425" rIns="91425" bIns="91425" anchor="ctr" anchorCtr="0">
               <a:noAutofit/>
             </a:bodyPr>
             <a:lstStyle/>
             <a:p>
-              <a:pPr indent="0" lvl="0" marL="0" rtl="0" algn="l">
+              <a:pPr marL="0" lvl="0" indent="0" algn="l" rtl="0">
                 <a:spcBef>
                   <a:spcPts val="0"/>
                 </a:spcBef>
@@ -3223,9 +3250,6 @@
                 </a:spcAft>
                 <a:buNone/>
               </a:pPr>
-              <a:r>
-                <a:t/>
-              </a:r>
               <a:endParaRPr/>
             </a:p>
           </p:txBody>
@@ -3243,7 +3267,7 @@
             </a:xfrm>
             <a:prstGeom prst="diagStripe">
               <a:avLst>
-                <a:gd fmla="val 50000" name="adj"/>
+                <a:gd name="adj" fmla="val 50000"/>
               </a:avLst>
             </a:prstGeom>
             <a:solidFill>
@@ -3256,12 +3280,12 @@
             </a:ln>
           </p:spPr>
           <p:txBody>
-            <a:bodyPr anchorCtr="0" anchor="ctr" bIns="91425" lIns="91425" spcFirstLastPara="1" rIns="91425" wrap="square" tIns="91425">
+            <a:bodyPr spcFirstLastPara="1" wrap="square" lIns="91425" tIns="91425" rIns="91425" bIns="91425" anchor="ctr" anchorCtr="0">
               <a:noAutofit/>
             </a:bodyPr>
             <a:lstStyle/>
             <a:p>
-              <a:pPr indent="0" lvl="0" marL="0" rtl="0" algn="l">
+              <a:pPr marL="0" lvl="0" indent="0" algn="l" rtl="0">
                 <a:spcBef>
                   <a:spcPts val="0"/>
                 </a:spcBef>
@@ -3270,9 +3294,6 @@
                 </a:spcAft>
                 <a:buNone/>
               </a:pPr>
-              <a:r>
-                <a:t/>
-              </a:r>
               <a:endParaRPr/>
             </a:p>
           </p:txBody>
@@ -3290,7 +3311,7 @@
             </a:xfrm>
             <a:prstGeom prst="diagStripe">
               <a:avLst>
-                <a:gd fmla="val 50000" name="adj"/>
+                <a:gd name="adj" fmla="val 50000"/>
               </a:avLst>
             </a:prstGeom>
             <a:solidFill>
@@ -3303,12 +3324,12 @@
             </a:ln>
           </p:spPr>
           <p:txBody>
-            <a:bodyPr anchorCtr="0" anchor="ctr" bIns="91425" lIns="91425" spcFirstLastPara="1" rIns="91425" wrap="square" tIns="91425">
+            <a:bodyPr spcFirstLastPara="1" wrap="square" lIns="91425" tIns="91425" rIns="91425" bIns="91425" anchor="ctr" anchorCtr="0">
               <a:noAutofit/>
             </a:bodyPr>
             <a:lstStyle/>
             <a:p>
-              <a:pPr indent="0" lvl="0" marL="0" rtl="0" algn="l">
+              <a:pPr marL="0" lvl="0" indent="0" algn="l" rtl="0">
                 <a:spcBef>
                   <a:spcPts val="0"/>
                 </a:spcBef>
@@ -3317,9 +3338,6 @@
                 </a:spcAft>
                 <a:buNone/>
               </a:pPr>
-              <a:r>
-                <a:t/>
-              </a:r>
               <a:endParaRPr/>
             </a:p>
           </p:txBody>
@@ -3337,7 +3355,7 @@
             </a:xfrm>
             <a:prstGeom prst="diagStripe">
               <a:avLst>
-                <a:gd fmla="val 50000" name="adj"/>
+                <a:gd name="adj" fmla="val 50000"/>
               </a:avLst>
             </a:prstGeom>
             <a:solidFill>
@@ -3348,12 +3366,12 @@
             </a:ln>
           </p:spPr>
           <p:txBody>
-            <a:bodyPr anchorCtr="0" anchor="ctr" bIns="91425" lIns="91425" spcFirstLastPara="1" rIns="91425" wrap="square" tIns="91425">
+            <a:bodyPr spcFirstLastPara="1" wrap="square" lIns="91425" tIns="91425" rIns="91425" bIns="91425" anchor="ctr" anchorCtr="0">
               <a:noAutofit/>
             </a:bodyPr>
             <a:lstStyle/>
             <a:p>
-              <a:pPr indent="0" lvl="0" marL="0" rtl="0" algn="l">
+              <a:pPr marL="0" lvl="0" indent="0" algn="l" rtl="0">
                 <a:spcBef>
                   <a:spcPts val="0"/>
                 </a:spcBef>
@@ -3362,9 +3380,6 @@
                 </a:spcAft>
                 <a:buNone/>
               </a:pPr>
-              <a:r>
-                <a:t/>
-              </a:r>
               <a:endParaRPr/>
             </a:p>
           </p:txBody>
@@ -3382,7 +3397,7 @@
             </a:xfrm>
             <a:prstGeom prst="diagStripe">
               <a:avLst>
-                <a:gd fmla="val 50000" name="adj"/>
+                <a:gd name="adj" fmla="val 50000"/>
               </a:avLst>
             </a:prstGeom>
             <a:solidFill>
@@ -3395,12 +3410,12 @@
             </a:ln>
           </p:spPr>
           <p:txBody>
-            <a:bodyPr anchorCtr="0" anchor="ctr" bIns="91425" lIns="91425" spcFirstLastPara="1" rIns="91425" wrap="square" tIns="91425">
+            <a:bodyPr spcFirstLastPara="1" wrap="square" lIns="91425" tIns="91425" rIns="91425" bIns="91425" anchor="ctr" anchorCtr="0">
               <a:noAutofit/>
             </a:bodyPr>
             <a:lstStyle/>
             <a:p>
-              <a:pPr indent="0" lvl="0" marL="0" rtl="0" algn="l">
+              <a:pPr marL="0" lvl="0" indent="0" algn="l" rtl="0">
                 <a:spcBef>
                   <a:spcPts val="0"/>
                 </a:spcBef>
@@ -3409,9 +3424,6 @@
                 </a:spcAft>
                 <a:buNone/>
               </a:pPr>
-              <a:r>
-                <a:t/>
-              </a:r>
               <a:endParaRPr/>
             </a:p>
           </p:txBody>
@@ -3429,7 +3441,7 @@
             </a:xfrm>
             <a:prstGeom prst="diagStripe">
               <a:avLst>
-                <a:gd fmla="val 50000" name="adj"/>
+                <a:gd name="adj" fmla="val 50000"/>
               </a:avLst>
             </a:prstGeom>
             <a:solidFill>
@@ -3442,12 +3454,12 @@
             </a:ln>
           </p:spPr>
           <p:txBody>
-            <a:bodyPr anchorCtr="0" anchor="ctr" bIns="91425" lIns="91425" spcFirstLastPara="1" rIns="91425" wrap="square" tIns="91425">
+            <a:bodyPr spcFirstLastPara="1" wrap="square" lIns="91425" tIns="91425" rIns="91425" bIns="91425" anchor="ctr" anchorCtr="0">
               <a:noAutofit/>
             </a:bodyPr>
             <a:lstStyle/>
             <a:p>
-              <a:pPr indent="0" lvl="0" marL="0" rtl="0" algn="l">
+              <a:pPr marL="0" lvl="0" indent="0" algn="l" rtl="0">
                 <a:spcBef>
                   <a:spcPts val="0"/>
                 </a:spcBef>
@@ -3456,9 +3468,6 @@
                 </a:spcAft>
                 <a:buNone/>
               </a:pPr>
-              <a:r>
-                <a:t/>
-              </a:r>
               <a:endParaRPr/>
             </a:p>
           </p:txBody>
@@ -3476,7 +3485,7 @@
             </a:xfrm>
             <a:prstGeom prst="diagStripe">
               <a:avLst>
-                <a:gd fmla="val 50000" name="adj"/>
+                <a:gd name="adj" fmla="val 50000"/>
               </a:avLst>
             </a:prstGeom>
             <a:solidFill>
@@ -3489,12 +3498,12 @@
             </a:ln>
           </p:spPr>
           <p:txBody>
-            <a:bodyPr anchorCtr="0" anchor="ctr" bIns="91425" lIns="91425" spcFirstLastPara="1" rIns="91425" wrap="square" tIns="91425">
+            <a:bodyPr spcFirstLastPara="1" wrap="square" lIns="91425" tIns="91425" rIns="91425" bIns="91425" anchor="ctr" anchorCtr="0">
               <a:noAutofit/>
             </a:bodyPr>
             <a:lstStyle/>
             <a:p>
-              <a:pPr indent="0" lvl="0" marL="0" rtl="0" algn="l">
+              <a:pPr marL="0" lvl="0" indent="0" algn="l" rtl="0">
                 <a:spcBef>
                   <a:spcPts val="0"/>
                 </a:spcBef>
@@ -3503,9 +3512,6 @@
                 </a:spcAft>
                 <a:buNone/>
               </a:pPr>
-              <a:r>
-                <a:t/>
-              </a:r>
               <a:endParaRPr/>
             </a:p>
           </p:txBody>
@@ -3523,7 +3529,7 @@
             </a:xfrm>
             <a:prstGeom prst="diagStripe">
               <a:avLst>
-                <a:gd fmla="val 50000" name="adj"/>
+                <a:gd name="adj" fmla="val 50000"/>
               </a:avLst>
             </a:prstGeom>
             <a:solidFill>
@@ -3536,12 +3542,12 @@
             </a:ln>
           </p:spPr>
           <p:txBody>
-            <a:bodyPr anchorCtr="0" anchor="ctr" bIns="91425" lIns="91425" spcFirstLastPara="1" rIns="91425" wrap="square" tIns="91425">
+            <a:bodyPr spcFirstLastPara="1" wrap="square" lIns="91425" tIns="91425" rIns="91425" bIns="91425" anchor="ctr" anchorCtr="0">
               <a:noAutofit/>
             </a:bodyPr>
             <a:lstStyle/>
             <a:p>
-              <a:pPr indent="0" lvl="0" marL="0" rtl="0" algn="l">
+              <a:pPr marL="0" lvl="0" indent="0" algn="l" rtl="0">
                 <a:spcBef>
                   <a:spcPts val="0"/>
                 </a:spcBef>
@@ -3550,9 +3556,6 @@
                 </a:spcAft>
                 <a:buNone/>
               </a:pPr>
-              <a:r>
-                <a:t/>
-              </a:r>
               <a:endParaRPr/>
             </a:p>
           </p:txBody>
@@ -3561,9 +3564,11 @@
       <p:sp>
         <p:nvSpPr>
           <p:cNvPr id="125" name="Google Shape;125;p11"/>
-          <p:cNvSpPr txBox="1"/>
+          <p:cNvSpPr txBox="1">
+            <a:spLocks noGrp="1"/>
+          </p:cNvSpPr>
           <p:nvPr>
-            <p:ph hasCustomPrompt="1" type="title"/>
+            <p:ph type="title" hasCustomPrompt="1"/>
           </p:nvPr>
         </p:nvSpPr>
         <p:spPr>
@@ -3576,7 +3581,7 @@
           </a:prstGeom>
         </p:spPr>
         <p:txBody>
-          <a:bodyPr anchorCtr="0" anchor="t" bIns="91425" lIns="91425" spcFirstLastPara="1" rIns="91425" wrap="square" tIns="91425">
+          <a:bodyPr spcFirstLastPara="1" wrap="square" lIns="91425" tIns="91425" rIns="91425" bIns="91425" anchor="t" anchorCtr="0">
             <a:normAutofit/>
           </a:bodyPr>
           <a:lstStyle>
@@ -3690,9 +3695,11 @@
       <p:sp>
         <p:nvSpPr>
           <p:cNvPr id="126" name="Google Shape;126;p11"/>
-          <p:cNvSpPr txBox="1"/>
+          <p:cNvSpPr txBox="1">
+            <a:spLocks noGrp="1"/>
+          </p:cNvSpPr>
           <p:nvPr>
-            <p:ph idx="1" type="body"/>
+            <p:ph type="body" idx="1"/>
           </p:nvPr>
         </p:nvSpPr>
         <p:spPr>
@@ -3705,11 +3712,11 @@
           </a:prstGeom>
         </p:spPr>
         <p:txBody>
-          <a:bodyPr anchorCtr="0" anchor="t" bIns="91425" lIns="91425" spcFirstLastPara="1" rIns="91425" wrap="square" tIns="91425">
+          <a:bodyPr spcFirstLastPara="1" wrap="square" lIns="91425" tIns="91425" rIns="91425" bIns="91425" anchor="t" anchorCtr="0">
             <a:normAutofit/>
           </a:bodyPr>
           <a:lstStyle>
-            <a:lvl1pPr indent="-311150" lvl="0" marL="457200">
+            <a:lvl1pPr marL="457200" lvl="0" indent="-311150">
               <a:spcBef>
                 <a:spcPts val="0"/>
               </a:spcBef>
@@ -3720,7 +3727,7 @@
               <a:buChar char="●"/>
               <a:defRPr/>
             </a:lvl1pPr>
-            <a:lvl2pPr indent="-298450" lvl="1" marL="914400">
+            <a:lvl2pPr marL="914400" lvl="1" indent="-298450">
               <a:spcBef>
                 <a:spcPts val="0"/>
               </a:spcBef>
@@ -3731,7 +3738,7 @@
               <a:buChar char="○"/>
               <a:defRPr/>
             </a:lvl2pPr>
-            <a:lvl3pPr indent="-298450" lvl="2" marL="1371600">
+            <a:lvl3pPr marL="1371600" lvl="2" indent="-298450">
               <a:spcBef>
                 <a:spcPts val="0"/>
               </a:spcBef>
@@ -3742,7 +3749,7 @@
               <a:buChar char="■"/>
               <a:defRPr/>
             </a:lvl3pPr>
-            <a:lvl4pPr indent="-298450" lvl="3" marL="1828800">
+            <a:lvl4pPr marL="1828800" lvl="3" indent="-298450">
               <a:spcBef>
                 <a:spcPts val="0"/>
               </a:spcBef>
@@ -3753,7 +3760,7 @@
               <a:buChar char="●"/>
               <a:defRPr/>
             </a:lvl4pPr>
-            <a:lvl5pPr indent="-298450" lvl="4" marL="2286000">
+            <a:lvl5pPr marL="2286000" lvl="4" indent="-298450">
               <a:spcBef>
                 <a:spcPts val="0"/>
               </a:spcBef>
@@ -3764,7 +3771,7 @@
               <a:buChar char="○"/>
               <a:defRPr/>
             </a:lvl5pPr>
-            <a:lvl6pPr indent="-298450" lvl="5" marL="2743200">
+            <a:lvl6pPr marL="2743200" lvl="5" indent="-298450">
               <a:spcBef>
                 <a:spcPts val="0"/>
               </a:spcBef>
@@ -3775,7 +3782,7 @@
               <a:buChar char="■"/>
               <a:defRPr/>
             </a:lvl6pPr>
-            <a:lvl7pPr indent="-298450" lvl="6" marL="3200400">
+            <a:lvl7pPr marL="3200400" lvl="6" indent="-298450">
               <a:spcBef>
                 <a:spcPts val="0"/>
               </a:spcBef>
@@ -3786,7 +3793,7 @@
               <a:buChar char="●"/>
               <a:defRPr/>
             </a:lvl7pPr>
-            <a:lvl8pPr indent="-298450" lvl="7" marL="3657600">
+            <a:lvl8pPr marL="3657600" lvl="7" indent="-298450">
               <a:spcBef>
                 <a:spcPts val="0"/>
               </a:spcBef>
@@ -3797,7 +3804,7 @@
               <a:buChar char="○"/>
               <a:defRPr/>
             </a:lvl8pPr>
-            <a:lvl9pPr indent="-298450" lvl="8" marL="4114800">
+            <a:lvl9pPr marL="4114800" lvl="8" indent="-298450">
               <a:spcBef>
                 <a:spcPts val="0"/>
               </a:spcBef>
@@ -3809,15 +3816,19 @@
               <a:defRPr/>
             </a:lvl9pPr>
           </a:lstStyle>
-          <a:p/>
+          <a:p>
+            <a:endParaRPr/>
+          </a:p>
         </p:txBody>
       </p:sp>
       <p:sp>
         <p:nvSpPr>
           <p:cNvPr id="127" name="Google Shape;127;p11"/>
-          <p:cNvSpPr txBox="1"/>
+          <p:cNvSpPr txBox="1">
+            <a:spLocks noGrp="1"/>
+          </p:cNvSpPr>
           <p:nvPr>
-            <p:ph idx="12" type="sldNum"/>
+            <p:ph type="sldNum" idx="12"/>
           </p:nvPr>
         </p:nvSpPr>
         <p:spPr>
@@ -3830,7 +3841,7 @@
           </a:prstGeom>
         </p:spPr>
         <p:txBody>
-          <a:bodyPr anchorCtr="0" anchor="ctr" bIns="91425" lIns="91425" spcFirstLastPara="1" rIns="91425" wrap="square" tIns="91425">
+          <a:bodyPr spcFirstLastPara="1" wrap="square" lIns="91425" tIns="91425" rIns="91425" bIns="91425" anchor="ctr" anchorCtr="0">
             <a:normAutofit/>
           </a:bodyPr>
           <a:lstStyle>
@@ -3872,7 +3883,7 @@
             </a:lvl9pPr>
           </a:lstStyle>
           <a:p>
-            <a:pPr indent="0" lvl="0" marL="0" rtl="0" algn="r">
+            <a:pPr marL="0" lvl="0" indent="0" algn="r" rtl="0">
               <a:spcBef>
                 <a:spcPts val="0"/>
               </a:spcBef>
@@ -3898,11 +3909,11 @@
 </file>
 
 <file path=ppt/slideLayouts/slideLayout11.xml><?xml version="1.0" encoding="utf-8"?>
-<p:sldLayout xmlns:a="http://schemas.openxmlformats.org/drawingml/2006/main" xmlns:r="http://schemas.openxmlformats.org/officeDocument/2006/relationships" xmlns:mc="http://schemas.openxmlformats.org/markup-compatibility/2006" xmlns:mv="urn:schemas-microsoft-com:mac:vml" xmlns:p="http://schemas.openxmlformats.org/presentationml/2006/main" xmlns:c="http://schemas.openxmlformats.org/drawingml/2006/chart" xmlns:dgm="http://schemas.openxmlformats.org/drawingml/2006/diagram" xmlns:o="urn:schemas-microsoft-com:office:office" xmlns:v="urn:schemas-microsoft-com:vml" xmlns:pvml="urn:schemas-microsoft-com:office:powerpoint" xmlns:com="http://schemas.openxmlformats.org/drawingml/2006/compatibility" xmlns:p14="http://schemas.microsoft.com/office/powerpoint/2010/main" xmlns:p15="http://schemas.microsoft.com/office/powerpoint/2012/main" xmlns:ahyp="http://schemas.microsoft.com/office/drawing/2018/hyperlinkcolor" matchingName="Blank" type="blank">
+<p:sldLayout xmlns:a="http://schemas.openxmlformats.org/drawingml/2006/main" xmlns:r="http://schemas.openxmlformats.org/officeDocument/2006/relationships" xmlns:p="http://schemas.openxmlformats.org/presentationml/2006/main" matchingName="Blank" type="blank">
   <p:cSld name="BLANK">
     <p:spTree>
       <p:nvGrpSpPr>
-        <p:cNvPr id="128" name="Shape 128"/>
+        <p:cNvPr id="1" name="Shape 128"/>
         <p:cNvGrpSpPr/>
         <p:nvPr/>
       </p:nvGrpSpPr>
@@ -3917,9 +3928,11 @@
       <p:sp>
         <p:nvSpPr>
           <p:cNvPr id="129" name="Google Shape;129;p12"/>
-          <p:cNvSpPr txBox="1"/>
+          <p:cNvSpPr txBox="1">
+            <a:spLocks noGrp="1"/>
+          </p:cNvSpPr>
           <p:nvPr>
-            <p:ph idx="12" type="sldNum"/>
+            <p:ph type="sldNum" idx="12"/>
           </p:nvPr>
         </p:nvSpPr>
         <p:spPr>
@@ -3932,7 +3945,7 @@
           </a:prstGeom>
         </p:spPr>
         <p:txBody>
-          <a:bodyPr anchorCtr="0" anchor="ctr" bIns="91425" lIns="91425" spcFirstLastPara="1" rIns="91425" wrap="square" tIns="91425">
+          <a:bodyPr spcFirstLastPara="1" wrap="square" lIns="91425" tIns="91425" rIns="91425" bIns="91425" anchor="ctr" anchorCtr="0">
             <a:normAutofit/>
           </a:bodyPr>
           <a:lstStyle>
@@ -3974,7 +3987,7 @@
             </a:lvl9pPr>
           </a:lstStyle>
           <a:p>
-            <a:pPr indent="0" lvl="0" marL="0" rtl="0" algn="r">
+            <a:pPr marL="0" lvl="0" indent="0" algn="r" rtl="0">
               <a:spcBef>
                 <a:spcPts val="0"/>
               </a:spcBef>
@@ -4000,11 +4013,11 @@
 </file>
 
 <file path=ppt/slideLayouts/slideLayout2.xml><?xml version="1.0" encoding="utf-8"?>
-<p:sldLayout xmlns:a="http://schemas.openxmlformats.org/drawingml/2006/main" xmlns:r="http://schemas.openxmlformats.org/officeDocument/2006/relationships" xmlns:mc="http://schemas.openxmlformats.org/markup-compatibility/2006" xmlns:mv="urn:schemas-microsoft-com:mac:vml" xmlns:p="http://schemas.openxmlformats.org/presentationml/2006/main" xmlns:c="http://schemas.openxmlformats.org/drawingml/2006/chart" xmlns:dgm="http://schemas.openxmlformats.org/drawingml/2006/diagram" xmlns:o="urn:schemas-microsoft-com:office:office" xmlns:v="urn:schemas-microsoft-com:vml" xmlns:pvml="urn:schemas-microsoft-com:office:powerpoint" xmlns:com="http://schemas.openxmlformats.org/drawingml/2006/compatibility" xmlns:p14="http://schemas.microsoft.com/office/powerpoint/2010/main" xmlns:p15="http://schemas.microsoft.com/office/powerpoint/2012/main" xmlns:ahyp="http://schemas.microsoft.com/office/drawing/2018/hyperlinkcolor" matchingName="Section header" type="secHead">
+<p:sldLayout xmlns:a="http://schemas.openxmlformats.org/drawingml/2006/main" xmlns:r="http://schemas.openxmlformats.org/officeDocument/2006/relationships" xmlns:p="http://schemas.openxmlformats.org/presentationml/2006/main" matchingName="Section header" type="secHead">
   <p:cSld name="SECTION_HEADER">
     <p:spTree>
       <p:nvGrpSpPr>
-        <p:cNvPr id="19" name="Shape 19"/>
+        <p:cNvPr id="1" name="Shape 19"/>
         <p:cNvGrpSpPr/>
         <p:nvPr/>
       </p:nvGrpSpPr>
@@ -4043,7 +4056,7 @@
             </a:xfrm>
             <a:prstGeom prst="diagStripe">
               <a:avLst>
-                <a:gd fmla="val 49469" name="adj"/>
+                <a:gd name="adj" fmla="val 49469"/>
               </a:avLst>
             </a:prstGeom>
             <a:solidFill>
@@ -4056,12 +4069,12 @@
             </a:ln>
           </p:spPr>
           <p:txBody>
-            <a:bodyPr anchorCtr="0" anchor="ctr" bIns="91425" lIns="91425" spcFirstLastPara="1" rIns="91425" wrap="square" tIns="91425">
+            <a:bodyPr spcFirstLastPara="1" wrap="square" lIns="91425" tIns="91425" rIns="91425" bIns="91425" anchor="ctr" anchorCtr="0">
               <a:noAutofit/>
             </a:bodyPr>
             <a:lstStyle/>
             <a:p>
-              <a:pPr indent="0" lvl="0" marL="0" rtl="0" algn="l">
+              <a:pPr marL="0" lvl="0" indent="0" algn="l" rtl="0">
                 <a:spcBef>
                   <a:spcPts val="0"/>
                 </a:spcBef>
@@ -4070,9 +4083,6 @@
                 </a:spcAft>
                 <a:buNone/>
               </a:pPr>
-              <a:r>
-                <a:t/>
-              </a:r>
               <a:endParaRPr/>
             </a:p>
           </p:txBody>
@@ -4090,7 +4100,7 @@
             </a:xfrm>
             <a:prstGeom prst="diagStripe">
               <a:avLst>
-                <a:gd fmla="val 0" name="adj"/>
+                <a:gd name="adj" fmla="val 0"/>
               </a:avLst>
             </a:prstGeom>
             <a:solidFill>
@@ -4103,12 +4113,12 @@
             </a:ln>
           </p:spPr>
           <p:txBody>
-            <a:bodyPr anchorCtr="0" anchor="ctr" bIns="91425" lIns="91425" spcFirstLastPara="1" rIns="91425" wrap="square" tIns="91425">
+            <a:bodyPr spcFirstLastPara="1" wrap="square" lIns="91425" tIns="91425" rIns="91425" bIns="91425" anchor="ctr" anchorCtr="0">
               <a:noAutofit/>
             </a:bodyPr>
             <a:lstStyle/>
             <a:p>
-              <a:pPr indent="0" lvl="0" marL="0" rtl="0" algn="l">
+              <a:pPr marL="0" lvl="0" indent="0" algn="l" rtl="0">
                 <a:spcBef>
                   <a:spcPts val="0"/>
                 </a:spcBef>
@@ -4117,9 +4127,6 @@
                 </a:spcAft>
                 <a:buNone/>
               </a:pPr>
-              <a:r>
-                <a:t/>
-              </a:r>
               <a:endParaRPr/>
             </a:p>
           </p:txBody>
@@ -4137,7 +4144,7 @@
             </a:xfrm>
             <a:prstGeom prst="diagStripe">
               <a:avLst>
-                <a:gd fmla="val 50000" name="adj"/>
+                <a:gd name="adj" fmla="val 50000"/>
               </a:avLst>
             </a:prstGeom>
             <a:solidFill>
@@ -4150,12 +4157,12 @@
             </a:ln>
           </p:spPr>
           <p:txBody>
-            <a:bodyPr anchorCtr="0" anchor="ctr" bIns="91425" lIns="91425" spcFirstLastPara="1" rIns="91425" wrap="square" tIns="91425">
+            <a:bodyPr spcFirstLastPara="1" wrap="square" lIns="91425" tIns="91425" rIns="91425" bIns="91425" anchor="ctr" anchorCtr="0">
               <a:noAutofit/>
             </a:bodyPr>
             <a:lstStyle/>
             <a:p>
-              <a:pPr indent="0" lvl="0" marL="0" rtl="0" algn="l">
+              <a:pPr marL="0" lvl="0" indent="0" algn="l" rtl="0">
                 <a:spcBef>
                   <a:spcPts val="0"/>
                 </a:spcBef>
@@ -4164,9 +4171,6 @@
                 </a:spcAft>
                 <a:buNone/>
               </a:pPr>
-              <a:r>
-                <a:t/>
-              </a:r>
               <a:endParaRPr/>
             </a:p>
           </p:txBody>
@@ -4184,7 +4188,7 @@
             </a:xfrm>
             <a:prstGeom prst="diagStripe">
               <a:avLst>
-                <a:gd fmla="val 50000" name="adj"/>
+                <a:gd name="adj" fmla="val 50000"/>
               </a:avLst>
             </a:prstGeom>
             <a:solidFill>
@@ -4197,12 +4201,12 @@
             </a:ln>
           </p:spPr>
           <p:txBody>
-            <a:bodyPr anchorCtr="0" anchor="ctr" bIns="91425" lIns="91425" spcFirstLastPara="1" rIns="91425" wrap="square" tIns="91425">
+            <a:bodyPr spcFirstLastPara="1" wrap="square" lIns="91425" tIns="91425" rIns="91425" bIns="91425" anchor="ctr" anchorCtr="0">
               <a:noAutofit/>
             </a:bodyPr>
             <a:lstStyle/>
             <a:p>
-              <a:pPr indent="0" lvl="0" marL="0" rtl="0" algn="l">
+              <a:pPr marL="0" lvl="0" indent="0" algn="l" rtl="0">
                 <a:spcBef>
                   <a:spcPts val="0"/>
                 </a:spcBef>
@@ -4211,9 +4215,6 @@
                 </a:spcAft>
                 <a:buNone/>
               </a:pPr>
-              <a:r>
-                <a:t/>
-              </a:r>
               <a:endParaRPr/>
             </a:p>
           </p:txBody>
@@ -4231,7 +4232,7 @@
             </a:xfrm>
             <a:prstGeom prst="diagStripe">
               <a:avLst>
-                <a:gd fmla="val 50000" name="adj"/>
+                <a:gd name="adj" fmla="val 50000"/>
               </a:avLst>
             </a:prstGeom>
             <a:solidFill>
@@ -4244,12 +4245,12 @@
             </a:ln>
           </p:spPr>
           <p:txBody>
-            <a:bodyPr anchorCtr="0" anchor="ctr" bIns="91425" lIns="91425" spcFirstLastPara="1" rIns="91425" wrap="square" tIns="91425">
+            <a:bodyPr spcFirstLastPara="1" wrap="square" lIns="91425" tIns="91425" rIns="91425" bIns="91425" anchor="ctr" anchorCtr="0">
               <a:noAutofit/>
             </a:bodyPr>
             <a:lstStyle/>
             <a:p>
-              <a:pPr indent="0" lvl="0" marL="0" rtl="0" algn="l">
+              <a:pPr marL="0" lvl="0" indent="0" algn="l" rtl="0">
                 <a:spcBef>
                   <a:spcPts val="0"/>
                 </a:spcBef>
@@ -4258,9 +4259,6 @@
                 </a:spcAft>
                 <a:buNone/>
               </a:pPr>
-              <a:r>
-                <a:t/>
-              </a:r>
               <a:endParaRPr/>
             </a:p>
           </p:txBody>
@@ -4278,7 +4276,7 @@
             </a:xfrm>
             <a:prstGeom prst="diagStripe">
               <a:avLst>
-                <a:gd fmla="val 50000" name="adj"/>
+                <a:gd name="adj" fmla="val 50000"/>
               </a:avLst>
             </a:prstGeom>
             <a:solidFill>
@@ -4291,12 +4289,12 @@
             </a:ln>
           </p:spPr>
           <p:txBody>
-            <a:bodyPr anchorCtr="0" anchor="ctr" bIns="91425" lIns="91425" spcFirstLastPara="1" rIns="91425" wrap="square" tIns="91425">
+            <a:bodyPr spcFirstLastPara="1" wrap="square" lIns="91425" tIns="91425" rIns="91425" bIns="91425" anchor="ctr" anchorCtr="0">
               <a:noAutofit/>
             </a:bodyPr>
             <a:lstStyle/>
             <a:p>
-              <a:pPr indent="0" lvl="0" marL="0" rtl="0" algn="l">
+              <a:pPr marL="0" lvl="0" indent="0" algn="l" rtl="0">
                 <a:spcBef>
                   <a:spcPts val="0"/>
                 </a:spcBef>
@@ -4305,9 +4303,6 @@
                 </a:spcAft>
                 <a:buNone/>
               </a:pPr>
-              <a:r>
-                <a:t/>
-              </a:r>
               <a:endParaRPr/>
             </a:p>
           </p:txBody>
@@ -4325,7 +4320,7 @@
             </a:xfrm>
             <a:prstGeom prst="diagStripe">
               <a:avLst>
-                <a:gd fmla="val 50000" name="adj"/>
+                <a:gd name="adj" fmla="val 50000"/>
               </a:avLst>
             </a:prstGeom>
             <a:solidFill>
@@ -4338,12 +4333,12 @@
             </a:ln>
           </p:spPr>
           <p:txBody>
-            <a:bodyPr anchorCtr="0" anchor="ctr" bIns="91425" lIns="91425" spcFirstLastPara="1" rIns="91425" wrap="square" tIns="91425">
+            <a:bodyPr spcFirstLastPara="1" wrap="square" lIns="91425" tIns="91425" rIns="91425" bIns="91425" anchor="ctr" anchorCtr="0">
               <a:noAutofit/>
             </a:bodyPr>
             <a:lstStyle/>
             <a:p>
-              <a:pPr indent="0" lvl="0" marL="0" rtl="0" algn="l">
+              <a:pPr marL="0" lvl="0" indent="0" algn="l" rtl="0">
                 <a:spcBef>
                   <a:spcPts val="0"/>
                 </a:spcBef>
@@ -4352,9 +4347,6 @@
                 </a:spcAft>
                 <a:buNone/>
               </a:pPr>
-              <a:r>
-                <a:t/>
-              </a:r>
               <a:endParaRPr/>
             </a:p>
           </p:txBody>
@@ -4372,7 +4364,7 @@
             </a:xfrm>
             <a:prstGeom prst="diagStripe">
               <a:avLst>
-                <a:gd fmla="val 50000" name="adj"/>
+                <a:gd name="adj" fmla="val 50000"/>
               </a:avLst>
             </a:prstGeom>
             <a:solidFill>
@@ -4383,12 +4375,12 @@
             </a:ln>
           </p:spPr>
           <p:txBody>
-            <a:bodyPr anchorCtr="0" anchor="ctr" bIns="91425" lIns="91425" spcFirstLastPara="1" rIns="91425" wrap="square" tIns="91425">
+            <a:bodyPr spcFirstLastPara="1" wrap="square" lIns="91425" tIns="91425" rIns="91425" bIns="91425" anchor="ctr" anchorCtr="0">
               <a:noAutofit/>
             </a:bodyPr>
             <a:lstStyle/>
             <a:p>
-              <a:pPr indent="0" lvl="0" marL="0" rtl="0" algn="l">
+              <a:pPr marL="0" lvl="0" indent="0" algn="l" rtl="0">
                 <a:spcBef>
                   <a:spcPts val="0"/>
                 </a:spcBef>
@@ -4397,9 +4389,6 @@
                 </a:spcAft>
                 <a:buNone/>
               </a:pPr>
-              <a:r>
-                <a:t/>
-              </a:r>
               <a:endParaRPr/>
             </a:p>
           </p:txBody>
@@ -4417,7 +4406,7 @@
             </a:xfrm>
             <a:prstGeom prst="diagStripe">
               <a:avLst>
-                <a:gd fmla="val 50000" name="adj"/>
+                <a:gd name="adj" fmla="val 50000"/>
               </a:avLst>
             </a:prstGeom>
             <a:solidFill>
@@ -4430,12 +4419,12 @@
             </a:ln>
           </p:spPr>
           <p:txBody>
-            <a:bodyPr anchorCtr="0" anchor="ctr" bIns="91425" lIns="91425" spcFirstLastPara="1" rIns="91425" wrap="square" tIns="91425">
+            <a:bodyPr spcFirstLastPara="1" wrap="square" lIns="91425" tIns="91425" rIns="91425" bIns="91425" anchor="ctr" anchorCtr="0">
               <a:noAutofit/>
             </a:bodyPr>
             <a:lstStyle/>
             <a:p>
-              <a:pPr indent="0" lvl="0" marL="0" rtl="0" algn="l">
+              <a:pPr marL="0" lvl="0" indent="0" algn="l" rtl="0">
                 <a:spcBef>
                   <a:spcPts val="0"/>
                 </a:spcBef>
@@ -4444,9 +4433,6 @@
                 </a:spcAft>
                 <a:buNone/>
               </a:pPr>
-              <a:r>
-                <a:t/>
-              </a:r>
               <a:endParaRPr/>
             </a:p>
           </p:txBody>
@@ -4464,7 +4450,7 @@
             </a:xfrm>
             <a:prstGeom prst="diagStripe">
               <a:avLst>
-                <a:gd fmla="val 50000" name="adj"/>
+                <a:gd name="adj" fmla="val 50000"/>
               </a:avLst>
             </a:prstGeom>
             <a:solidFill>
@@ -4477,12 +4463,12 @@
             </a:ln>
           </p:spPr>
           <p:txBody>
-            <a:bodyPr anchorCtr="0" anchor="ctr" bIns="91425" lIns="91425" spcFirstLastPara="1" rIns="91425" wrap="square" tIns="91425">
+            <a:bodyPr spcFirstLastPara="1" wrap="square" lIns="91425" tIns="91425" rIns="91425" bIns="91425" anchor="ctr" anchorCtr="0">
               <a:noAutofit/>
             </a:bodyPr>
             <a:lstStyle/>
             <a:p>
-              <a:pPr indent="0" lvl="0" marL="0" rtl="0" algn="l">
+              <a:pPr marL="0" lvl="0" indent="0" algn="l" rtl="0">
                 <a:spcBef>
                   <a:spcPts val="0"/>
                 </a:spcBef>
@@ -4491,9 +4477,6 @@
                 </a:spcAft>
                 <a:buNone/>
               </a:pPr>
-              <a:r>
-                <a:t/>
-              </a:r>
               <a:endParaRPr/>
             </a:p>
           </p:txBody>
@@ -4511,7 +4494,7 @@
             </a:xfrm>
             <a:prstGeom prst="diagStripe">
               <a:avLst>
-                <a:gd fmla="val 50000" name="adj"/>
+                <a:gd name="adj" fmla="val 50000"/>
               </a:avLst>
             </a:prstGeom>
             <a:solidFill>
@@ -4524,12 +4507,12 @@
             </a:ln>
           </p:spPr>
           <p:txBody>
-            <a:bodyPr anchorCtr="0" anchor="ctr" bIns="91425" lIns="91425" spcFirstLastPara="1" rIns="91425" wrap="square" tIns="91425">
+            <a:bodyPr spcFirstLastPara="1" wrap="square" lIns="91425" tIns="91425" rIns="91425" bIns="91425" anchor="ctr" anchorCtr="0">
               <a:noAutofit/>
             </a:bodyPr>
             <a:lstStyle/>
             <a:p>
-              <a:pPr indent="0" lvl="0" marL="0" rtl="0" algn="l">
+              <a:pPr marL="0" lvl="0" indent="0" algn="l" rtl="0">
                 <a:spcBef>
                   <a:spcPts val="0"/>
                 </a:spcBef>
@@ -4538,9 +4521,6 @@
                 </a:spcAft>
                 <a:buNone/>
               </a:pPr>
-              <a:r>
-                <a:t/>
-              </a:r>
               <a:endParaRPr/>
             </a:p>
           </p:txBody>
@@ -4558,7 +4538,7 @@
             </a:xfrm>
             <a:prstGeom prst="diagStripe">
               <a:avLst>
-                <a:gd fmla="val 50000" name="adj"/>
+                <a:gd name="adj" fmla="val 50000"/>
               </a:avLst>
             </a:prstGeom>
             <a:solidFill>
@@ -4571,12 +4551,12 @@
             </a:ln>
           </p:spPr>
           <p:txBody>
-            <a:bodyPr anchorCtr="0" anchor="ctr" bIns="91425" lIns="91425" spcFirstLastPara="1" rIns="91425" wrap="square" tIns="91425">
+            <a:bodyPr spcFirstLastPara="1" wrap="square" lIns="91425" tIns="91425" rIns="91425" bIns="91425" anchor="ctr" anchorCtr="0">
               <a:noAutofit/>
             </a:bodyPr>
             <a:lstStyle/>
             <a:p>
-              <a:pPr indent="0" lvl="0" marL="0" rtl="0" algn="l">
+              <a:pPr marL="0" lvl="0" indent="0" algn="l" rtl="0">
                 <a:spcBef>
                   <a:spcPts val="0"/>
                 </a:spcBef>
@@ -4585,9 +4565,6 @@
                 </a:spcAft>
                 <a:buNone/>
               </a:pPr>
-              <a:r>
-                <a:t/>
-              </a:r>
               <a:endParaRPr/>
             </a:p>
           </p:txBody>
@@ -4605,7 +4582,7 @@
             </a:xfrm>
             <a:prstGeom prst="diagStripe">
               <a:avLst>
-                <a:gd fmla="val 50000" name="adj"/>
+                <a:gd name="adj" fmla="val 50000"/>
               </a:avLst>
             </a:prstGeom>
             <a:solidFill>
@@ -4618,12 +4595,12 @@
             </a:ln>
           </p:spPr>
           <p:txBody>
-            <a:bodyPr anchorCtr="0" anchor="ctr" bIns="91425" lIns="91425" spcFirstLastPara="1" rIns="91425" wrap="square" tIns="91425">
+            <a:bodyPr spcFirstLastPara="1" wrap="square" lIns="91425" tIns="91425" rIns="91425" bIns="91425" anchor="ctr" anchorCtr="0">
               <a:noAutofit/>
             </a:bodyPr>
             <a:lstStyle/>
             <a:p>
-              <a:pPr indent="0" lvl="0" marL="0" rtl="0" algn="l">
+              <a:pPr marL="0" lvl="0" indent="0" algn="l" rtl="0">
                 <a:spcBef>
                   <a:spcPts val="0"/>
                 </a:spcBef>
@@ -4632,9 +4609,6 @@
                 </a:spcAft>
                 <a:buNone/>
               </a:pPr>
-              <a:r>
-                <a:t/>
-              </a:r>
               <a:endParaRPr/>
             </a:p>
           </p:txBody>
@@ -4652,7 +4626,7 @@
             </a:xfrm>
             <a:prstGeom prst="diagStripe">
               <a:avLst>
-                <a:gd fmla="val 50000" name="adj"/>
+                <a:gd name="adj" fmla="val 50000"/>
               </a:avLst>
             </a:prstGeom>
             <a:solidFill>
@@ -4663,12 +4637,12 @@
             </a:ln>
           </p:spPr>
           <p:txBody>
-            <a:bodyPr anchorCtr="0" anchor="ctr" bIns="91425" lIns="91425" spcFirstLastPara="1" rIns="91425" wrap="square" tIns="91425">
+            <a:bodyPr spcFirstLastPara="1" wrap="square" lIns="91425" tIns="91425" rIns="91425" bIns="91425" anchor="ctr" anchorCtr="0">
               <a:noAutofit/>
             </a:bodyPr>
             <a:lstStyle/>
             <a:p>
-              <a:pPr indent="0" lvl="0" marL="0" rtl="0" algn="l">
+              <a:pPr marL="0" lvl="0" indent="0" algn="l" rtl="0">
                 <a:spcBef>
                   <a:spcPts val="0"/>
                 </a:spcBef>
@@ -4677,9 +4651,6 @@
                 </a:spcAft>
                 <a:buNone/>
               </a:pPr>
-              <a:r>
-                <a:t/>
-              </a:r>
               <a:endParaRPr/>
             </a:p>
           </p:txBody>
@@ -4697,7 +4668,7 @@
             </a:xfrm>
             <a:prstGeom prst="diagStripe">
               <a:avLst>
-                <a:gd fmla="val 50000" name="adj"/>
+                <a:gd name="adj" fmla="val 50000"/>
               </a:avLst>
             </a:prstGeom>
             <a:solidFill>
@@ -4710,12 +4681,12 @@
             </a:ln>
           </p:spPr>
           <p:txBody>
-            <a:bodyPr anchorCtr="0" anchor="ctr" bIns="91425" lIns="91425" spcFirstLastPara="1" rIns="91425" wrap="square" tIns="91425">
+            <a:bodyPr spcFirstLastPara="1" wrap="square" lIns="91425" tIns="91425" rIns="91425" bIns="91425" anchor="ctr" anchorCtr="0">
               <a:noAutofit/>
             </a:bodyPr>
             <a:lstStyle/>
             <a:p>
-              <a:pPr indent="0" lvl="0" marL="0" rtl="0" algn="l">
+              <a:pPr marL="0" lvl="0" indent="0" algn="l" rtl="0">
                 <a:spcBef>
                   <a:spcPts val="0"/>
                 </a:spcBef>
@@ -4724,9 +4695,6 @@
                 </a:spcAft>
                 <a:buNone/>
               </a:pPr>
-              <a:r>
-                <a:t/>
-              </a:r>
               <a:endParaRPr/>
             </a:p>
           </p:txBody>
@@ -4744,7 +4712,7 @@
             </a:xfrm>
             <a:prstGeom prst="diagStripe">
               <a:avLst>
-                <a:gd fmla="val 50000" name="adj"/>
+                <a:gd name="adj" fmla="val 50000"/>
               </a:avLst>
             </a:prstGeom>
             <a:solidFill>
@@ -4757,12 +4725,12 @@
             </a:ln>
           </p:spPr>
           <p:txBody>
-            <a:bodyPr anchorCtr="0" anchor="ctr" bIns="91425" lIns="91425" spcFirstLastPara="1" rIns="91425" wrap="square" tIns="91425">
+            <a:bodyPr spcFirstLastPara="1" wrap="square" lIns="91425" tIns="91425" rIns="91425" bIns="91425" anchor="ctr" anchorCtr="0">
               <a:noAutofit/>
             </a:bodyPr>
             <a:lstStyle/>
             <a:p>
-              <a:pPr indent="0" lvl="0" marL="0" rtl="0" algn="l">
+              <a:pPr marL="0" lvl="0" indent="0" algn="l" rtl="0">
                 <a:spcBef>
                   <a:spcPts val="0"/>
                 </a:spcBef>
@@ -4771,9 +4739,6 @@
                 </a:spcAft>
                 <a:buNone/>
               </a:pPr>
-              <a:r>
-                <a:t/>
-              </a:r>
               <a:endParaRPr/>
             </a:p>
           </p:txBody>
@@ -4791,7 +4756,7 @@
             </a:xfrm>
             <a:prstGeom prst="diagStripe">
               <a:avLst>
-                <a:gd fmla="val 50000" name="adj"/>
+                <a:gd name="adj" fmla="val 50000"/>
               </a:avLst>
             </a:prstGeom>
             <a:solidFill>
@@ -4804,12 +4769,12 @@
             </a:ln>
           </p:spPr>
           <p:txBody>
-            <a:bodyPr anchorCtr="0" anchor="ctr" bIns="91425" lIns="91425" spcFirstLastPara="1" rIns="91425" wrap="square" tIns="91425">
+            <a:bodyPr spcFirstLastPara="1" wrap="square" lIns="91425" tIns="91425" rIns="91425" bIns="91425" anchor="ctr" anchorCtr="0">
               <a:noAutofit/>
             </a:bodyPr>
             <a:lstStyle/>
             <a:p>
-              <a:pPr indent="0" lvl="0" marL="0" rtl="0" algn="l">
+              <a:pPr marL="0" lvl="0" indent="0" algn="l" rtl="0">
                 <a:spcBef>
                   <a:spcPts val="0"/>
                 </a:spcBef>
@@ -4818,9 +4783,6 @@
                 </a:spcAft>
                 <a:buNone/>
               </a:pPr>
-              <a:r>
-                <a:t/>
-              </a:r>
               <a:endParaRPr/>
             </a:p>
           </p:txBody>
@@ -4838,7 +4800,7 @@
             </a:xfrm>
             <a:prstGeom prst="diagStripe">
               <a:avLst>
-                <a:gd fmla="val 50000" name="adj"/>
+                <a:gd name="adj" fmla="val 50000"/>
               </a:avLst>
             </a:prstGeom>
             <a:solidFill>
@@ -4851,12 +4813,12 @@
             </a:ln>
           </p:spPr>
           <p:txBody>
-            <a:bodyPr anchorCtr="0" anchor="ctr" bIns="91425" lIns="91425" spcFirstLastPara="1" rIns="91425" wrap="square" tIns="91425">
+            <a:bodyPr spcFirstLastPara="1" wrap="square" lIns="91425" tIns="91425" rIns="91425" bIns="91425" anchor="ctr" anchorCtr="0">
               <a:noAutofit/>
             </a:bodyPr>
             <a:lstStyle/>
             <a:p>
-              <a:pPr indent="0" lvl="0" marL="0" rtl="0" algn="l">
+              <a:pPr marL="0" lvl="0" indent="0" algn="l" rtl="0">
                 <a:spcBef>
                   <a:spcPts val="0"/>
                 </a:spcBef>
@@ -4865,9 +4827,6 @@
                 </a:spcAft>
                 <a:buNone/>
               </a:pPr>
-              <a:r>
-                <a:t/>
-              </a:r>
               <a:endParaRPr/>
             </a:p>
           </p:txBody>
@@ -4876,7 +4835,9 @@
       <p:sp>
         <p:nvSpPr>
           <p:cNvPr id="39" name="Google Shape;39;p3"/>
-          <p:cNvSpPr txBox="1"/>
+          <p:cNvSpPr txBox="1">
+            <a:spLocks noGrp="1"/>
+          </p:cNvSpPr>
           <p:nvPr>
             <p:ph type="title"/>
           </p:nvPr>
@@ -4891,7 +4852,7 @@
           </a:prstGeom>
         </p:spPr>
         <p:txBody>
-          <a:bodyPr anchorCtr="0" anchor="ctr" bIns="91425" lIns="91425" spcFirstLastPara="1" rIns="91425" wrap="square" tIns="91425">
+          <a:bodyPr spcFirstLastPara="1" wrap="square" lIns="91425" tIns="91425" rIns="91425" bIns="91425" anchor="ctr" anchorCtr="0">
             <a:normAutofit/>
           </a:bodyPr>
           <a:lstStyle>
@@ -4995,15 +4956,19 @@
               <a:defRPr/>
             </a:lvl9pPr>
           </a:lstStyle>
-          <a:p/>
+          <a:p>
+            <a:endParaRPr/>
+          </a:p>
         </p:txBody>
       </p:sp>
       <p:sp>
         <p:nvSpPr>
           <p:cNvPr id="40" name="Google Shape;40;p3"/>
-          <p:cNvSpPr txBox="1"/>
+          <p:cNvSpPr txBox="1">
+            <a:spLocks noGrp="1"/>
+          </p:cNvSpPr>
           <p:nvPr>
-            <p:ph idx="12" type="sldNum"/>
+            <p:ph type="sldNum" idx="12"/>
           </p:nvPr>
         </p:nvSpPr>
         <p:spPr>
@@ -5016,7 +4981,7 @@
           </a:prstGeom>
         </p:spPr>
         <p:txBody>
-          <a:bodyPr anchorCtr="0" anchor="ctr" bIns="91425" lIns="91425" spcFirstLastPara="1" rIns="91425" wrap="square" tIns="91425">
+          <a:bodyPr spcFirstLastPara="1" wrap="square" lIns="91425" tIns="91425" rIns="91425" bIns="91425" anchor="ctr" anchorCtr="0">
             <a:normAutofit/>
           </a:bodyPr>
           <a:lstStyle>
@@ -5058,7 +5023,7 @@
             </a:lvl9pPr>
           </a:lstStyle>
           <a:p>
-            <a:pPr indent="0" lvl="0" marL="0" rtl="0" algn="r">
+            <a:pPr marL="0" lvl="0" indent="0" algn="r" rtl="0">
               <a:spcBef>
                 <a:spcPts val="0"/>
               </a:spcBef>
@@ -5084,11 +5049,11 @@
 </file>
 
 <file path=ppt/slideLayouts/slideLayout3.xml><?xml version="1.0" encoding="utf-8"?>
-<p:sldLayout xmlns:a="http://schemas.openxmlformats.org/drawingml/2006/main" xmlns:r="http://schemas.openxmlformats.org/officeDocument/2006/relationships" xmlns:mc="http://schemas.openxmlformats.org/markup-compatibility/2006" xmlns:mv="urn:schemas-microsoft-com:mac:vml" xmlns:p="http://schemas.openxmlformats.org/presentationml/2006/main" xmlns:c="http://schemas.openxmlformats.org/drawingml/2006/chart" xmlns:dgm="http://schemas.openxmlformats.org/drawingml/2006/diagram" xmlns:o="urn:schemas-microsoft-com:office:office" xmlns:v="urn:schemas-microsoft-com:vml" xmlns:pvml="urn:schemas-microsoft-com:office:powerpoint" xmlns:com="http://schemas.openxmlformats.org/drawingml/2006/compatibility" xmlns:p14="http://schemas.microsoft.com/office/powerpoint/2010/main" xmlns:p15="http://schemas.microsoft.com/office/powerpoint/2012/main" xmlns:ahyp="http://schemas.microsoft.com/office/drawing/2018/hyperlinkcolor" matchingName="Title and body" type="tx">
+<p:sldLayout xmlns:a="http://schemas.openxmlformats.org/drawingml/2006/main" xmlns:r="http://schemas.openxmlformats.org/officeDocument/2006/relationships" xmlns:p="http://schemas.openxmlformats.org/presentationml/2006/main" matchingName="Title and body" type="tx">
   <p:cSld name="TITLE_AND_BODY">
     <p:spTree>
       <p:nvGrpSpPr>
-        <p:cNvPr id="41" name="Shape 41"/>
+        <p:cNvPr id="1" name="Shape 41"/>
         <p:cNvGrpSpPr/>
         <p:nvPr/>
       </p:nvGrpSpPr>
@@ -5127,7 +5092,7 @@
             </a:xfrm>
             <a:prstGeom prst="diagStripe">
               <a:avLst>
-                <a:gd fmla="val 50000" name="adj"/>
+                <a:gd name="adj" fmla="val 50000"/>
               </a:avLst>
             </a:prstGeom>
             <a:solidFill>
@@ -5138,12 +5103,12 @@
             </a:ln>
           </p:spPr>
           <p:txBody>
-            <a:bodyPr anchorCtr="0" anchor="ctr" bIns="91425" lIns="91425" spcFirstLastPara="1" rIns="91425" wrap="square" tIns="91425">
+            <a:bodyPr spcFirstLastPara="1" wrap="square" lIns="91425" tIns="91425" rIns="91425" bIns="91425" anchor="ctr" anchorCtr="0">
               <a:noAutofit/>
             </a:bodyPr>
             <a:lstStyle/>
             <a:p>
-              <a:pPr indent="0" lvl="0" marL="0" rtl="0" algn="l">
+              <a:pPr marL="0" lvl="0" indent="0" algn="l" rtl="0">
                 <a:spcBef>
                   <a:spcPts val="0"/>
                 </a:spcBef>
@@ -5152,9 +5117,6 @@
                 </a:spcAft>
                 <a:buNone/>
               </a:pPr>
-              <a:r>
-                <a:t/>
-              </a:r>
               <a:endParaRPr/>
             </a:p>
           </p:txBody>
@@ -5172,7 +5134,7 @@
             </a:xfrm>
             <a:prstGeom prst="diagStripe">
               <a:avLst>
-                <a:gd fmla="val 50000" name="adj"/>
+                <a:gd name="adj" fmla="val 50000"/>
               </a:avLst>
             </a:prstGeom>
             <a:solidFill>
@@ -5183,12 +5145,12 @@
             </a:ln>
           </p:spPr>
           <p:txBody>
-            <a:bodyPr anchorCtr="0" anchor="ctr" bIns="91425" lIns="91425" spcFirstLastPara="1" rIns="91425" wrap="square" tIns="91425">
+            <a:bodyPr spcFirstLastPara="1" wrap="square" lIns="91425" tIns="91425" rIns="91425" bIns="91425" anchor="ctr" anchorCtr="0">
               <a:noAutofit/>
             </a:bodyPr>
             <a:lstStyle/>
             <a:p>
-              <a:pPr indent="0" lvl="0" marL="0" rtl="0" algn="l">
+              <a:pPr marL="0" lvl="0" indent="0" algn="l" rtl="0">
                 <a:spcBef>
                   <a:spcPts val="0"/>
                 </a:spcBef>
@@ -5197,9 +5159,6 @@
                 </a:spcAft>
                 <a:buNone/>
               </a:pPr>
-              <a:r>
-                <a:t/>
-              </a:r>
               <a:endParaRPr/>
             </a:p>
           </p:txBody>
@@ -5208,7 +5167,9 @@
       <p:sp>
         <p:nvSpPr>
           <p:cNvPr id="45" name="Google Shape;45;p4"/>
-          <p:cNvSpPr txBox="1"/>
+          <p:cNvSpPr txBox="1">
+            <a:spLocks noGrp="1"/>
+          </p:cNvSpPr>
           <p:nvPr>
             <p:ph type="title"/>
           </p:nvPr>
@@ -5223,7 +5184,7 @@
           </a:prstGeom>
         </p:spPr>
         <p:txBody>
-          <a:bodyPr anchorCtr="0" anchor="t" bIns="91425" lIns="91425" spcFirstLastPara="1" rIns="91425" wrap="square" tIns="91425">
+          <a:bodyPr spcFirstLastPara="1" wrap="square" lIns="91425" tIns="91425" rIns="91425" bIns="91425" anchor="t" anchorCtr="0">
             <a:normAutofit/>
           </a:bodyPr>
           <a:lstStyle>
@@ -5327,15 +5288,19 @@
               <a:defRPr sz="2400"/>
             </a:lvl9pPr>
           </a:lstStyle>
-          <a:p/>
+          <a:p>
+            <a:endParaRPr/>
+          </a:p>
         </p:txBody>
       </p:sp>
       <p:sp>
         <p:nvSpPr>
           <p:cNvPr id="46" name="Google Shape;46;p4"/>
-          <p:cNvSpPr txBox="1"/>
+          <p:cNvSpPr txBox="1">
+            <a:spLocks noGrp="1"/>
+          </p:cNvSpPr>
           <p:nvPr>
-            <p:ph idx="1" type="body"/>
+            <p:ph type="body" idx="1"/>
           </p:nvPr>
         </p:nvSpPr>
         <p:spPr>
@@ -5348,11 +5313,11 @@
           </a:prstGeom>
         </p:spPr>
         <p:txBody>
-          <a:bodyPr anchorCtr="0" anchor="t" bIns="91425" lIns="91425" spcFirstLastPara="1" rIns="91425" wrap="square" tIns="91425">
+          <a:bodyPr spcFirstLastPara="1" wrap="square" lIns="91425" tIns="91425" rIns="91425" bIns="91425" anchor="t" anchorCtr="0">
             <a:normAutofit/>
           </a:bodyPr>
           <a:lstStyle>
-            <a:lvl1pPr indent="-311150" lvl="0" marL="457200">
+            <a:lvl1pPr marL="457200" lvl="0" indent="-311150">
               <a:spcBef>
                 <a:spcPts val="0"/>
               </a:spcBef>
@@ -5363,7 +5328,7 @@
               <a:buChar char="●"/>
               <a:defRPr/>
             </a:lvl1pPr>
-            <a:lvl2pPr indent="-298450" lvl="1" marL="914400">
+            <a:lvl2pPr marL="914400" lvl="1" indent="-298450">
               <a:spcBef>
                 <a:spcPts val="0"/>
               </a:spcBef>
@@ -5374,7 +5339,7 @@
               <a:buChar char="○"/>
               <a:defRPr/>
             </a:lvl2pPr>
-            <a:lvl3pPr indent="-298450" lvl="2" marL="1371600">
+            <a:lvl3pPr marL="1371600" lvl="2" indent="-298450">
               <a:spcBef>
                 <a:spcPts val="0"/>
               </a:spcBef>
@@ -5385,7 +5350,7 @@
               <a:buChar char="■"/>
               <a:defRPr/>
             </a:lvl3pPr>
-            <a:lvl4pPr indent="-298450" lvl="3" marL="1828800">
+            <a:lvl4pPr marL="1828800" lvl="3" indent="-298450">
               <a:spcBef>
                 <a:spcPts val="0"/>
               </a:spcBef>
@@ -5396,7 +5361,7 @@
               <a:buChar char="●"/>
               <a:defRPr/>
             </a:lvl4pPr>
-            <a:lvl5pPr indent="-298450" lvl="4" marL="2286000">
+            <a:lvl5pPr marL="2286000" lvl="4" indent="-298450">
               <a:spcBef>
                 <a:spcPts val="0"/>
               </a:spcBef>
@@ -5407,7 +5372,7 @@
               <a:buChar char="○"/>
               <a:defRPr/>
             </a:lvl5pPr>
-            <a:lvl6pPr indent="-298450" lvl="5" marL="2743200">
+            <a:lvl6pPr marL="2743200" lvl="5" indent="-298450">
               <a:spcBef>
                 <a:spcPts val="0"/>
               </a:spcBef>
@@ -5418,7 +5383,7 @@
               <a:buChar char="■"/>
               <a:defRPr/>
             </a:lvl6pPr>
-            <a:lvl7pPr indent="-298450" lvl="6" marL="3200400">
+            <a:lvl7pPr marL="3200400" lvl="6" indent="-298450">
               <a:spcBef>
                 <a:spcPts val="0"/>
               </a:spcBef>
@@ -5429,7 +5394,7 @@
               <a:buChar char="●"/>
               <a:defRPr/>
             </a:lvl7pPr>
-            <a:lvl8pPr indent="-298450" lvl="7" marL="3657600">
+            <a:lvl8pPr marL="3657600" lvl="7" indent="-298450">
               <a:spcBef>
                 <a:spcPts val="0"/>
               </a:spcBef>
@@ -5440,7 +5405,7 @@
               <a:buChar char="○"/>
               <a:defRPr/>
             </a:lvl8pPr>
-            <a:lvl9pPr indent="-298450" lvl="8" marL="4114800">
+            <a:lvl9pPr marL="4114800" lvl="8" indent="-298450">
               <a:spcBef>
                 <a:spcPts val="0"/>
               </a:spcBef>
@@ -5452,15 +5417,19 @@
               <a:defRPr/>
             </a:lvl9pPr>
           </a:lstStyle>
-          <a:p/>
+          <a:p>
+            <a:endParaRPr/>
+          </a:p>
         </p:txBody>
       </p:sp>
       <p:sp>
         <p:nvSpPr>
           <p:cNvPr id="47" name="Google Shape;47;p4"/>
-          <p:cNvSpPr txBox="1"/>
+          <p:cNvSpPr txBox="1">
+            <a:spLocks noGrp="1"/>
+          </p:cNvSpPr>
           <p:nvPr>
-            <p:ph idx="12" type="sldNum"/>
+            <p:ph type="sldNum" idx="12"/>
           </p:nvPr>
         </p:nvSpPr>
         <p:spPr>
@@ -5473,7 +5442,7 @@
           </a:prstGeom>
         </p:spPr>
         <p:txBody>
-          <a:bodyPr anchorCtr="0" anchor="ctr" bIns="91425" lIns="91425" spcFirstLastPara="1" rIns="91425" wrap="square" tIns="91425">
+          <a:bodyPr spcFirstLastPara="1" wrap="square" lIns="91425" tIns="91425" rIns="91425" bIns="91425" anchor="ctr" anchorCtr="0">
             <a:normAutofit/>
           </a:bodyPr>
           <a:lstStyle>
@@ -5515,7 +5484,7 @@
             </a:lvl9pPr>
           </a:lstStyle>
           <a:p>
-            <a:pPr indent="0" lvl="0" marL="0" rtl="0" algn="r">
+            <a:pPr marL="0" lvl="0" indent="0" algn="r" rtl="0">
               <a:spcBef>
                 <a:spcPts val="0"/>
               </a:spcBef>
@@ -5541,11 +5510,11 @@
 </file>
 
 <file path=ppt/slideLayouts/slideLayout4.xml><?xml version="1.0" encoding="utf-8"?>
-<p:sldLayout xmlns:a="http://schemas.openxmlformats.org/drawingml/2006/main" xmlns:r="http://schemas.openxmlformats.org/officeDocument/2006/relationships" xmlns:mc="http://schemas.openxmlformats.org/markup-compatibility/2006" xmlns:mv="urn:schemas-microsoft-com:mac:vml" xmlns:p="http://schemas.openxmlformats.org/presentationml/2006/main" xmlns:c="http://schemas.openxmlformats.org/drawingml/2006/chart" xmlns:dgm="http://schemas.openxmlformats.org/drawingml/2006/diagram" xmlns:o="urn:schemas-microsoft-com:office:office" xmlns:v="urn:schemas-microsoft-com:vml" xmlns:pvml="urn:schemas-microsoft-com:office:powerpoint" xmlns:com="http://schemas.openxmlformats.org/drawingml/2006/compatibility" xmlns:p14="http://schemas.microsoft.com/office/powerpoint/2010/main" xmlns:p15="http://schemas.microsoft.com/office/powerpoint/2012/main" xmlns:ahyp="http://schemas.microsoft.com/office/drawing/2018/hyperlinkcolor" matchingName="Title and two columns" type="twoColTx">
+<p:sldLayout xmlns:a="http://schemas.openxmlformats.org/drawingml/2006/main" xmlns:r="http://schemas.openxmlformats.org/officeDocument/2006/relationships" xmlns:p="http://schemas.openxmlformats.org/presentationml/2006/main" matchingName="Title and two columns" type="twoColTx">
   <p:cSld name="TITLE_AND_TWO_COLUMNS">
     <p:spTree>
       <p:nvGrpSpPr>
-        <p:cNvPr id="48" name="Shape 48"/>
+        <p:cNvPr id="1" name="Shape 48"/>
         <p:cNvGrpSpPr/>
         <p:nvPr/>
       </p:nvGrpSpPr>
@@ -5584,7 +5553,7 @@
             </a:xfrm>
             <a:prstGeom prst="diagStripe">
               <a:avLst>
-                <a:gd fmla="val 50000" name="adj"/>
+                <a:gd name="adj" fmla="val 50000"/>
               </a:avLst>
             </a:prstGeom>
             <a:solidFill>
@@ -5595,12 +5564,12 @@
             </a:ln>
           </p:spPr>
           <p:txBody>
-            <a:bodyPr anchorCtr="0" anchor="ctr" bIns="91425" lIns="91425" spcFirstLastPara="1" rIns="91425" wrap="square" tIns="91425">
+            <a:bodyPr spcFirstLastPara="1" wrap="square" lIns="91425" tIns="91425" rIns="91425" bIns="91425" anchor="ctr" anchorCtr="0">
               <a:noAutofit/>
             </a:bodyPr>
             <a:lstStyle/>
             <a:p>
-              <a:pPr indent="0" lvl="0" marL="0" rtl="0" algn="l">
+              <a:pPr marL="0" lvl="0" indent="0" algn="l" rtl="0">
                 <a:spcBef>
                   <a:spcPts val="0"/>
                 </a:spcBef>
@@ -5609,9 +5578,6 @@
                 </a:spcAft>
                 <a:buNone/>
               </a:pPr>
-              <a:r>
-                <a:t/>
-              </a:r>
               <a:endParaRPr/>
             </a:p>
           </p:txBody>
@@ -5629,7 +5595,7 @@
             </a:xfrm>
             <a:prstGeom prst="diagStripe">
               <a:avLst>
-                <a:gd fmla="val 50000" name="adj"/>
+                <a:gd name="adj" fmla="val 50000"/>
               </a:avLst>
             </a:prstGeom>
             <a:solidFill>
@@ -5640,12 +5606,12 @@
             </a:ln>
           </p:spPr>
           <p:txBody>
-            <a:bodyPr anchorCtr="0" anchor="ctr" bIns="91425" lIns="91425" spcFirstLastPara="1" rIns="91425" wrap="square" tIns="91425">
+            <a:bodyPr spcFirstLastPara="1" wrap="square" lIns="91425" tIns="91425" rIns="91425" bIns="91425" anchor="ctr" anchorCtr="0">
               <a:noAutofit/>
             </a:bodyPr>
             <a:lstStyle/>
             <a:p>
-              <a:pPr indent="0" lvl="0" marL="0" rtl="0" algn="l">
+              <a:pPr marL="0" lvl="0" indent="0" algn="l" rtl="0">
                 <a:spcBef>
                   <a:spcPts val="0"/>
                 </a:spcBef>
@@ -5654,9 +5620,6 @@
                 </a:spcAft>
                 <a:buNone/>
               </a:pPr>
-              <a:r>
-                <a:t/>
-              </a:r>
               <a:endParaRPr/>
             </a:p>
           </p:txBody>
@@ -5665,7 +5628,9 @@
       <p:sp>
         <p:nvSpPr>
           <p:cNvPr id="52" name="Google Shape;52;p5"/>
-          <p:cNvSpPr txBox="1"/>
+          <p:cNvSpPr txBox="1">
+            <a:spLocks noGrp="1"/>
+          </p:cNvSpPr>
           <p:nvPr>
             <p:ph type="title"/>
           </p:nvPr>
@@ -5680,7 +5645,7 @@
           </a:prstGeom>
         </p:spPr>
         <p:txBody>
-          <a:bodyPr anchorCtr="0" anchor="t" bIns="91425" lIns="91425" spcFirstLastPara="1" rIns="91425" wrap="square" tIns="91425">
+          <a:bodyPr spcFirstLastPara="1" wrap="square" lIns="91425" tIns="91425" rIns="91425" bIns="91425" anchor="t" anchorCtr="0">
             <a:normAutofit/>
           </a:bodyPr>
           <a:lstStyle>
@@ -5784,15 +5749,19 @@
               <a:defRPr sz="2400"/>
             </a:lvl9pPr>
           </a:lstStyle>
-          <a:p/>
+          <a:p>
+            <a:endParaRPr/>
+          </a:p>
         </p:txBody>
       </p:sp>
       <p:sp>
         <p:nvSpPr>
           <p:cNvPr id="53" name="Google Shape;53;p5"/>
-          <p:cNvSpPr txBox="1"/>
+          <p:cNvSpPr txBox="1">
+            <a:spLocks noGrp="1"/>
+          </p:cNvSpPr>
           <p:nvPr>
-            <p:ph idx="1" type="body"/>
+            <p:ph type="body" idx="1"/>
           </p:nvPr>
         </p:nvSpPr>
         <p:spPr>
@@ -5805,11 +5774,11 @@
           </a:prstGeom>
         </p:spPr>
         <p:txBody>
-          <a:bodyPr anchorCtr="0" anchor="t" bIns="91425" lIns="91425" spcFirstLastPara="1" rIns="91425" wrap="square" tIns="91425">
+          <a:bodyPr spcFirstLastPara="1" wrap="square" lIns="91425" tIns="91425" rIns="91425" bIns="91425" anchor="t" anchorCtr="0">
             <a:normAutofit/>
           </a:bodyPr>
           <a:lstStyle>
-            <a:lvl1pPr indent="-311150" lvl="0" marL="457200">
+            <a:lvl1pPr marL="457200" lvl="0" indent="-311150">
               <a:spcBef>
                 <a:spcPts val="0"/>
               </a:spcBef>
@@ -5820,7 +5789,7 @@
               <a:buChar char="●"/>
               <a:defRPr/>
             </a:lvl1pPr>
-            <a:lvl2pPr indent="-298450" lvl="1" marL="914400">
+            <a:lvl2pPr marL="914400" lvl="1" indent="-298450">
               <a:spcBef>
                 <a:spcPts val="0"/>
               </a:spcBef>
@@ -5831,7 +5800,7 @@
               <a:buChar char="○"/>
               <a:defRPr/>
             </a:lvl2pPr>
-            <a:lvl3pPr indent="-298450" lvl="2" marL="1371600">
+            <a:lvl3pPr marL="1371600" lvl="2" indent="-298450">
               <a:spcBef>
                 <a:spcPts val="0"/>
               </a:spcBef>
@@ -5842,7 +5811,7 @@
               <a:buChar char="■"/>
               <a:defRPr/>
             </a:lvl3pPr>
-            <a:lvl4pPr indent="-298450" lvl="3" marL="1828800">
+            <a:lvl4pPr marL="1828800" lvl="3" indent="-298450">
               <a:spcBef>
                 <a:spcPts val="0"/>
               </a:spcBef>
@@ -5853,7 +5822,7 @@
               <a:buChar char="●"/>
               <a:defRPr/>
             </a:lvl4pPr>
-            <a:lvl5pPr indent="-298450" lvl="4" marL="2286000">
+            <a:lvl5pPr marL="2286000" lvl="4" indent="-298450">
               <a:spcBef>
                 <a:spcPts val="0"/>
               </a:spcBef>
@@ -5864,7 +5833,7 @@
               <a:buChar char="○"/>
               <a:defRPr/>
             </a:lvl5pPr>
-            <a:lvl6pPr indent="-298450" lvl="5" marL="2743200">
+            <a:lvl6pPr marL="2743200" lvl="5" indent="-298450">
               <a:spcBef>
                 <a:spcPts val="0"/>
               </a:spcBef>
@@ -5875,7 +5844,7 @@
               <a:buChar char="■"/>
               <a:defRPr/>
             </a:lvl6pPr>
-            <a:lvl7pPr indent="-298450" lvl="6" marL="3200400">
+            <a:lvl7pPr marL="3200400" lvl="6" indent="-298450">
               <a:spcBef>
                 <a:spcPts val="0"/>
               </a:spcBef>
@@ -5886,7 +5855,7 @@
               <a:buChar char="●"/>
               <a:defRPr/>
             </a:lvl7pPr>
-            <a:lvl8pPr indent="-298450" lvl="7" marL="3657600">
+            <a:lvl8pPr marL="3657600" lvl="7" indent="-298450">
               <a:spcBef>
                 <a:spcPts val="0"/>
               </a:spcBef>
@@ -5897,7 +5866,7 @@
               <a:buChar char="○"/>
               <a:defRPr/>
             </a:lvl8pPr>
-            <a:lvl9pPr indent="-298450" lvl="8" marL="4114800">
+            <a:lvl9pPr marL="4114800" lvl="8" indent="-298450">
               <a:spcBef>
                 <a:spcPts val="0"/>
               </a:spcBef>
@@ -5909,15 +5878,19 @@
               <a:defRPr/>
             </a:lvl9pPr>
           </a:lstStyle>
-          <a:p/>
+          <a:p>
+            <a:endParaRPr/>
+          </a:p>
         </p:txBody>
       </p:sp>
       <p:sp>
         <p:nvSpPr>
           <p:cNvPr id="54" name="Google Shape;54;p5"/>
-          <p:cNvSpPr txBox="1"/>
+          <p:cNvSpPr txBox="1">
+            <a:spLocks noGrp="1"/>
+          </p:cNvSpPr>
           <p:nvPr>
-            <p:ph idx="2" type="body"/>
+            <p:ph type="body" idx="2"/>
           </p:nvPr>
         </p:nvSpPr>
         <p:spPr>
@@ -5930,11 +5903,11 @@
           </a:prstGeom>
         </p:spPr>
         <p:txBody>
-          <a:bodyPr anchorCtr="0" anchor="t" bIns="91425" lIns="91425" spcFirstLastPara="1" rIns="91425" wrap="square" tIns="91425">
+          <a:bodyPr spcFirstLastPara="1" wrap="square" lIns="91425" tIns="91425" rIns="91425" bIns="91425" anchor="t" anchorCtr="0">
             <a:normAutofit/>
           </a:bodyPr>
           <a:lstStyle>
-            <a:lvl1pPr indent="-311150" lvl="0" marL="457200">
+            <a:lvl1pPr marL="457200" lvl="0" indent="-311150">
               <a:spcBef>
                 <a:spcPts val="0"/>
               </a:spcBef>
@@ -5945,7 +5918,7 @@
               <a:buChar char="●"/>
               <a:defRPr/>
             </a:lvl1pPr>
-            <a:lvl2pPr indent="-298450" lvl="1" marL="914400">
+            <a:lvl2pPr marL="914400" lvl="1" indent="-298450">
               <a:spcBef>
                 <a:spcPts val="0"/>
               </a:spcBef>
@@ -5956,7 +5929,7 @@
               <a:buChar char="○"/>
               <a:defRPr/>
             </a:lvl2pPr>
-            <a:lvl3pPr indent="-298450" lvl="2" marL="1371600">
+            <a:lvl3pPr marL="1371600" lvl="2" indent="-298450">
               <a:spcBef>
                 <a:spcPts val="0"/>
               </a:spcBef>
@@ -5967,7 +5940,7 @@
               <a:buChar char="■"/>
               <a:defRPr/>
             </a:lvl3pPr>
-            <a:lvl4pPr indent="-298450" lvl="3" marL="1828800">
+            <a:lvl4pPr marL="1828800" lvl="3" indent="-298450">
               <a:spcBef>
                 <a:spcPts val="0"/>
               </a:spcBef>
@@ -5978,7 +5951,7 @@
               <a:buChar char="●"/>
               <a:defRPr/>
             </a:lvl4pPr>
-            <a:lvl5pPr indent="-298450" lvl="4" marL="2286000">
+            <a:lvl5pPr marL="2286000" lvl="4" indent="-298450">
               <a:spcBef>
                 <a:spcPts val="0"/>
               </a:spcBef>
@@ -5989,7 +5962,7 @@
               <a:buChar char="○"/>
               <a:defRPr/>
             </a:lvl5pPr>
-            <a:lvl6pPr indent="-298450" lvl="5" marL="2743200">
+            <a:lvl6pPr marL="2743200" lvl="5" indent="-298450">
               <a:spcBef>
                 <a:spcPts val="0"/>
               </a:spcBef>
@@ -6000,7 +5973,7 @@
               <a:buChar char="■"/>
               <a:defRPr/>
             </a:lvl6pPr>
-            <a:lvl7pPr indent="-298450" lvl="6" marL="3200400">
+            <a:lvl7pPr marL="3200400" lvl="6" indent="-298450">
               <a:spcBef>
                 <a:spcPts val="0"/>
               </a:spcBef>
@@ -6011,7 +5984,7 @@
               <a:buChar char="●"/>
               <a:defRPr/>
             </a:lvl7pPr>
-            <a:lvl8pPr indent="-298450" lvl="7" marL="3657600">
+            <a:lvl8pPr marL="3657600" lvl="7" indent="-298450">
               <a:spcBef>
                 <a:spcPts val="0"/>
               </a:spcBef>
@@ -6022,7 +5995,7 @@
               <a:buChar char="○"/>
               <a:defRPr/>
             </a:lvl8pPr>
-            <a:lvl9pPr indent="-298450" lvl="8" marL="4114800">
+            <a:lvl9pPr marL="4114800" lvl="8" indent="-298450">
               <a:spcBef>
                 <a:spcPts val="0"/>
               </a:spcBef>
@@ -6034,15 +6007,19 @@
               <a:defRPr/>
             </a:lvl9pPr>
           </a:lstStyle>
-          <a:p/>
+          <a:p>
+            <a:endParaRPr/>
+          </a:p>
         </p:txBody>
       </p:sp>
       <p:sp>
         <p:nvSpPr>
           <p:cNvPr id="55" name="Google Shape;55;p5"/>
-          <p:cNvSpPr txBox="1"/>
+          <p:cNvSpPr txBox="1">
+            <a:spLocks noGrp="1"/>
+          </p:cNvSpPr>
           <p:nvPr>
-            <p:ph idx="12" type="sldNum"/>
+            <p:ph type="sldNum" idx="12"/>
           </p:nvPr>
         </p:nvSpPr>
         <p:spPr>
@@ -6055,7 +6032,7 @@
           </a:prstGeom>
         </p:spPr>
         <p:txBody>
-          <a:bodyPr anchorCtr="0" anchor="ctr" bIns="91425" lIns="91425" spcFirstLastPara="1" rIns="91425" wrap="square" tIns="91425">
+          <a:bodyPr spcFirstLastPara="1" wrap="square" lIns="91425" tIns="91425" rIns="91425" bIns="91425" anchor="ctr" anchorCtr="0">
             <a:normAutofit/>
           </a:bodyPr>
           <a:lstStyle>
@@ -6097,7 +6074,7 @@
             </a:lvl9pPr>
           </a:lstStyle>
           <a:p>
-            <a:pPr indent="0" lvl="0" marL="0" rtl="0" algn="r">
+            <a:pPr marL="0" lvl="0" indent="0" algn="r" rtl="0">
               <a:spcBef>
                 <a:spcPts val="0"/>
               </a:spcBef>
@@ -6123,11 +6100,11 @@
 </file>
 
 <file path=ppt/slideLayouts/slideLayout5.xml><?xml version="1.0" encoding="utf-8"?>
-<p:sldLayout xmlns:a="http://schemas.openxmlformats.org/drawingml/2006/main" xmlns:r="http://schemas.openxmlformats.org/officeDocument/2006/relationships" xmlns:mc="http://schemas.openxmlformats.org/markup-compatibility/2006" xmlns:mv="urn:schemas-microsoft-com:mac:vml" xmlns:p="http://schemas.openxmlformats.org/presentationml/2006/main" xmlns:c="http://schemas.openxmlformats.org/drawingml/2006/chart" xmlns:dgm="http://schemas.openxmlformats.org/drawingml/2006/diagram" xmlns:o="urn:schemas-microsoft-com:office:office" xmlns:v="urn:schemas-microsoft-com:vml" xmlns:pvml="urn:schemas-microsoft-com:office:powerpoint" xmlns:com="http://schemas.openxmlformats.org/drawingml/2006/compatibility" xmlns:p14="http://schemas.microsoft.com/office/powerpoint/2010/main" xmlns:p15="http://schemas.microsoft.com/office/powerpoint/2012/main" xmlns:ahyp="http://schemas.microsoft.com/office/drawing/2018/hyperlinkcolor" matchingName="Title only" type="titleOnly">
+<p:sldLayout xmlns:a="http://schemas.openxmlformats.org/drawingml/2006/main" xmlns:r="http://schemas.openxmlformats.org/officeDocument/2006/relationships" xmlns:p="http://schemas.openxmlformats.org/presentationml/2006/main" matchingName="Title only" type="titleOnly">
   <p:cSld name="TITLE_ONLY">
     <p:spTree>
       <p:nvGrpSpPr>
-        <p:cNvPr id="56" name="Shape 56"/>
+        <p:cNvPr id="1" name="Shape 56"/>
         <p:cNvGrpSpPr/>
         <p:nvPr/>
       </p:nvGrpSpPr>
@@ -6166,7 +6143,7 @@
             </a:xfrm>
             <a:prstGeom prst="diagStripe">
               <a:avLst>
-                <a:gd fmla="val 50000" name="adj"/>
+                <a:gd name="adj" fmla="val 50000"/>
               </a:avLst>
             </a:prstGeom>
             <a:solidFill>
@@ -6177,12 +6154,12 @@
             </a:ln>
           </p:spPr>
           <p:txBody>
-            <a:bodyPr anchorCtr="0" anchor="ctr" bIns="91425" lIns="91425" spcFirstLastPara="1" rIns="91425" wrap="square" tIns="91425">
+            <a:bodyPr spcFirstLastPara="1" wrap="square" lIns="91425" tIns="91425" rIns="91425" bIns="91425" anchor="ctr" anchorCtr="0">
               <a:noAutofit/>
             </a:bodyPr>
             <a:lstStyle/>
             <a:p>
-              <a:pPr indent="0" lvl="0" marL="0" rtl="0" algn="l">
+              <a:pPr marL="0" lvl="0" indent="0" algn="l" rtl="0">
                 <a:spcBef>
                   <a:spcPts val="0"/>
                 </a:spcBef>
@@ -6191,9 +6168,6 @@
                 </a:spcAft>
                 <a:buNone/>
               </a:pPr>
-              <a:r>
-                <a:t/>
-              </a:r>
               <a:endParaRPr/>
             </a:p>
           </p:txBody>
@@ -6211,7 +6185,7 @@
             </a:xfrm>
             <a:prstGeom prst="diagStripe">
               <a:avLst>
-                <a:gd fmla="val 50000" name="adj"/>
+                <a:gd name="adj" fmla="val 50000"/>
               </a:avLst>
             </a:prstGeom>
             <a:solidFill>
@@ -6222,12 +6196,12 @@
             </a:ln>
           </p:spPr>
           <p:txBody>
-            <a:bodyPr anchorCtr="0" anchor="ctr" bIns="91425" lIns="91425" spcFirstLastPara="1" rIns="91425" wrap="square" tIns="91425">
+            <a:bodyPr spcFirstLastPara="1" wrap="square" lIns="91425" tIns="91425" rIns="91425" bIns="91425" anchor="ctr" anchorCtr="0">
               <a:noAutofit/>
             </a:bodyPr>
             <a:lstStyle/>
             <a:p>
-              <a:pPr indent="0" lvl="0" marL="0" rtl="0" algn="l">
+              <a:pPr marL="0" lvl="0" indent="0" algn="l" rtl="0">
                 <a:spcBef>
                   <a:spcPts val="0"/>
                 </a:spcBef>
@@ -6236,9 +6210,6 @@
                 </a:spcAft>
                 <a:buNone/>
               </a:pPr>
-              <a:r>
-                <a:t/>
-              </a:r>
               <a:endParaRPr/>
             </a:p>
           </p:txBody>
@@ -6247,7 +6218,9 @@
       <p:sp>
         <p:nvSpPr>
           <p:cNvPr id="60" name="Google Shape;60;p6"/>
-          <p:cNvSpPr txBox="1"/>
+          <p:cNvSpPr txBox="1">
+            <a:spLocks noGrp="1"/>
+          </p:cNvSpPr>
           <p:nvPr>
             <p:ph type="title"/>
           </p:nvPr>
@@ -6262,7 +6235,7 @@
           </a:prstGeom>
         </p:spPr>
         <p:txBody>
-          <a:bodyPr anchorCtr="0" anchor="t" bIns="91425" lIns="91425" spcFirstLastPara="1" rIns="91425" wrap="square" tIns="91425">
+          <a:bodyPr spcFirstLastPara="1" wrap="square" lIns="91425" tIns="91425" rIns="91425" bIns="91425" anchor="t" anchorCtr="0">
             <a:normAutofit/>
           </a:bodyPr>
           <a:lstStyle>
@@ -6366,15 +6339,19 @@
               <a:defRPr sz="2400"/>
             </a:lvl9pPr>
           </a:lstStyle>
-          <a:p/>
+          <a:p>
+            <a:endParaRPr/>
+          </a:p>
         </p:txBody>
       </p:sp>
       <p:sp>
         <p:nvSpPr>
           <p:cNvPr id="61" name="Google Shape;61;p6"/>
-          <p:cNvSpPr txBox="1"/>
+          <p:cNvSpPr txBox="1">
+            <a:spLocks noGrp="1"/>
+          </p:cNvSpPr>
           <p:nvPr>
-            <p:ph idx="12" type="sldNum"/>
+            <p:ph type="sldNum" idx="12"/>
           </p:nvPr>
         </p:nvSpPr>
         <p:spPr>
@@ -6387,7 +6364,7 @@
           </a:prstGeom>
         </p:spPr>
         <p:txBody>
-          <a:bodyPr anchorCtr="0" anchor="ctr" bIns="91425" lIns="91425" spcFirstLastPara="1" rIns="91425" wrap="square" tIns="91425">
+          <a:bodyPr spcFirstLastPara="1" wrap="square" lIns="91425" tIns="91425" rIns="91425" bIns="91425" anchor="ctr" anchorCtr="0">
             <a:normAutofit/>
           </a:bodyPr>
           <a:lstStyle>
@@ -6429,7 +6406,7 @@
             </a:lvl9pPr>
           </a:lstStyle>
           <a:p>
-            <a:pPr indent="0" lvl="0" marL="0" rtl="0" algn="r">
+            <a:pPr marL="0" lvl="0" indent="0" algn="r" rtl="0">
               <a:spcBef>
                 <a:spcPts val="0"/>
               </a:spcBef>
@@ -6455,11 +6432,11 @@
 </file>
 
 <file path=ppt/slideLayouts/slideLayout6.xml><?xml version="1.0" encoding="utf-8"?>
-<p:sldLayout xmlns:a="http://schemas.openxmlformats.org/drawingml/2006/main" xmlns:r="http://schemas.openxmlformats.org/officeDocument/2006/relationships" xmlns:mc="http://schemas.openxmlformats.org/markup-compatibility/2006" xmlns:mv="urn:schemas-microsoft-com:mac:vml" xmlns:p="http://schemas.openxmlformats.org/presentationml/2006/main" xmlns:c="http://schemas.openxmlformats.org/drawingml/2006/chart" xmlns:dgm="http://schemas.openxmlformats.org/drawingml/2006/diagram" xmlns:o="urn:schemas-microsoft-com:office:office" xmlns:v="urn:schemas-microsoft-com:vml" xmlns:pvml="urn:schemas-microsoft-com:office:powerpoint" xmlns:com="http://schemas.openxmlformats.org/drawingml/2006/compatibility" xmlns:p14="http://schemas.microsoft.com/office/powerpoint/2010/main" xmlns:p15="http://schemas.microsoft.com/office/powerpoint/2012/main" xmlns:ahyp="http://schemas.microsoft.com/office/drawing/2018/hyperlinkcolor" matchingName="One column text">
+<p:sldLayout xmlns:a="http://schemas.openxmlformats.org/drawingml/2006/main" xmlns:r="http://schemas.openxmlformats.org/officeDocument/2006/relationships" xmlns:p="http://schemas.openxmlformats.org/presentationml/2006/main" matchingName="One column text">
   <p:cSld name="ONE_COLUMN_TEXT">
     <p:spTree>
       <p:nvGrpSpPr>
-        <p:cNvPr id="62" name="Shape 62"/>
+        <p:cNvPr id="1" name="Shape 62"/>
         <p:cNvGrpSpPr/>
         <p:nvPr/>
       </p:nvGrpSpPr>
@@ -6498,7 +6475,7 @@
             </a:xfrm>
             <a:prstGeom prst="diagStripe">
               <a:avLst>
-                <a:gd fmla="val 50000" name="adj"/>
+                <a:gd name="adj" fmla="val 50000"/>
               </a:avLst>
             </a:prstGeom>
             <a:solidFill>
@@ -6509,12 +6486,12 @@
             </a:ln>
           </p:spPr>
           <p:txBody>
-            <a:bodyPr anchorCtr="0" anchor="ctr" bIns="91425" lIns="91425" spcFirstLastPara="1" rIns="91425" wrap="square" tIns="91425">
+            <a:bodyPr spcFirstLastPara="1" wrap="square" lIns="91425" tIns="91425" rIns="91425" bIns="91425" anchor="ctr" anchorCtr="0">
               <a:noAutofit/>
             </a:bodyPr>
             <a:lstStyle/>
             <a:p>
-              <a:pPr indent="0" lvl="0" marL="0" rtl="0" algn="l">
+              <a:pPr marL="0" lvl="0" indent="0" algn="l" rtl="0">
                 <a:spcBef>
                   <a:spcPts val="0"/>
                 </a:spcBef>
@@ -6523,9 +6500,6 @@
                 </a:spcAft>
                 <a:buNone/>
               </a:pPr>
-              <a:r>
-                <a:t/>
-              </a:r>
               <a:endParaRPr/>
             </a:p>
           </p:txBody>
@@ -6543,7 +6517,7 @@
             </a:xfrm>
             <a:prstGeom prst="diagStripe">
               <a:avLst>
-                <a:gd fmla="val 50000" name="adj"/>
+                <a:gd name="adj" fmla="val 50000"/>
               </a:avLst>
             </a:prstGeom>
             <a:solidFill>
@@ -6554,12 +6528,12 @@
             </a:ln>
           </p:spPr>
           <p:txBody>
-            <a:bodyPr anchorCtr="0" anchor="ctr" bIns="91425" lIns="91425" spcFirstLastPara="1" rIns="91425" wrap="square" tIns="91425">
+            <a:bodyPr spcFirstLastPara="1" wrap="square" lIns="91425" tIns="91425" rIns="91425" bIns="91425" anchor="ctr" anchorCtr="0">
               <a:noAutofit/>
             </a:bodyPr>
             <a:lstStyle/>
             <a:p>
-              <a:pPr indent="0" lvl="0" marL="0" rtl="0" algn="l">
+              <a:pPr marL="0" lvl="0" indent="0" algn="l" rtl="0">
                 <a:spcBef>
                   <a:spcPts val="0"/>
                 </a:spcBef>
@@ -6568,9 +6542,6 @@
                 </a:spcAft>
                 <a:buNone/>
               </a:pPr>
-              <a:r>
-                <a:t/>
-              </a:r>
               <a:endParaRPr/>
             </a:p>
           </p:txBody>
@@ -6579,7 +6550,9 @@
       <p:sp>
         <p:nvSpPr>
           <p:cNvPr id="66" name="Google Shape;66;p7"/>
-          <p:cNvSpPr txBox="1"/>
+          <p:cNvSpPr txBox="1">
+            <a:spLocks noGrp="1"/>
+          </p:cNvSpPr>
           <p:nvPr>
             <p:ph type="title"/>
           </p:nvPr>
@@ -6594,7 +6567,7 @@
           </a:prstGeom>
         </p:spPr>
         <p:txBody>
-          <a:bodyPr anchorCtr="0" anchor="t" bIns="91425" lIns="91425" spcFirstLastPara="1" rIns="91425" wrap="square" tIns="91425">
+          <a:bodyPr spcFirstLastPara="1" wrap="square" lIns="91425" tIns="91425" rIns="91425" bIns="91425" anchor="t" anchorCtr="0">
             <a:normAutofit/>
           </a:bodyPr>
           <a:lstStyle>
@@ -6698,15 +6671,19 @@
               <a:defRPr sz="2400"/>
             </a:lvl9pPr>
           </a:lstStyle>
-          <a:p/>
+          <a:p>
+            <a:endParaRPr/>
+          </a:p>
         </p:txBody>
       </p:sp>
       <p:sp>
         <p:nvSpPr>
           <p:cNvPr id="67" name="Google Shape;67;p7"/>
-          <p:cNvSpPr txBox="1"/>
+          <p:cNvSpPr txBox="1">
+            <a:spLocks noGrp="1"/>
+          </p:cNvSpPr>
           <p:nvPr>
-            <p:ph idx="1" type="body"/>
+            <p:ph type="body" idx="1"/>
           </p:nvPr>
         </p:nvSpPr>
         <p:spPr>
@@ -6719,11 +6696,11 @@
           </a:prstGeom>
         </p:spPr>
         <p:txBody>
-          <a:bodyPr anchorCtr="0" anchor="t" bIns="91425" lIns="91425" spcFirstLastPara="1" rIns="91425" wrap="square" tIns="91425">
+          <a:bodyPr spcFirstLastPara="1" wrap="square" lIns="91425" tIns="91425" rIns="91425" bIns="91425" anchor="t" anchorCtr="0">
             <a:normAutofit/>
           </a:bodyPr>
           <a:lstStyle>
-            <a:lvl1pPr indent="-311150" lvl="0" marL="457200">
+            <a:lvl1pPr marL="457200" lvl="0" indent="-311150">
               <a:spcBef>
                 <a:spcPts val="0"/>
               </a:spcBef>
@@ -6734,7 +6711,7 @@
               <a:buChar char="●"/>
               <a:defRPr/>
             </a:lvl1pPr>
-            <a:lvl2pPr indent="-298450" lvl="1" marL="914400">
+            <a:lvl2pPr marL="914400" lvl="1" indent="-298450">
               <a:spcBef>
                 <a:spcPts val="0"/>
               </a:spcBef>
@@ -6745,7 +6722,7 @@
               <a:buChar char="○"/>
               <a:defRPr/>
             </a:lvl2pPr>
-            <a:lvl3pPr indent="-298450" lvl="2" marL="1371600">
+            <a:lvl3pPr marL="1371600" lvl="2" indent="-298450">
               <a:spcBef>
                 <a:spcPts val="0"/>
               </a:spcBef>
@@ -6756,7 +6733,7 @@
               <a:buChar char="■"/>
               <a:defRPr/>
             </a:lvl3pPr>
-            <a:lvl4pPr indent="-298450" lvl="3" marL="1828800">
+            <a:lvl4pPr marL="1828800" lvl="3" indent="-298450">
               <a:spcBef>
                 <a:spcPts val="0"/>
               </a:spcBef>
@@ -6767,7 +6744,7 @@
               <a:buChar char="●"/>
               <a:defRPr/>
             </a:lvl4pPr>
-            <a:lvl5pPr indent="-298450" lvl="4" marL="2286000">
+            <a:lvl5pPr marL="2286000" lvl="4" indent="-298450">
               <a:spcBef>
                 <a:spcPts val="0"/>
               </a:spcBef>
@@ -6778,7 +6755,7 @@
               <a:buChar char="○"/>
               <a:defRPr/>
             </a:lvl5pPr>
-            <a:lvl6pPr indent="-298450" lvl="5" marL="2743200">
+            <a:lvl6pPr marL="2743200" lvl="5" indent="-298450">
               <a:spcBef>
                 <a:spcPts val="0"/>
               </a:spcBef>
@@ -6789,7 +6766,7 @@
               <a:buChar char="■"/>
               <a:defRPr/>
             </a:lvl6pPr>
-            <a:lvl7pPr indent="-298450" lvl="6" marL="3200400">
+            <a:lvl7pPr marL="3200400" lvl="6" indent="-298450">
               <a:spcBef>
                 <a:spcPts val="0"/>
               </a:spcBef>
@@ -6800,7 +6777,7 @@
               <a:buChar char="●"/>
               <a:defRPr/>
             </a:lvl7pPr>
-            <a:lvl8pPr indent="-298450" lvl="7" marL="3657600">
+            <a:lvl8pPr marL="3657600" lvl="7" indent="-298450">
               <a:spcBef>
                 <a:spcPts val="0"/>
               </a:spcBef>
@@ -6811,7 +6788,7 @@
               <a:buChar char="○"/>
               <a:defRPr/>
             </a:lvl8pPr>
-            <a:lvl9pPr indent="-298450" lvl="8" marL="4114800">
+            <a:lvl9pPr marL="4114800" lvl="8" indent="-298450">
               <a:spcBef>
                 <a:spcPts val="0"/>
               </a:spcBef>
@@ -6823,15 +6800,19 @@
               <a:defRPr/>
             </a:lvl9pPr>
           </a:lstStyle>
-          <a:p/>
+          <a:p>
+            <a:endParaRPr/>
+          </a:p>
         </p:txBody>
       </p:sp>
       <p:sp>
         <p:nvSpPr>
           <p:cNvPr id="68" name="Google Shape;68;p7"/>
-          <p:cNvSpPr txBox="1"/>
+          <p:cNvSpPr txBox="1">
+            <a:spLocks noGrp="1"/>
+          </p:cNvSpPr>
           <p:nvPr>
-            <p:ph idx="12" type="sldNum"/>
+            <p:ph type="sldNum" idx="12"/>
           </p:nvPr>
         </p:nvSpPr>
         <p:spPr>
@@ -6844,7 +6825,7 @@
           </a:prstGeom>
         </p:spPr>
         <p:txBody>
-          <a:bodyPr anchorCtr="0" anchor="ctr" bIns="91425" lIns="91425" spcFirstLastPara="1" rIns="91425" wrap="square" tIns="91425">
+          <a:bodyPr spcFirstLastPara="1" wrap="square" lIns="91425" tIns="91425" rIns="91425" bIns="91425" anchor="ctr" anchorCtr="0">
             <a:normAutofit/>
           </a:bodyPr>
           <a:lstStyle>
@@ -6886,7 +6867,7 @@
             </a:lvl9pPr>
           </a:lstStyle>
           <a:p>
-            <a:pPr indent="0" lvl="0" marL="0" rtl="0" algn="r">
+            <a:pPr marL="0" lvl="0" indent="0" algn="r" rtl="0">
               <a:spcBef>
                 <a:spcPts val="0"/>
               </a:spcBef>
@@ -6912,11 +6893,11 @@
 </file>
 
 <file path=ppt/slideLayouts/slideLayout7.xml><?xml version="1.0" encoding="utf-8"?>
-<p:sldLayout xmlns:a="http://schemas.openxmlformats.org/drawingml/2006/main" xmlns:r="http://schemas.openxmlformats.org/officeDocument/2006/relationships" xmlns:mc="http://schemas.openxmlformats.org/markup-compatibility/2006" xmlns:mv="urn:schemas-microsoft-com:mac:vml" xmlns:p="http://schemas.openxmlformats.org/presentationml/2006/main" xmlns:c="http://schemas.openxmlformats.org/drawingml/2006/chart" xmlns:dgm="http://schemas.openxmlformats.org/drawingml/2006/diagram" xmlns:o="urn:schemas-microsoft-com:office:office" xmlns:v="urn:schemas-microsoft-com:vml" xmlns:pvml="urn:schemas-microsoft-com:office:powerpoint" xmlns:com="http://schemas.openxmlformats.org/drawingml/2006/compatibility" xmlns:p14="http://schemas.microsoft.com/office/powerpoint/2010/main" xmlns:p15="http://schemas.microsoft.com/office/powerpoint/2012/main" xmlns:ahyp="http://schemas.microsoft.com/office/drawing/2018/hyperlinkcolor" matchingName="Main point">
+<p:sldLayout xmlns:a="http://schemas.openxmlformats.org/drawingml/2006/main" xmlns:r="http://schemas.openxmlformats.org/officeDocument/2006/relationships" xmlns:p="http://schemas.openxmlformats.org/presentationml/2006/main" matchingName="Main point">
   <p:cSld name="MAIN_POINT">
     <p:spTree>
       <p:nvGrpSpPr>
-        <p:cNvPr id="69" name="Shape 69"/>
+        <p:cNvPr id="1" name="Shape 69"/>
         <p:cNvGrpSpPr/>
         <p:nvPr/>
       </p:nvGrpSpPr>
@@ -6955,7 +6936,7 @@
             </a:xfrm>
             <a:prstGeom prst="diagStripe">
               <a:avLst>
-                <a:gd fmla="val 49469" name="adj"/>
+                <a:gd name="adj" fmla="val 49469"/>
               </a:avLst>
             </a:prstGeom>
             <a:solidFill>
@@ -6968,12 +6949,12 @@
             </a:ln>
           </p:spPr>
           <p:txBody>
-            <a:bodyPr anchorCtr="0" anchor="ctr" bIns="91425" lIns="91425" spcFirstLastPara="1" rIns="91425" wrap="square" tIns="91425">
+            <a:bodyPr spcFirstLastPara="1" wrap="square" lIns="91425" tIns="91425" rIns="91425" bIns="91425" anchor="ctr" anchorCtr="0">
               <a:noAutofit/>
             </a:bodyPr>
             <a:lstStyle/>
             <a:p>
-              <a:pPr indent="0" lvl="0" marL="0" rtl="0" algn="l">
+              <a:pPr marL="0" lvl="0" indent="0" algn="l" rtl="0">
                 <a:spcBef>
                   <a:spcPts val="0"/>
                 </a:spcBef>
@@ -6982,9 +6963,6 @@
                 </a:spcAft>
                 <a:buNone/>
               </a:pPr>
-              <a:r>
-                <a:t/>
-              </a:r>
               <a:endParaRPr/>
             </a:p>
           </p:txBody>
@@ -7002,7 +6980,7 @@
             </a:xfrm>
             <a:prstGeom prst="diagStripe">
               <a:avLst>
-                <a:gd fmla="val 0" name="adj"/>
+                <a:gd name="adj" fmla="val 0"/>
               </a:avLst>
             </a:prstGeom>
             <a:solidFill>
@@ -7015,12 +6993,12 @@
             </a:ln>
           </p:spPr>
           <p:txBody>
-            <a:bodyPr anchorCtr="0" anchor="ctr" bIns="91425" lIns="91425" spcFirstLastPara="1" rIns="91425" wrap="square" tIns="91425">
+            <a:bodyPr spcFirstLastPara="1" wrap="square" lIns="91425" tIns="91425" rIns="91425" bIns="91425" anchor="ctr" anchorCtr="0">
               <a:noAutofit/>
             </a:bodyPr>
             <a:lstStyle/>
             <a:p>
-              <a:pPr indent="0" lvl="0" marL="0" rtl="0" algn="l">
+              <a:pPr marL="0" lvl="0" indent="0" algn="l" rtl="0">
                 <a:spcBef>
                   <a:spcPts val="0"/>
                 </a:spcBef>
@@ -7029,9 +7007,6 @@
                 </a:spcAft>
                 <a:buNone/>
               </a:pPr>
-              <a:r>
-                <a:t/>
-              </a:r>
               <a:endParaRPr/>
             </a:p>
           </p:txBody>
@@ -7049,7 +7024,7 @@
             </a:xfrm>
             <a:prstGeom prst="diagStripe">
               <a:avLst>
-                <a:gd fmla="val 50000" name="adj"/>
+                <a:gd name="adj" fmla="val 50000"/>
               </a:avLst>
             </a:prstGeom>
             <a:solidFill>
@@ -7062,12 +7037,12 @@
             </a:ln>
           </p:spPr>
           <p:txBody>
-            <a:bodyPr anchorCtr="0" anchor="ctr" bIns="91425" lIns="91425" spcFirstLastPara="1" rIns="91425" wrap="square" tIns="91425">
+            <a:bodyPr spcFirstLastPara="1" wrap="square" lIns="91425" tIns="91425" rIns="91425" bIns="91425" anchor="ctr" anchorCtr="0">
               <a:noAutofit/>
             </a:bodyPr>
             <a:lstStyle/>
             <a:p>
-              <a:pPr indent="0" lvl="0" marL="0" rtl="0" algn="l">
+              <a:pPr marL="0" lvl="0" indent="0" algn="l" rtl="0">
                 <a:spcBef>
                   <a:spcPts val="0"/>
                 </a:spcBef>
@@ -7076,9 +7051,6 @@
                 </a:spcAft>
                 <a:buNone/>
               </a:pPr>
-              <a:r>
-                <a:t/>
-              </a:r>
               <a:endParaRPr/>
             </a:p>
           </p:txBody>
@@ -7096,7 +7068,7 @@
             </a:xfrm>
             <a:prstGeom prst="diagStripe">
               <a:avLst>
-                <a:gd fmla="val 50000" name="adj"/>
+                <a:gd name="adj" fmla="val 50000"/>
               </a:avLst>
             </a:prstGeom>
             <a:solidFill>
@@ -7109,12 +7081,12 @@
             </a:ln>
           </p:spPr>
           <p:txBody>
-            <a:bodyPr anchorCtr="0" anchor="ctr" bIns="91425" lIns="91425" spcFirstLastPara="1" rIns="91425" wrap="square" tIns="91425">
+            <a:bodyPr spcFirstLastPara="1" wrap="square" lIns="91425" tIns="91425" rIns="91425" bIns="91425" anchor="ctr" anchorCtr="0">
               <a:noAutofit/>
             </a:bodyPr>
             <a:lstStyle/>
             <a:p>
-              <a:pPr indent="0" lvl="0" marL="0" rtl="0" algn="l">
+              <a:pPr marL="0" lvl="0" indent="0" algn="l" rtl="0">
                 <a:spcBef>
                   <a:spcPts val="0"/>
                 </a:spcBef>
@@ -7123,9 +7095,6 @@
                 </a:spcAft>
                 <a:buNone/>
               </a:pPr>
-              <a:r>
-                <a:t/>
-              </a:r>
               <a:endParaRPr/>
             </a:p>
           </p:txBody>
@@ -7143,7 +7112,7 @@
             </a:xfrm>
             <a:prstGeom prst="diagStripe">
               <a:avLst>
-                <a:gd fmla="val 50000" name="adj"/>
+                <a:gd name="adj" fmla="val 50000"/>
               </a:avLst>
             </a:prstGeom>
             <a:solidFill>
@@ -7156,12 +7125,12 @@
             </a:ln>
           </p:spPr>
           <p:txBody>
-            <a:bodyPr anchorCtr="0" anchor="ctr" bIns="91425" lIns="91425" spcFirstLastPara="1" rIns="91425" wrap="square" tIns="91425">
+            <a:bodyPr spcFirstLastPara="1" wrap="square" lIns="91425" tIns="91425" rIns="91425" bIns="91425" anchor="ctr" anchorCtr="0">
               <a:noAutofit/>
             </a:bodyPr>
             <a:lstStyle/>
             <a:p>
-              <a:pPr indent="0" lvl="0" marL="0" rtl="0" algn="l">
+              <a:pPr marL="0" lvl="0" indent="0" algn="l" rtl="0">
                 <a:spcBef>
                   <a:spcPts val="0"/>
                 </a:spcBef>
@@ -7170,9 +7139,6 @@
                 </a:spcAft>
                 <a:buNone/>
               </a:pPr>
-              <a:r>
-                <a:t/>
-              </a:r>
               <a:endParaRPr/>
             </a:p>
           </p:txBody>
@@ -7190,7 +7156,7 @@
             </a:xfrm>
             <a:prstGeom prst="diagStripe">
               <a:avLst>
-                <a:gd fmla="val 50000" name="adj"/>
+                <a:gd name="adj" fmla="val 50000"/>
               </a:avLst>
             </a:prstGeom>
             <a:solidFill>
@@ -7203,12 +7169,12 @@
             </a:ln>
           </p:spPr>
           <p:txBody>
-            <a:bodyPr anchorCtr="0" anchor="ctr" bIns="91425" lIns="91425" spcFirstLastPara="1" rIns="91425" wrap="square" tIns="91425">
+            <a:bodyPr spcFirstLastPara="1" wrap="square" lIns="91425" tIns="91425" rIns="91425" bIns="91425" anchor="ctr" anchorCtr="0">
               <a:noAutofit/>
             </a:bodyPr>
             <a:lstStyle/>
             <a:p>
-              <a:pPr indent="0" lvl="0" marL="0" rtl="0" algn="l">
+              <a:pPr marL="0" lvl="0" indent="0" algn="l" rtl="0">
                 <a:spcBef>
                   <a:spcPts val="0"/>
                 </a:spcBef>
@@ -7217,9 +7183,6 @@
                 </a:spcAft>
                 <a:buNone/>
               </a:pPr>
-              <a:r>
-                <a:t/>
-              </a:r>
               <a:endParaRPr/>
             </a:p>
           </p:txBody>
@@ -7237,7 +7200,7 @@
             </a:xfrm>
             <a:prstGeom prst="diagStripe">
               <a:avLst>
-                <a:gd fmla="val 50000" name="adj"/>
+                <a:gd name="adj" fmla="val 50000"/>
               </a:avLst>
             </a:prstGeom>
             <a:solidFill>
@@ -7250,12 +7213,12 @@
             </a:ln>
           </p:spPr>
           <p:txBody>
-            <a:bodyPr anchorCtr="0" anchor="ctr" bIns="91425" lIns="91425" spcFirstLastPara="1" rIns="91425" wrap="square" tIns="91425">
+            <a:bodyPr spcFirstLastPara="1" wrap="square" lIns="91425" tIns="91425" rIns="91425" bIns="91425" anchor="ctr" anchorCtr="0">
               <a:noAutofit/>
             </a:bodyPr>
             <a:lstStyle/>
             <a:p>
-              <a:pPr indent="0" lvl="0" marL="0" rtl="0" algn="l">
+              <a:pPr marL="0" lvl="0" indent="0" algn="l" rtl="0">
                 <a:spcBef>
                   <a:spcPts val="0"/>
                 </a:spcBef>
@@ -7264,9 +7227,6 @@
                 </a:spcAft>
                 <a:buNone/>
               </a:pPr>
-              <a:r>
-                <a:t/>
-              </a:r>
               <a:endParaRPr/>
             </a:p>
           </p:txBody>
@@ -7284,7 +7244,7 @@
             </a:xfrm>
             <a:prstGeom prst="diagStripe">
               <a:avLst>
-                <a:gd fmla="val 50000" name="adj"/>
+                <a:gd name="adj" fmla="val 50000"/>
               </a:avLst>
             </a:prstGeom>
             <a:solidFill>
@@ -7295,12 +7255,12 @@
             </a:ln>
           </p:spPr>
           <p:txBody>
-            <a:bodyPr anchorCtr="0" anchor="ctr" bIns="91425" lIns="91425" spcFirstLastPara="1" rIns="91425" wrap="square" tIns="91425">
+            <a:bodyPr spcFirstLastPara="1" wrap="square" lIns="91425" tIns="91425" rIns="91425" bIns="91425" anchor="ctr" anchorCtr="0">
               <a:noAutofit/>
             </a:bodyPr>
             <a:lstStyle/>
             <a:p>
-              <a:pPr indent="0" lvl="0" marL="0" rtl="0" algn="l">
+              <a:pPr marL="0" lvl="0" indent="0" algn="l" rtl="0">
                 <a:spcBef>
                   <a:spcPts val="0"/>
                 </a:spcBef>
@@ -7309,9 +7269,6 @@
                 </a:spcAft>
                 <a:buNone/>
               </a:pPr>
-              <a:r>
-                <a:t/>
-              </a:r>
               <a:endParaRPr/>
             </a:p>
           </p:txBody>
@@ -7329,7 +7286,7 @@
             </a:xfrm>
             <a:prstGeom prst="diagStripe">
               <a:avLst>
-                <a:gd fmla="val 50000" name="adj"/>
+                <a:gd name="adj" fmla="val 50000"/>
               </a:avLst>
             </a:prstGeom>
             <a:solidFill>
@@ -7342,12 +7299,12 @@
             </a:ln>
           </p:spPr>
           <p:txBody>
-            <a:bodyPr anchorCtr="0" anchor="ctr" bIns="91425" lIns="91425" spcFirstLastPara="1" rIns="91425" wrap="square" tIns="91425">
+            <a:bodyPr spcFirstLastPara="1" wrap="square" lIns="91425" tIns="91425" rIns="91425" bIns="91425" anchor="ctr" anchorCtr="0">
               <a:noAutofit/>
             </a:bodyPr>
             <a:lstStyle/>
             <a:p>
-              <a:pPr indent="0" lvl="0" marL="0" rtl="0" algn="l">
+              <a:pPr marL="0" lvl="0" indent="0" algn="l" rtl="0">
                 <a:spcBef>
                   <a:spcPts val="0"/>
                 </a:spcBef>
@@ -7356,9 +7313,6 @@
                 </a:spcAft>
                 <a:buNone/>
               </a:pPr>
-              <a:r>
-                <a:t/>
-              </a:r>
               <a:endParaRPr/>
             </a:p>
           </p:txBody>
@@ -7376,7 +7330,7 @@
             </a:xfrm>
             <a:prstGeom prst="diagStripe">
               <a:avLst>
-                <a:gd fmla="val 50000" name="adj"/>
+                <a:gd name="adj" fmla="val 50000"/>
               </a:avLst>
             </a:prstGeom>
             <a:solidFill>
@@ -7389,12 +7343,12 @@
             </a:ln>
           </p:spPr>
           <p:txBody>
-            <a:bodyPr anchorCtr="0" anchor="ctr" bIns="91425" lIns="91425" spcFirstLastPara="1" rIns="91425" wrap="square" tIns="91425">
+            <a:bodyPr spcFirstLastPara="1" wrap="square" lIns="91425" tIns="91425" rIns="91425" bIns="91425" anchor="ctr" anchorCtr="0">
               <a:noAutofit/>
             </a:bodyPr>
             <a:lstStyle/>
             <a:p>
-              <a:pPr indent="0" lvl="0" marL="0" rtl="0" algn="l">
+              <a:pPr marL="0" lvl="0" indent="0" algn="l" rtl="0">
                 <a:spcBef>
                   <a:spcPts val="0"/>
                 </a:spcBef>
@@ -7403,9 +7357,6 @@
                 </a:spcAft>
                 <a:buNone/>
               </a:pPr>
-              <a:r>
-                <a:t/>
-              </a:r>
               <a:endParaRPr/>
             </a:p>
           </p:txBody>
@@ -7423,7 +7374,7 @@
             </a:xfrm>
             <a:prstGeom prst="diagStripe">
               <a:avLst>
-                <a:gd fmla="val 50000" name="adj"/>
+                <a:gd name="adj" fmla="val 50000"/>
               </a:avLst>
             </a:prstGeom>
             <a:solidFill>
@@ -7436,12 +7387,12 @@
             </a:ln>
           </p:spPr>
           <p:txBody>
-            <a:bodyPr anchorCtr="0" anchor="ctr" bIns="91425" lIns="91425" spcFirstLastPara="1" rIns="91425" wrap="square" tIns="91425">
+            <a:bodyPr spcFirstLastPara="1" wrap="square" lIns="91425" tIns="91425" rIns="91425" bIns="91425" anchor="ctr" anchorCtr="0">
               <a:noAutofit/>
             </a:bodyPr>
             <a:lstStyle/>
             <a:p>
-              <a:pPr indent="0" lvl="0" marL="0" rtl="0" algn="l">
+              <a:pPr marL="0" lvl="0" indent="0" algn="l" rtl="0">
                 <a:spcBef>
                   <a:spcPts val="0"/>
                 </a:spcBef>
@@ -7450,9 +7401,6 @@
                 </a:spcAft>
                 <a:buNone/>
               </a:pPr>
-              <a:r>
-                <a:t/>
-              </a:r>
               <a:endParaRPr/>
             </a:p>
           </p:txBody>
@@ -7470,7 +7418,7 @@
             </a:xfrm>
             <a:prstGeom prst="diagStripe">
               <a:avLst>
-                <a:gd fmla="val 50000" name="adj"/>
+                <a:gd name="adj" fmla="val 50000"/>
               </a:avLst>
             </a:prstGeom>
             <a:solidFill>
@@ -7483,12 +7431,12 @@
             </a:ln>
           </p:spPr>
           <p:txBody>
-            <a:bodyPr anchorCtr="0" anchor="ctr" bIns="91425" lIns="91425" spcFirstLastPara="1" rIns="91425" wrap="square" tIns="91425">
+            <a:bodyPr spcFirstLastPara="1" wrap="square" lIns="91425" tIns="91425" rIns="91425" bIns="91425" anchor="ctr" anchorCtr="0">
               <a:noAutofit/>
             </a:bodyPr>
             <a:lstStyle/>
             <a:p>
-              <a:pPr indent="0" lvl="0" marL="0" rtl="0" algn="l">
+              <a:pPr marL="0" lvl="0" indent="0" algn="l" rtl="0">
                 <a:spcBef>
                   <a:spcPts val="0"/>
                 </a:spcBef>
@@ -7497,9 +7445,6 @@
                 </a:spcAft>
                 <a:buNone/>
               </a:pPr>
-              <a:r>
-                <a:t/>
-              </a:r>
               <a:endParaRPr/>
             </a:p>
           </p:txBody>
@@ -7517,7 +7462,7 @@
             </a:xfrm>
             <a:prstGeom prst="diagStripe">
               <a:avLst>
-                <a:gd fmla="val 50000" name="adj"/>
+                <a:gd name="adj" fmla="val 50000"/>
               </a:avLst>
             </a:prstGeom>
             <a:solidFill>
@@ -7530,12 +7475,12 @@
             </a:ln>
           </p:spPr>
           <p:txBody>
-            <a:bodyPr anchorCtr="0" anchor="ctr" bIns="91425" lIns="91425" spcFirstLastPara="1" rIns="91425" wrap="square" tIns="91425">
+            <a:bodyPr spcFirstLastPara="1" wrap="square" lIns="91425" tIns="91425" rIns="91425" bIns="91425" anchor="ctr" anchorCtr="0">
               <a:noAutofit/>
             </a:bodyPr>
             <a:lstStyle/>
             <a:p>
-              <a:pPr indent="0" lvl="0" marL="0" rtl="0" algn="l">
+              <a:pPr marL="0" lvl="0" indent="0" algn="l" rtl="0">
                 <a:spcBef>
                   <a:spcPts val="0"/>
                 </a:spcBef>
@@ -7544,9 +7489,6 @@
                 </a:spcAft>
                 <a:buNone/>
               </a:pPr>
-              <a:r>
-                <a:t/>
-              </a:r>
               <a:endParaRPr/>
             </a:p>
           </p:txBody>
@@ -7564,7 +7506,7 @@
             </a:xfrm>
             <a:prstGeom prst="diagStripe">
               <a:avLst>
-                <a:gd fmla="val 50000" name="adj"/>
+                <a:gd name="adj" fmla="val 50000"/>
               </a:avLst>
             </a:prstGeom>
             <a:solidFill>
@@ -7575,12 +7517,12 @@
             </a:ln>
           </p:spPr>
           <p:txBody>
-            <a:bodyPr anchorCtr="0" anchor="ctr" bIns="91425" lIns="91425" spcFirstLastPara="1" rIns="91425" wrap="square" tIns="91425">
+            <a:bodyPr spcFirstLastPara="1" wrap="square" lIns="91425" tIns="91425" rIns="91425" bIns="91425" anchor="ctr" anchorCtr="0">
               <a:noAutofit/>
             </a:bodyPr>
             <a:lstStyle/>
             <a:p>
-              <a:pPr indent="0" lvl="0" marL="0" rtl="0" algn="l">
+              <a:pPr marL="0" lvl="0" indent="0" algn="l" rtl="0">
                 <a:spcBef>
                   <a:spcPts val="0"/>
                 </a:spcBef>
@@ -7589,9 +7531,6 @@
                 </a:spcAft>
                 <a:buNone/>
               </a:pPr>
-              <a:r>
-                <a:t/>
-              </a:r>
               <a:endParaRPr/>
             </a:p>
           </p:txBody>
@@ -7609,7 +7548,7 @@
             </a:xfrm>
             <a:prstGeom prst="diagStripe">
               <a:avLst>
-                <a:gd fmla="val 50000" name="adj"/>
+                <a:gd name="adj" fmla="val 50000"/>
               </a:avLst>
             </a:prstGeom>
             <a:solidFill>
@@ -7622,12 +7561,12 @@
             </a:ln>
           </p:spPr>
           <p:txBody>
-            <a:bodyPr anchorCtr="0" anchor="ctr" bIns="91425" lIns="91425" spcFirstLastPara="1" rIns="91425" wrap="square" tIns="91425">
+            <a:bodyPr spcFirstLastPara="1" wrap="square" lIns="91425" tIns="91425" rIns="91425" bIns="91425" anchor="ctr" anchorCtr="0">
               <a:noAutofit/>
             </a:bodyPr>
             <a:lstStyle/>
             <a:p>
-              <a:pPr indent="0" lvl="0" marL="0" rtl="0" algn="l">
+              <a:pPr marL="0" lvl="0" indent="0" algn="l" rtl="0">
                 <a:spcBef>
                   <a:spcPts val="0"/>
                 </a:spcBef>
@@ -7636,9 +7575,6 @@
                 </a:spcAft>
                 <a:buNone/>
               </a:pPr>
-              <a:r>
-                <a:t/>
-              </a:r>
               <a:endParaRPr/>
             </a:p>
           </p:txBody>
@@ -7656,7 +7592,7 @@
             </a:xfrm>
             <a:prstGeom prst="diagStripe">
               <a:avLst>
-                <a:gd fmla="val 50000" name="adj"/>
+                <a:gd name="adj" fmla="val 50000"/>
               </a:avLst>
             </a:prstGeom>
             <a:solidFill>
@@ -7669,12 +7605,12 @@
             </a:ln>
           </p:spPr>
           <p:txBody>
-            <a:bodyPr anchorCtr="0" anchor="ctr" bIns="91425" lIns="91425" spcFirstLastPara="1" rIns="91425" wrap="square" tIns="91425">
+            <a:bodyPr spcFirstLastPara="1" wrap="square" lIns="91425" tIns="91425" rIns="91425" bIns="91425" anchor="ctr" anchorCtr="0">
               <a:noAutofit/>
             </a:bodyPr>
             <a:lstStyle/>
             <a:p>
-              <a:pPr indent="0" lvl="0" marL="0" rtl="0" algn="l">
+              <a:pPr marL="0" lvl="0" indent="0" algn="l" rtl="0">
                 <a:spcBef>
                   <a:spcPts val="0"/>
                 </a:spcBef>
@@ -7683,9 +7619,6 @@
                 </a:spcAft>
                 <a:buNone/>
               </a:pPr>
-              <a:r>
-                <a:t/>
-              </a:r>
               <a:endParaRPr/>
             </a:p>
           </p:txBody>
@@ -7703,7 +7636,7 @@
             </a:xfrm>
             <a:prstGeom prst="diagStripe">
               <a:avLst>
-                <a:gd fmla="val 50000" name="adj"/>
+                <a:gd name="adj" fmla="val 50000"/>
               </a:avLst>
             </a:prstGeom>
             <a:solidFill>
@@ -7716,12 +7649,12 @@
             </a:ln>
           </p:spPr>
           <p:txBody>
-            <a:bodyPr anchorCtr="0" anchor="ctr" bIns="91425" lIns="91425" spcFirstLastPara="1" rIns="91425" wrap="square" tIns="91425">
+            <a:bodyPr spcFirstLastPara="1" wrap="square" lIns="91425" tIns="91425" rIns="91425" bIns="91425" anchor="ctr" anchorCtr="0">
               <a:noAutofit/>
             </a:bodyPr>
             <a:lstStyle/>
             <a:p>
-              <a:pPr indent="0" lvl="0" marL="0" rtl="0" algn="l">
+              <a:pPr marL="0" lvl="0" indent="0" algn="l" rtl="0">
                 <a:spcBef>
                   <a:spcPts val="0"/>
                 </a:spcBef>
@@ -7730,9 +7663,6 @@
                 </a:spcAft>
                 <a:buNone/>
               </a:pPr>
-              <a:r>
-                <a:t/>
-              </a:r>
               <a:endParaRPr/>
             </a:p>
           </p:txBody>
@@ -7750,7 +7680,7 @@
             </a:xfrm>
             <a:prstGeom prst="diagStripe">
               <a:avLst>
-                <a:gd fmla="val 50000" name="adj"/>
+                <a:gd name="adj" fmla="val 50000"/>
               </a:avLst>
             </a:prstGeom>
             <a:solidFill>
@@ -7763,12 +7693,12 @@
             </a:ln>
           </p:spPr>
           <p:txBody>
-            <a:bodyPr anchorCtr="0" anchor="ctr" bIns="91425" lIns="91425" spcFirstLastPara="1" rIns="91425" wrap="square" tIns="91425">
+            <a:bodyPr spcFirstLastPara="1" wrap="square" lIns="91425" tIns="91425" rIns="91425" bIns="91425" anchor="ctr" anchorCtr="0">
               <a:noAutofit/>
             </a:bodyPr>
             <a:lstStyle/>
             <a:p>
-              <a:pPr indent="0" lvl="0" marL="0" rtl="0" algn="l">
+              <a:pPr marL="0" lvl="0" indent="0" algn="l" rtl="0">
                 <a:spcBef>
                   <a:spcPts val="0"/>
                 </a:spcBef>
@@ -7777,9 +7707,6 @@
                 </a:spcAft>
                 <a:buNone/>
               </a:pPr>
-              <a:r>
-                <a:t/>
-              </a:r>
               <a:endParaRPr/>
             </a:p>
           </p:txBody>
@@ -7788,7 +7715,9 @@
       <p:sp>
         <p:nvSpPr>
           <p:cNvPr id="89" name="Google Shape;89;p8"/>
-          <p:cNvSpPr txBox="1"/>
+          <p:cNvSpPr txBox="1">
+            <a:spLocks noGrp="1"/>
+          </p:cNvSpPr>
           <p:nvPr>
             <p:ph type="title"/>
           </p:nvPr>
@@ -7803,7 +7732,7 @@
           </a:prstGeom>
         </p:spPr>
         <p:txBody>
-          <a:bodyPr anchorCtr="0" anchor="ctr" bIns="91425" lIns="91425" spcFirstLastPara="1" rIns="91425" wrap="square" tIns="91425">
+          <a:bodyPr spcFirstLastPara="1" wrap="square" lIns="91425" tIns="91425" rIns="91425" bIns="91425" anchor="ctr" anchorCtr="0">
             <a:normAutofit/>
           </a:bodyPr>
           <a:lstStyle>
@@ -7907,15 +7836,19 @@
               <a:defRPr/>
             </a:lvl9pPr>
           </a:lstStyle>
-          <a:p/>
+          <a:p>
+            <a:endParaRPr/>
+          </a:p>
         </p:txBody>
       </p:sp>
       <p:sp>
         <p:nvSpPr>
           <p:cNvPr id="90" name="Google Shape;90;p8"/>
-          <p:cNvSpPr txBox="1"/>
+          <p:cNvSpPr txBox="1">
+            <a:spLocks noGrp="1"/>
+          </p:cNvSpPr>
           <p:nvPr>
-            <p:ph idx="12" type="sldNum"/>
+            <p:ph type="sldNum" idx="12"/>
           </p:nvPr>
         </p:nvSpPr>
         <p:spPr>
@@ -7928,7 +7861,7 @@
           </a:prstGeom>
         </p:spPr>
         <p:txBody>
-          <a:bodyPr anchorCtr="0" anchor="ctr" bIns="91425" lIns="91425" spcFirstLastPara="1" rIns="91425" wrap="square" tIns="91425">
+          <a:bodyPr spcFirstLastPara="1" wrap="square" lIns="91425" tIns="91425" rIns="91425" bIns="91425" anchor="ctr" anchorCtr="0">
             <a:normAutofit/>
           </a:bodyPr>
           <a:lstStyle>
@@ -7970,7 +7903,7 @@
             </a:lvl9pPr>
           </a:lstStyle>
           <a:p>
-            <a:pPr indent="0" lvl="0" marL="0" rtl="0" algn="r">
+            <a:pPr marL="0" lvl="0" indent="0" algn="r" rtl="0">
               <a:spcBef>
                 <a:spcPts val="0"/>
               </a:spcBef>
@@ -7996,11 +7929,11 @@
 </file>
 
 <file path=ppt/slideLayouts/slideLayout8.xml><?xml version="1.0" encoding="utf-8"?>
-<p:sldLayout xmlns:a="http://schemas.openxmlformats.org/drawingml/2006/main" xmlns:r="http://schemas.openxmlformats.org/officeDocument/2006/relationships" xmlns:mc="http://schemas.openxmlformats.org/markup-compatibility/2006" xmlns:mv="urn:schemas-microsoft-com:mac:vml" xmlns:p="http://schemas.openxmlformats.org/presentationml/2006/main" xmlns:c="http://schemas.openxmlformats.org/drawingml/2006/chart" xmlns:dgm="http://schemas.openxmlformats.org/drawingml/2006/diagram" xmlns:o="urn:schemas-microsoft-com:office:office" xmlns:v="urn:schemas-microsoft-com:vml" xmlns:pvml="urn:schemas-microsoft-com:office:powerpoint" xmlns:com="http://schemas.openxmlformats.org/drawingml/2006/compatibility" xmlns:p14="http://schemas.microsoft.com/office/powerpoint/2010/main" xmlns:p15="http://schemas.microsoft.com/office/powerpoint/2012/main" xmlns:ahyp="http://schemas.microsoft.com/office/drawing/2018/hyperlinkcolor" matchingName="Section title and description">
+<p:sldLayout xmlns:a="http://schemas.openxmlformats.org/drawingml/2006/main" xmlns:r="http://schemas.openxmlformats.org/officeDocument/2006/relationships" xmlns:p="http://schemas.openxmlformats.org/presentationml/2006/main" matchingName="Section title and description">
   <p:cSld name="SECTION_TITLE_AND_DESCRIPTION">
     <p:spTree>
       <p:nvGrpSpPr>
-        <p:cNvPr id="91" name="Shape 91"/>
+        <p:cNvPr id="1" name="Shape 91"/>
         <p:cNvGrpSpPr/>
         <p:nvPr/>
       </p:nvGrpSpPr>
@@ -8039,7 +7972,7 @@
             </a:xfrm>
             <a:prstGeom prst="diagStripe">
               <a:avLst>
-                <a:gd fmla="val 50000" name="adj"/>
+                <a:gd name="adj" fmla="val 50000"/>
               </a:avLst>
             </a:prstGeom>
             <a:solidFill>
@@ -8050,12 +7983,12 @@
             </a:ln>
           </p:spPr>
           <p:txBody>
-            <a:bodyPr anchorCtr="0" anchor="ctr" bIns="91425" lIns="91425" spcFirstLastPara="1" rIns="91425" wrap="square" tIns="91425">
+            <a:bodyPr spcFirstLastPara="1" wrap="square" lIns="91425" tIns="91425" rIns="91425" bIns="91425" anchor="ctr" anchorCtr="0">
               <a:noAutofit/>
             </a:bodyPr>
             <a:lstStyle/>
             <a:p>
-              <a:pPr indent="0" lvl="0" marL="0" rtl="0" algn="l">
+              <a:pPr marL="0" lvl="0" indent="0" algn="l" rtl="0">
                 <a:spcBef>
                   <a:spcPts val="0"/>
                 </a:spcBef>
@@ -8064,9 +7997,6 @@
                 </a:spcAft>
                 <a:buNone/>
               </a:pPr>
-              <a:r>
-                <a:t/>
-              </a:r>
               <a:endParaRPr/>
             </a:p>
           </p:txBody>
@@ -8084,7 +8014,7 @@
             </a:xfrm>
             <a:prstGeom prst="diagStripe">
               <a:avLst>
-                <a:gd fmla="val 50000" name="adj"/>
+                <a:gd name="adj" fmla="val 50000"/>
               </a:avLst>
             </a:prstGeom>
             <a:solidFill>
@@ -8095,12 +8025,12 @@
             </a:ln>
           </p:spPr>
           <p:txBody>
-            <a:bodyPr anchorCtr="0" anchor="ctr" bIns="91425" lIns="91425" spcFirstLastPara="1" rIns="91425" wrap="square" tIns="91425">
+            <a:bodyPr spcFirstLastPara="1" wrap="square" lIns="91425" tIns="91425" rIns="91425" bIns="91425" anchor="ctr" anchorCtr="0">
               <a:noAutofit/>
             </a:bodyPr>
             <a:lstStyle/>
             <a:p>
-              <a:pPr indent="0" lvl="0" marL="0" rtl="0" algn="l">
+              <a:pPr marL="0" lvl="0" indent="0" algn="l" rtl="0">
                 <a:spcBef>
                   <a:spcPts val="0"/>
                 </a:spcBef>
@@ -8109,9 +8039,6 @@
                 </a:spcAft>
                 <a:buNone/>
               </a:pPr>
-              <a:r>
-                <a:t/>
-              </a:r>
               <a:endParaRPr/>
             </a:p>
           </p:txBody>
@@ -8120,7 +8047,9 @@
       <p:sp>
         <p:nvSpPr>
           <p:cNvPr id="95" name="Google Shape;95;p9"/>
-          <p:cNvSpPr txBox="1"/>
+          <p:cNvSpPr txBox="1">
+            <a:spLocks noGrp="1"/>
+          </p:cNvSpPr>
           <p:nvPr>
             <p:ph type="title"/>
           </p:nvPr>
@@ -8135,7 +8064,7 @@
           </a:prstGeom>
         </p:spPr>
         <p:txBody>
-          <a:bodyPr anchorCtr="0" anchor="t" bIns="91425" lIns="91425" spcFirstLastPara="1" rIns="91425" wrap="square" tIns="91425">
+          <a:bodyPr spcFirstLastPara="1" wrap="square" lIns="91425" tIns="91425" rIns="91425" bIns="91425" anchor="t" anchorCtr="0">
             <a:normAutofit/>
           </a:bodyPr>
           <a:lstStyle>
@@ -8239,15 +8168,19 @@
               <a:defRPr sz="2400"/>
             </a:lvl9pPr>
           </a:lstStyle>
-          <a:p/>
+          <a:p>
+            <a:endParaRPr/>
+          </a:p>
         </p:txBody>
       </p:sp>
       <p:sp>
         <p:nvSpPr>
           <p:cNvPr id="96" name="Google Shape;96;p9"/>
-          <p:cNvSpPr txBox="1"/>
+          <p:cNvSpPr txBox="1">
+            <a:spLocks noGrp="1"/>
+          </p:cNvSpPr>
           <p:nvPr>
-            <p:ph idx="1" type="subTitle"/>
+            <p:ph type="subTitle" idx="1"/>
           </p:nvPr>
         </p:nvSpPr>
         <p:spPr>
@@ -8260,7 +8193,7 @@
           </a:prstGeom>
         </p:spPr>
         <p:txBody>
-          <a:bodyPr anchorCtr="0" anchor="t" bIns="91425" lIns="91425" spcFirstLastPara="1" rIns="91425" wrap="square" tIns="91425">
+          <a:bodyPr spcFirstLastPara="1" wrap="square" lIns="91425" tIns="91425" rIns="91425" bIns="91425" anchor="t" anchorCtr="0">
             <a:normAutofit/>
           </a:bodyPr>
           <a:lstStyle>
@@ -8391,15 +8324,19 @@
               <a:defRPr sz="1300"/>
             </a:lvl9pPr>
           </a:lstStyle>
-          <a:p/>
+          <a:p>
+            <a:endParaRPr/>
+          </a:p>
         </p:txBody>
       </p:sp>
       <p:sp>
         <p:nvSpPr>
           <p:cNvPr id="97" name="Google Shape;97;p9"/>
-          <p:cNvSpPr txBox="1"/>
+          <p:cNvSpPr txBox="1">
+            <a:spLocks noGrp="1"/>
+          </p:cNvSpPr>
           <p:nvPr>
-            <p:ph idx="2" type="body"/>
+            <p:ph type="body" idx="2"/>
           </p:nvPr>
         </p:nvSpPr>
         <p:spPr>
@@ -8412,11 +8349,11 @@
           </a:prstGeom>
         </p:spPr>
         <p:txBody>
-          <a:bodyPr anchorCtr="0" anchor="t" bIns="91425" lIns="91425" spcFirstLastPara="1" rIns="91425" wrap="square" tIns="91425">
+          <a:bodyPr spcFirstLastPara="1" wrap="square" lIns="91425" tIns="91425" rIns="91425" bIns="91425" anchor="t" anchorCtr="0">
             <a:normAutofit/>
           </a:bodyPr>
           <a:lstStyle>
-            <a:lvl1pPr indent="-311150" lvl="0" marL="457200">
+            <a:lvl1pPr marL="457200" lvl="0" indent="-311150">
               <a:spcBef>
                 <a:spcPts val="0"/>
               </a:spcBef>
@@ -8427,7 +8364,7 @@
               <a:buChar char="●"/>
               <a:defRPr/>
             </a:lvl1pPr>
-            <a:lvl2pPr indent="-298450" lvl="1" marL="914400">
+            <a:lvl2pPr marL="914400" lvl="1" indent="-298450">
               <a:spcBef>
                 <a:spcPts val="0"/>
               </a:spcBef>
@@ -8438,7 +8375,7 @@
               <a:buChar char="○"/>
               <a:defRPr/>
             </a:lvl2pPr>
-            <a:lvl3pPr indent="-298450" lvl="2" marL="1371600">
+            <a:lvl3pPr marL="1371600" lvl="2" indent="-298450">
               <a:spcBef>
                 <a:spcPts val="0"/>
               </a:spcBef>
@@ -8449,7 +8386,7 @@
               <a:buChar char="■"/>
               <a:defRPr/>
             </a:lvl3pPr>
-            <a:lvl4pPr indent="-298450" lvl="3" marL="1828800">
+            <a:lvl4pPr marL="1828800" lvl="3" indent="-298450">
               <a:spcBef>
                 <a:spcPts val="0"/>
               </a:spcBef>
@@ -8460,7 +8397,7 @@
               <a:buChar char="●"/>
               <a:defRPr/>
             </a:lvl4pPr>
-            <a:lvl5pPr indent="-298450" lvl="4" marL="2286000">
+            <a:lvl5pPr marL="2286000" lvl="4" indent="-298450">
               <a:spcBef>
                 <a:spcPts val="0"/>
               </a:spcBef>
@@ -8471,7 +8408,7 @@
               <a:buChar char="○"/>
               <a:defRPr/>
             </a:lvl5pPr>
-            <a:lvl6pPr indent="-298450" lvl="5" marL="2743200">
+            <a:lvl6pPr marL="2743200" lvl="5" indent="-298450">
               <a:spcBef>
                 <a:spcPts val="0"/>
               </a:spcBef>
@@ -8482,7 +8419,7 @@
               <a:buChar char="■"/>
               <a:defRPr/>
             </a:lvl6pPr>
-            <a:lvl7pPr indent="-298450" lvl="6" marL="3200400">
+            <a:lvl7pPr marL="3200400" lvl="6" indent="-298450">
               <a:spcBef>
                 <a:spcPts val="0"/>
               </a:spcBef>
@@ -8493,7 +8430,7 @@
               <a:buChar char="●"/>
               <a:defRPr/>
             </a:lvl7pPr>
-            <a:lvl8pPr indent="-298450" lvl="7" marL="3657600">
+            <a:lvl8pPr marL="3657600" lvl="7" indent="-298450">
               <a:spcBef>
                 <a:spcPts val="0"/>
               </a:spcBef>
@@ -8504,7 +8441,7 @@
               <a:buChar char="○"/>
               <a:defRPr/>
             </a:lvl8pPr>
-            <a:lvl9pPr indent="-298450" lvl="8" marL="4114800">
+            <a:lvl9pPr marL="4114800" lvl="8" indent="-298450">
               <a:spcBef>
                 <a:spcPts val="0"/>
               </a:spcBef>
@@ -8516,15 +8453,19 @@
               <a:defRPr/>
             </a:lvl9pPr>
           </a:lstStyle>
-          <a:p/>
+          <a:p>
+            <a:endParaRPr/>
+          </a:p>
         </p:txBody>
       </p:sp>
       <p:sp>
         <p:nvSpPr>
           <p:cNvPr id="98" name="Google Shape;98;p9"/>
-          <p:cNvSpPr txBox="1"/>
+          <p:cNvSpPr txBox="1">
+            <a:spLocks noGrp="1"/>
+          </p:cNvSpPr>
           <p:nvPr>
-            <p:ph idx="12" type="sldNum"/>
+            <p:ph type="sldNum" idx="12"/>
           </p:nvPr>
         </p:nvSpPr>
         <p:spPr>
@@ -8537,7 +8478,7 @@
           </a:prstGeom>
         </p:spPr>
         <p:txBody>
-          <a:bodyPr anchorCtr="0" anchor="ctr" bIns="91425" lIns="91425" spcFirstLastPara="1" rIns="91425" wrap="square" tIns="91425">
+          <a:bodyPr spcFirstLastPara="1" wrap="square" lIns="91425" tIns="91425" rIns="91425" bIns="91425" anchor="ctr" anchorCtr="0">
             <a:normAutofit/>
           </a:bodyPr>
           <a:lstStyle>
@@ -8579,7 +8520,7 @@
             </a:lvl9pPr>
           </a:lstStyle>
           <a:p>
-            <a:pPr indent="0" lvl="0" marL="0" rtl="0" algn="r">
+            <a:pPr marL="0" lvl="0" indent="0" algn="r" rtl="0">
               <a:spcBef>
                 <a:spcPts val="0"/>
               </a:spcBef>
@@ -8605,11 +8546,11 @@
 </file>
 
 <file path=ppt/slideLayouts/slideLayout9.xml><?xml version="1.0" encoding="utf-8"?>
-<p:sldLayout xmlns:a="http://schemas.openxmlformats.org/drawingml/2006/main" xmlns:r="http://schemas.openxmlformats.org/officeDocument/2006/relationships" xmlns:mc="http://schemas.openxmlformats.org/markup-compatibility/2006" xmlns:mv="urn:schemas-microsoft-com:mac:vml" xmlns:p="http://schemas.openxmlformats.org/presentationml/2006/main" xmlns:c="http://schemas.openxmlformats.org/drawingml/2006/chart" xmlns:dgm="http://schemas.openxmlformats.org/drawingml/2006/diagram" xmlns:o="urn:schemas-microsoft-com:office:office" xmlns:v="urn:schemas-microsoft-com:vml" xmlns:pvml="urn:schemas-microsoft-com:office:powerpoint" xmlns:com="http://schemas.openxmlformats.org/drawingml/2006/compatibility" xmlns:p14="http://schemas.microsoft.com/office/powerpoint/2010/main" xmlns:p15="http://schemas.microsoft.com/office/powerpoint/2012/main" xmlns:ahyp="http://schemas.microsoft.com/office/drawing/2018/hyperlinkcolor" matchingName="Caption">
+<p:sldLayout xmlns:a="http://schemas.openxmlformats.org/drawingml/2006/main" xmlns:r="http://schemas.openxmlformats.org/officeDocument/2006/relationships" xmlns:p="http://schemas.openxmlformats.org/presentationml/2006/main" matchingName="Caption">
   <p:cSld name="CAPTION_ONLY">
     <p:spTree>
       <p:nvGrpSpPr>
-        <p:cNvPr id="99" name="Shape 99"/>
+        <p:cNvPr id="1" name="Shape 99"/>
         <p:cNvGrpSpPr/>
         <p:nvPr/>
       </p:nvGrpSpPr>
@@ -8648,7 +8589,7 @@
             </a:xfrm>
             <a:prstGeom prst="diagStripe">
               <a:avLst>
-                <a:gd fmla="val 50000" name="adj"/>
+                <a:gd name="adj" fmla="val 50000"/>
               </a:avLst>
             </a:prstGeom>
             <a:solidFill>
@@ -8661,12 +8602,12 @@
             </a:ln>
           </p:spPr>
           <p:txBody>
-            <a:bodyPr anchorCtr="0" anchor="ctr" bIns="91425" lIns="91425" spcFirstLastPara="1" rIns="91425" wrap="square" tIns="91425">
+            <a:bodyPr spcFirstLastPara="1" wrap="square" lIns="91425" tIns="91425" rIns="91425" bIns="91425" anchor="ctr" anchorCtr="0">
               <a:noAutofit/>
             </a:bodyPr>
             <a:lstStyle/>
             <a:p>
-              <a:pPr indent="0" lvl="0" marL="0" rtl="0" algn="l">
+              <a:pPr marL="0" lvl="0" indent="0" algn="l" rtl="0">
                 <a:spcBef>
                   <a:spcPts val="0"/>
                 </a:spcBef>
@@ -8675,9 +8616,6 @@
                 </a:spcAft>
                 <a:buNone/>
               </a:pPr>
-              <a:r>
-                <a:t/>
-              </a:r>
               <a:endParaRPr/>
             </a:p>
           </p:txBody>
@@ -8695,7 +8633,7 @@
             </a:xfrm>
             <a:prstGeom prst="diagStripe">
               <a:avLst>
-                <a:gd fmla="val 50000" name="adj"/>
+                <a:gd name="adj" fmla="val 50000"/>
               </a:avLst>
             </a:prstGeom>
             <a:solidFill>
@@ -8708,12 +8646,12 @@
             </a:ln>
           </p:spPr>
           <p:txBody>
-            <a:bodyPr anchorCtr="0" anchor="ctr" bIns="91425" lIns="91425" spcFirstLastPara="1" rIns="91425" wrap="square" tIns="91425">
+            <a:bodyPr spcFirstLastPara="1" wrap="square" lIns="91425" tIns="91425" rIns="91425" bIns="91425" anchor="ctr" anchorCtr="0">
               <a:noAutofit/>
             </a:bodyPr>
             <a:lstStyle/>
             <a:p>
-              <a:pPr indent="0" lvl="0" marL="0" rtl="0" algn="l">
+              <a:pPr marL="0" lvl="0" indent="0" algn="l" rtl="0">
                 <a:spcBef>
                   <a:spcPts val="0"/>
                 </a:spcBef>
@@ -8722,9 +8660,6 @@
                 </a:spcAft>
                 <a:buNone/>
               </a:pPr>
-              <a:r>
-                <a:t/>
-              </a:r>
               <a:endParaRPr/>
             </a:p>
           </p:txBody>
@@ -8733,9 +8668,11 @@
       <p:sp>
         <p:nvSpPr>
           <p:cNvPr id="103" name="Google Shape;103;p10"/>
-          <p:cNvSpPr txBox="1"/>
+          <p:cNvSpPr txBox="1">
+            <a:spLocks noGrp="1"/>
+          </p:cNvSpPr>
           <p:nvPr>
-            <p:ph idx="1" type="body"/>
+            <p:ph type="body" idx="1"/>
           </p:nvPr>
         </p:nvSpPr>
         <p:spPr>
@@ -8748,11 +8685,11 @@
           </a:prstGeom>
         </p:spPr>
         <p:txBody>
-          <a:bodyPr anchorCtr="0" anchor="ctr" bIns="91425" lIns="91425" spcFirstLastPara="1" rIns="91425" wrap="square" tIns="91425">
+          <a:bodyPr spcFirstLastPara="1" wrap="square" lIns="91425" tIns="91425" rIns="91425" bIns="91425" anchor="ctr" anchorCtr="0">
             <a:normAutofit/>
           </a:bodyPr>
           <a:lstStyle>
-            <a:lvl1pPr indent="-228600" lvl="0" marL="457200">
+            <a:lvl1pPr marL="457200" lvl="0" indent="-228600">
               <a:lnSpc>
                 <a:spcPct val="100000"/>
               </a:lnSpc>
@@ -8767,15 +8704,19 @@
               <a:defRPr/>
             </a:lvl1pPr>
           </a:lstStyle>
-          <a:p/>
+          <a:p>
+            <a:endParaRPr/>
+          </a:p>
         </p:txBody>
       </p:sp>
       <p:sp>
         <p:nvSpPr>
           <p:cNvPr id="104" name="Google Shape;104;p10"/>
-          <p:cNvSpPr txBox="1"/>
+          <p:cNvSpPr txBox="1">
+            <a:spLocks noGrp="1"/>
+          </p:cNvSpPr>
           <p:nvPr>
-            <p:ph idx="12" type="sldNum"/>
+            <p:ph type="sldNum" idx="12"/>
           </p:nvPr>
         </p:nvSpPr>
         <p:spPr>
@@ -8788,7 +8729,7 @@
           </a:prstGeom>
         </p:spPr>
         <p:txBody>
-          <a:bodyPr anchorCtr="0" anchor="ctr" bIns="91425" lIns="91425" spcFirstLastPara="1" rIns="91425" wrap="square" tIns="91425">
+          <a:bodyPr spcFirstLastPara="1" wrap="square" lIns="91425" tIns="91425" rIns="91425" bIns="91425" anchor="ctr" anchorCtr="0">
             <a:normAutofit/>
           </a:bodyPr>
           <a:lstStyle>
@@ -8830,7 +8771,7 @@
             </a:lvl9pPr>
           </a:lstStyle>
           <a:p>
-            <a:pPr indent="0" lvl="0" marL="0" rtl="0" algn="r">
+            <a:pPr marL="0" lvl="0" indent="0" algn="r" rtl="0">
               <a:spcBef>
                 <a:spcPts val="0"/>
               </a:spcBef>
@@ -8856,18 +8797,19 @@
 </file>
 
 <file path=ppt/slideMasters/slideMaster1.xml><?xml version="1.0" encoding="utf-8"?>
-<p:sldMaster xmlns:a="http://schemas.openxmlformats.org/drawingml/2006/main" xmlns:r="http://schemas.openxmlformats.org/officeDocument/2006/relationships" xmlns:mc="http://schemas.openxmlformats.org/markup-compatibility/2006" xmlns:mv="urn:schemas-microsoft-com:mac:vml" xmlns:p="http://schemas.openxmlformats.org/presentationml/2006/main" xmlns:c="http://schemas.openxmlformats.org/drawingml/2006/chart" xmlns:dgm="http://schemas.openxmlformats.org/drawingml/2006/diagram" xmlns:o="urn:schemas-microsoft-com:office:office" xmlns:v="urn:schemas-microsoft-com:vml" xmlns:pvml="urn:schemas-microsoft-com:office:powerpoint" xmlns:com="http://schemas.openxmlformats.org/drawingml/2006/compatibility" xmlns:p14="http://schemas.microsoft.com/office/powerpoint/2010/main" xmlns:p15="http://schemas.microsoft.com/office/powerpoint/2012/main" xmlns:ahyp="http://schemas.microsoft.com/office/drawing/2018/hyperlinkcolor">
+<p:sldMaster xmlns:a="http://schemas.openxmlformats.org/drawingml/2006/main" xmlns:r="http://schemas.openxmlformats.org/officeDocument/2006/relationships" xmlns:p="http://schemas.openxmlformats.org/presentationml/2006/main">
   <p:cSld name="focus">
     <p:bg>
       <p:bgPr>
         <a:solidFill>
           <a:schemeClr val="dk1"/>
         </a:solidFill>
+        <a:effectLst/>
       </p:bgPr>
     </p:bg>
     <p:spTree>
       <p:nvGrpSpPr>
-        <p:cNvPr id="5" name="Shape 5"/>
+        <p:cNvPr id="1" name="Shape 5"/>
         <p:cNvGrpSpPr/>
         <p:nvPr/>
       </p:nvGrpSpPr>
@@ -8882,7 +8824,9 @@
       <p:sp>
         <p:nvSpPr>
           <p:cNvPr id="6" name="Google Shape;6;p1"/>
-          <p:cNvSpPr txBox="1"/>
+          <p:cNvSpPr txBox="1">
+            <a:spLocks noGrp="1"/>
+          </p:cNvSpPr>
           <p:nvPr>
             <p:ph type="title"/>
           </p:nvPr>
@@ -8901,7 +8845,7 @@
           </a:ln>
         </p:spPr>
         <p:txBody>
-          <a:bodyPr anchorCtr="0" anchor="t" bIns="91425" lIns="91425" spcFirstLastPara="1" rIns="91425" wrap="square" tIns="91425">
+          <a:bodyPr spcFirstLastPara="1" wrap="square" lIns="91425" tIns="91425" rIns="91425" bIns="91425" anchor="t" anchorCtr="0">
             <a:normAutofit/>
           </a:bodyPr>
           <a:lstStyle>
@@ -9113,15 +9057,19 @@
               </a:defRPr>
             </a:lvl9pPr>
           </a:lstStyle>
-          <a:p/>
+          <a:p>
+            <a:endParaRPr/>
+          </a:p>
         </p:txBody>
       </p:sp>
       <p:sp>
         <p:nvSpPr>
           <p:cNvPr id="7" name="Google Shape;7;p1"/>
-          <p:cNvSpPr txBox="1"/>
+          <p:cNvSpPr txBox="1">
+            <a:spLocks noGrp="1"/>
+          </p:cNvSpPr>
           <p:nvPr>
-            <p:ph idx="1" type="body"/>
+            <p:ph type="body" idx="1"/>
           </p:nvPr>
         </p:nvSpPr>
         <p:spPr>
@@ -9138,11 +9086,11 @@
           </a:ln>
         </p:spPr>
         <p:txBody>
-          <a:bodyPr anchorCtr="0" anchor="t" bIns="91425" lIns="91425" spcFirstLastPara="1" rIns="91425" wrap="square" tIns="91425">
+          <a:bodyPr spcFirstLastPara="1" wrap="square" lIns="91425" tIns="91425" rIns="91425" bIns="91425" anchor="t" anchorCtr="0">
             <a:normAutofit/>
           </a:bodyPr>
           <a:lstStyle>
-            <a:lvl1pPr indent="-311150" lvl="0" marL="457200">
+            <a:lvl1pPr marL="457200" lvl="0" indent="-311150">
               <a:lnSpc>
                 <a:spcPct val="115000"/>
               </a:lnSpc>
@@ -9168,7 +9116,7 @@
                 <a:sym typeface="Lato"/>
               </a:defRPr>
             </a:lvl1pPr>
-            <a:lvl2pPr indent="-298450" lvl="1" marL="914400">
+            <a:lvl2pPr marL="914400" lvl="1" indent="-298450">
               <a:lnSpc>
                 <a:spcPct val="115000"/>
               </a:lnSpc>
@@ -9194,7 +9142,7 @@
                 <a:sym typeface="Lato"/>
               </a:defRPr>
             </a:lvl2pPr>
-            <a:lvl3pPr indent="-298450" lvl="2" marL="1371600">
+            <a:lvl3pPr marL="1371600" lvl="2" indent="-298450">
               <a:lnSpc>
                 <a:spcPct val="115000"/>
               </a:lnSpc>
@@ -9220,7 +9168,7 @@
                 <a:sym typeface="Lato"/>
               </a:defRPr>
             </a:lvl3pPr>
-            <a:lvl4pPr indent="-298450" lvl="3" marL="1828800">
+            <a:lvl4pPr marL="1828800" lvl="3" indent="-298450">
               <a:lnSpc>
                 <a:spcPct val="115000"/>
               </a:lnSpc>
@@ -9246,7 +9194,7 @@
                 <a:sym typeface="Lato"/>
               </a:defRPr>
             </a:lvl4pPr>
-            <a:lvl5pPr indent="-298450" lvl="4" marL="2286000">
+            <a:lvl5pPr marL="2286000" lvl="4" indent="-298450">
               <a:lnSpc>
                 <a:spcPct val="115000"/>
               </a:lnSpc>
@@ -9272,7 +9220,7 @@
                 <a:sym typeface="Lato"/>
               </a:defRPr>
             </a:lvl5pPr>
-            <a:lvl6pPr indent="-298450" lvl="5" marL="2743200">
+            <a:lvl6pPr marL="2743200" lvl="5" indent="-298450">
               <a:lnSpc>
                 <a:spcPct val="115000"/>
               </a:lnSpc>
@@ -9298,7 +9246,7 @@
                 <a:sym typeface="Lato"/>
               </a:defRPr>
             </a:lvl6pPr>
-            <a:lvl7pPr indent="-298450" lvl="6" marL="3200400">
+            <a:lvl7pPr marL="3200400" lvl="6" indent="-298450">
               <a:lnSpc>
                 <a:spcPct val="115000"/>
               </a:lnSpc>
@@ -9324,7 +9272,7 @@
                 <a:sym typeface="Lato"/>
               </a:defRPr>
             </a:lvl7pPr>
-            <a:lvl8pPr indent="-298450" lvl="7" marL="3657600">
+            <a:lvl8pPr marL="3657600" lvl="7" indent="-298450">
               <a:lnSpc>
                 <a:spcPct val="115000"/>
               </a:lnSpc>
@@ -9350,7 +9298,7 @@
                 <a:sym typeface="Lato"/>
               </a:defRPr>
             </a:lvl8pPr>
-            <a:lvl9pPr indent="-298450" lvl="8" marL="4114800">
+            <a:lvl9pPr marL="4114800" lvl="8" indent="-298450">
               <a:lnSpc>
                 <a:spcPct val="115000"/>
               </a:lnSpc>
@@ -9377,15 +9325,19 @@
               </a:defRPr>
             </a:lvl9pPr>
           </a:lstStyle>
-          <a:p/>
+          <a:p>
+            <a:endParaRPr/>
+          </a:p>
         </p:txBody>
       </p:sp>
       <p:sp>
         <p:nvSpPr>
           <p:cNvPr id="8" name="Google Shape;8;p1"/>
-          <p:cNvSpPr txBox="1"/>
+          <p:cNvSpPr txBox="1">
+            <a:spLocks noGrp="1"/>
+          </p:cNvSpPr>
           <p:nvPr>
-            <p:ph idx="12" type="sldNum"/>
+            <p:ph type="sldNum" idx="12"/>
           </p:nvPr>
         </p:nvSpPr>
         <p:spPr>
@@ -9402,7 +9354,7 @@
           </a:ln>
         </p:spPr>
         <p:txBody>
-          <a:bodyPr anchorCtr="0" anchor="ctr" bIns="91425" lIns="91425" spcFirstLastPara="1" rIns="91425" wrap="square" tIns="91425">
+          <a:bodyPr spcFirstLastPara="1" wrap="square" lIns="91425" tIns="91425" rIns="91425" bIns="91425" anchor="ctr" anchorCtr="0">
             <a:normAutofit/>
           </a:bodyPr>
           <a:lstStyle>
@@ -9516,7 +9468,7 @@
             </a:lvl9pPr>
           </a:lstStyle>
           <a:p>
-            <a:pPr indent="0" lvl="0" marL="0" rtl="0" algn="r">
+            <a:pPr marL="0" lvl="0" indent="0" algn="r" rtl="0">
               <a:spcBef>
                 <a:spcPts val="0"/>
               </a:spcBef>
@@ -9535,7 +9487,7 @@
       </p:sp>
     </p:spTree>
   </p:cSld>
-  <p:clrMap accent1="accent1" accent2="accent2" accent3="accent3" accent4="accent4" accent5="accent5" accent6="accent6" bg1="lt1" bg2="dk2" tx1="dk1" tx2="lt2" folHlink="folHlink" hlink="hlink"/>
+  <p:clrMap bg1="lt1" tx1="dk1" bg2="dk2" tx2="lt2" accent1="accent1" accent2="accent2" accent3="accent3" accent4="accent4" accent5="accent5" accent6="accent6" hlink="hlink" folHlink="folHlink"/>
   <p:sldLayoutIdLst>
     <p:sldLayoutId id="2147483648" r:id="rId1"/>
     <p:sldLayoutId id="2147483649" r:id="rId2"/>
@@ -9549,10 +9501,10 @@
     <p:sldLayoutId id="2147483657" r:id="rId10"/>
     <p:sldLayoutId id="2147483658" r:id="rId11"/>
   </p:sldLayoutIdLst>
-  <p:hf dt="0" ftr="0" hdr="0" sldNum="0"/>
+  <p:hf sldNum="0" hdr="0" ftr="0" dt="0"/>
   <p:txStyles>
     <p:titleStyle>
-      <a:defPPr lvl="0" marR="0" rtl="0" algn="l">
+      <a:defPPr marR="0" lvl="0" algn="l" rtl="0">
         <a:lnSpc>
           <a:spcPct val="100000"/>
         </a:lnSpc>
@@ -9563,7 +9515,7 @@
           <a:spcPts val="0"/>
         </a:spcAft>
       </a:defPPr>
-      <a:lvl1pPr lvl="0" marR="0" rtl="0" algn="l">
+      <a:lvl1pPr marR="0" lvl="0" algn="l" rtl="0">
         <a:lnSpc>
           <a:spcPct val="100000"/>
         </a:lnSpc>
@@ -9577,7 +9529,7 @@
           <a:srgbClr val="000000"/>
         </a:buClr>
         <a:buFont typeface="Arial"/>
-        <a:defRPr b="0" i="0" sz="1400" u="none" cap="none" strike="noStrike">
+        <a:defRPr sz="1400" b="0" i="0" u="none" strike="noStrike" cap="none">
           <a:solidFill>
             <a:srgbClr val="000000"/>
           </a:solidFill>
@@ -9587,7 +9539,7 @@
           <a:sym typeface="Arial"/>
         </a:defRPr>
       </a:lvl1pPr>
-      <a:lvl2pPr lvl="1" marR="0" rtl="0" algn="l">
+      <a:lvl2pPr marR="0" lvl="1" algn="l" rtl="0">
         <a:lnSpc>
           <a:spcPct val="100000"/>
         </a:lnSpc>
@@ -9601,7 +9553,7 @@
           <a:srgbClr val="000000"/>
         </a:buClr>
         <a:buFont typeface="Arial"/>
-        <a:defRPr b="0" i="0" sz="1400" u="none" cap="none" strike="noStrike">
+        <a:defRPr sz="1400" b="0" i="0" u="none" strike="noStrike" cap="none">
           <a:solidFill>
             <a:srgbClr val="000000"/>
           </a:solidFill>
@@ -9611,7 +9563,7 @@
           <a:sym typeface="Arial"/>
         </a:defRPr>
       </a:lvl2pPr>
-      <a:lvl3pPr lvl="2" marR="0" rtl="0" algn="l">
+      <a:lvl3pPr marR="0" lvl="2" algn="l" rtl="0">
         <a:lnSpc>
           <a:spcPct val="100000"/>
         </a:lnSpc>
@@ -9625,7 +9577,7 @@
           <a:srgbClr val="000000"/>
         </a:buClr>
         <a:buFont typeface="Arial"/>
-        <a:defRPr b="0" i="0" sz="1400" u="none" cap="none" strike="noStrike">
+        <a:defRPr sz="1400" b="0" i="0" u="none" strike="noStrike" cap="none">
           <a:solidFill>
             <a:srgbClr val="000000"/>
           </a:solidFill>
@@ -9635,7 +9587,7 @@
           <a:sym typeface="Arial"/>
         </a:defRPr>
       </a:lvl3pPr>
-      <a:lvl4pPr lvl="3" marR="0" rtl="0" algn="l">
+      <a:lvl4pPr marR="0" lvl="3" algn="l" rtl="0">
         <a:lnSpc>
           <a:spcPct val="100000"/>
         </a:lnSpc>
@@ -9649,7 +9601,7 @@
           <a:srgbClr val="000000"/>
         </a:buClr>
         <a:buFont typeface="Arial"/>
-        <a:defRPr b="0" i="0" sz="1400" u="none" cap="none" strike="noStrike">
+        <a:defRPr sz="1400" b="0" i="0" u="none" strike="noStrike" cap="none">
           <a:solidFill>
             <a:srgbClr val="000000"/>
           </a:solidFill>
@@ -9659,7 +9611,7 @@
           <a:sym typeface="Arial"/>
         </a:defRPr>
       </a:lvl4pPr>
-      <a:lvl5pPr lvl="4" marR="0" rtl="0" algn="l">
+      <a:lvl5pPr marR="0" lvl="4" algn="l" rtl="0">
         <a:lnSpc>
           <a:spcPct val="100000"/>
         </a:lnSpc>
@@ -9673,7 +9625,7 @@
           <a:srgbClr val="000000"/>
         </a:buClr>
         <a:buFont typeface="Arial"/>
-        <a:defRPr b="0" i="0" sz="1400" u="none" cap="none" strike="noStrike">
+        <a:defRPr sz="1400" b="0" i="0" u="none" strike="noStrike" cap="none">
           <a:solidFill>
             <a:srgbClr val="000000"/>
           </a:solidFill>
@@ -9683,7 +9635,7 @@
           <a:sym typeface="Arial"/>
         </a:defRPr>
       </a:lvl5pPr>
-      <a:lvl6pPr lvl="5" marR="0" rtl="0" algn="l">
+      <a:lvl6pPr marR="0" lvl="5" algn="l" rtl="0">
         <a:lnSpc>
           <a:spcPct val="100000"/>
         </a:lnSpc>
@@ -9697,7 +9649,7 @@
           <a:srgbClr val="000000"/>
         </a:buClr>
         <a:buFont typeface="Arial"/>
-        <a:defRPr b="0" i="0" sz="1400" u="none" cap="none" strike="noStrike">
+        <a:defRPr sz="1400" b="0" i="0" u="none" strike="noStrike" cap="none">
           <a:solidFill>
             <a:srgbClr val="000000"/>
           </a:solidFill>
@@ -9707,7 +9659,7 @@
           <a:sym typeface="Arial"/>
         </a:defRPr>
       </a:lvl6pPr>
-      <a:lvl7pPr lvl="6" marR="0" rtl="0" algn="l">
+      <a:lvl7pPr marR="0" lvl="6" algn="l" rtl="0">
         <a:lnSpc>
           <a:spcPct val="100000"/>
         </a:lnSpc>
@@ -9721,7 +9673,7 @@
           <a:srgbClr val="000000"/>
         </a:buClr>
         <a:buFont typeface="Arial"/>
-        <a:defRPr b="0" i="0" sz="1400" u="none" cap="none" strike="noStrike">
+        <a:defRPr sz="1400" b="0" i="0" u="none" strike="noStrike" cap="none">
           <a:solidFill>
             <a:srgbClr val="000000"/>
           </a:solidFill>
@@ -9731,7 +9683,7 @@
           <a:sym typeface="Arial"/>
         </a:defRPr>
       </a:lvl7pPr>
-      <a:lvl8pPr lvl="7" marR="0" rtl="0" algn="l">
+      <a:lvl8pPr marR="0" lvl="7" algn="l" rtl="0">
         <a:lnSpc>
           <a:spcPct val="100000"/>
         </a:lnSpc>
@@ -9745,7 +9697,7 @@
           <a:srgbClr val="000000"/>
         </a:buClr>
         <a:buFont typeface="Arial"/>
-        <a:defRPr b="0" i="0" sz="1400" u="none" cap="none" strike="noStrike">
+        <a:defRPr sz="1400" b="0" i="0" u="none" strike="noStrike" cap="none">
           <a:solidFill>
             <a:srgbClr val="000000"/>
           </a:solidFill>
@@ -9755,7 +9707,7 @@
           <a:sym typeface="Arial"/>
         </a:defRPr>
       </a:lvl8pPr>
-      <a:lvl9pPr lvl="8" marR="0" rtl="0" algn="l">
+      <a:lvl9pPr marR="0" lvl="8" algn="l" rtl="0">
         <a:lnSpc>
           <a:spcPct val="100000"/>
         </a:lnSpc>
@@ -9769,7 +9721,7 @@
           <a:srgbClr val="000000"/>
         </a:buClr>
         <a:buFont typeface="Arial"/>
-        <a:defRPr b="0" i="0" sz="1400" u="none" cap="none" strike="noStrike">
+        <a:defRPr sz="1400" b="0" i="0" u="none" strike="noStrike" cap="none">
           <a:solidFill>
             <a:srgbClr val="000000"/>
           </a:solidFill>
@@ -9781,7 +9733,7 @@
       </a:lvl9pPr>
     </p:titleStyle>
     <p:bodyStyle>
-      <a:defPPr lvl="0" marR="0" rtl="0" algn="l">
+      <a:defPPr marR="0" lvl="0" algn="l" rtl="0">
         <a:lnSpc>
           <a:spcPct val="100000"/>
         </a:lnSpc>
@@ -9792,7 +9744,7 @@
           <a:spcPts val="0"/>
         </a:spcAft>
       </a:defPPr>
-      <a:lvl1pPr lvl="0" marR="0" rtl="0" algn="l">
+      <a:lvl1pPr marR="0" lvl="0" algn="l" rtl="0">
         <a:lnSpc>
           <a:spcPct val="100000"/>
         </a:lnSpc>
@@ -9806,7 +9758,7 @@
           <a:srgbClr val="000000"/>
         </a:buClr>
         <a:buFont typeface="Arial"/>
-        <a:defRPr b="0" i="0" sz="1400" u="none" cap="none" strike="noStrike">
+        <a:defRPr sz="1400" b="0" i="0" u="none" strike="noStrike" cap="none">
           <a:solidFill>
             <a:srgbClr val="000000"/>
           </a:solidFill>
@@ -9816,7 +9768,7 @@
           <a:sym typeface="Arial"/>
         </a:defRPr>
       </a:lvl1pPr>
-      <a:lvl2pPr lvl="1" marR="0" rtl="0" algn="l">
+      <a:lvl2pPr marR="0" lvl="1" algn="l" rtl="0">
         <a:lnSpc>
           <a:spcPct val="100000"/>
         </a:lnSpc>
@@ -9830,7 +9782,7 @@
           <a:srgbClr val="000000"/>
         </a:buClr>
         <a:buFont typeface="Arial"/>
-        <a:defRPr b="0" i="0" sz="1400" u="none" cap="none" strike="noStrike">
+        <a:defRPr sz="1400" b="0" i="0" u="none" strike="noStrike" cap="none">
           <a:solidFill>
             <a:srgbClr val="000000"/>
           </a:solidFill>
@@ -9840,7 +9792,7 @@
           <a:sym typeface="Arial"/>
         </a:defRPr>
       </a:lvl2pPr>
-      <a:lvl3pPr lvl="2" marR="0" rtl="0" algn="l">
+      <a:lvl3pPr marR="0" lvl="2" algn="l" rtl="0">
         <a:lnSpc>
           <a:spcPct val="100000"/>
         </a:lnSpc>
@@ -9854,7 +9806,7 @@
           <a:srgbClr val="000000"/>
         </a:buClr>
         <a:buFont typeface="Arial"/>
-        <a:defRPr b="0" i="0" sz="1400" u="none" cap="none" strike="noStrike">
+        <a:defRPr sz="1400" b="0" i="0" u="none" strike="noStrike" cap="none">
           <a:solidFill>
             <a:srgbClr val="000000"/>
           </a:solidFill>
@@ -9864,7 +9816,7 @@
           <a:sym typeface="Arial"/>
         </a:defRPr>
       </a:lvl3pPr>
-      <a:lvl4pPr lvl="3" marR="0" rtl="0" algn="l">
+      <a:lvl4pPr marR="0" lvl="3" algn="l" rtl="0">
         <a:lnSpc>
           <a:spcPct val="100000"/>
         </a:lnSpc>
@@ -9878,7 +9830,7 @@
           <a:srgbClr val="000000"/>
         </a:buClr>
         <a:buFont typeface="Arial"/>
-        <a:defRPr b="0" i="0" sz="1400" u="none" cap="none" strike="noStrike">
+        <a:defRPr sz="1400" b="0" i="0" u="none" strike="noStrike" cap="none">
           <a:solidFill>
             <a:srgbClr val="000000"/>
           </a:solidFill>
@@ -9888,7 +9840,7 @@
           <a:sym typeface="Arial"/>
         </a:defRPr>
       </a:lvl4pPr>
-      <a:lvl5pPr lvl="4" marR="0" rtl="0" algn="l">
+      <a:lvl5pPr marR="0" lvl="4" algn="l" rtl="0">
         <a:lnSpc>
           <a:spcPct val="100000"/>
         </a:lnSpc>
@@ -9902,7 +9854,7 @@
           <a:srgbClr val="000000"/>
         </a:buClr>
         <a:buFont typeface="Arial"/>
-        <a:defRPr b="0" i="0" sz="1400" u="none" cap="none" strike="noStrike">
+        <a:defRPr sz="1400" b="0" i="0" u="none" strike="noStrike" cap="none">
           <a:solidFill>
             <a:srgbClr val="000000"/>
           </a:solidFill>
@@ -9912,7 +9864,7 @@
           <a:sym typeface="Arial"/>
         </a:defRPr>
       </a:lvl5pPr>
-      <a:lvl6pPr lvl="5" marR="0" rtl="0" algn="l">
+      <a:lvl6pPr marR="0" lvl="5" algn="l" rtl="0">
         <a:lnSpc>
           <a:spcPct val="100000"/>
         </a:lnSpc>
@@ -9926,7 +9878,7 @@
           <a:srgbClr val="000000"/>
         </a:buClr>
         <a:buFont typeface="Arial"/>
-        <a:defRPr b="0" i="0" sz="1400" u="none" cap="none" strike="noStrike">
+        <a:defRPr sz="1400" b="0" i="0" u="none" strike="noStrike" cap="none">
           <a:solidFill>
             <a:srgbClr val="000000"/>
           </a:solidFill>
@@ -9936,7 +9888,7 @@
           <a:sym typeface="Arial"/>
         </a:defRPr>
       </a:lvl6pPr>
-      <a:lvl7pPr lvl="6" marR="0" rtl="0" algn="l">
+      <a:lvl7pPr marR="0" lvl="6" algn="l" rtl="0">
         <a:lnSpc>
           <a:spcPct val="100000"/>
         </a:lnSpc>
@@ -9950,7 +9902,7 @@
           <a:srgbClr val="000000"/>
         </a:buClr>
         <a:buFont typeface="Arial"/>
-        <a:defRPr b="0" i="0" sz="1400" u="none" cap="none" strike="noStrike">
+        <a:defRPr sz="1400" b="0" i="0" u="none" strike="noStrike" cap="none">
           <a:solidFill>
             <a:srgbClr val="000000"/>
           </a:solidFill>
@@ -9960,7 +9912,7 @@
           <a:sym typeface="Arial"/>
         </a:defRPr>
       </a:lvl7pPr>
-      <a:lvl8pPr lvl="7" marR="0" rtl="0" algn="l">
+      <a:lvl8pPr marR="0" lvl="7" algn="l" rtl="0">
         <a:lnSpc>
           <a:spcPct val="100000"/>
         </a:lnSpc>
@@ -9974,7 +9926,7 @@
           <a:srgbClr val="000000"/>
         </a:buClr>
         <a:buFont typeface="Arial"/>
-        <a:defRPr b="0" i="0" sz="1400" u="none" cap="none" strike="noStrike">
+        <a:defRPr sz="1400" b="0" i="0" u="none" strike="noStrike" cap="none">
           <a:solidFill>
             <a:srgbClr val="000000"/>
           </a:solidFill>
@@ -9984,7 +9936,7 @@
           <a:sym typeface="Arial"/>
         </a:defRPr>
       </a:lvl8pPr>
-      <a:lvl9pPr lvl="8" marR="0" rtl="0" algn="l">
+      <a:lvl9pPr marR="0" lvl="8" algn="l" rtl="0">
         <a:lnSpc>
           <a:spcPct val="100000"/>
         </a:lnSpc>
@@ -9998,7 +9950,7 @@
           <a:srgbClr val="000000"/>
         </a:buClr>
         <a:buFont typeface="Arial"/>
-        <a:defRPr b="0" i="0" sz="1400" u="none" cap="none" strike="noStrike">
+        <a:defRPr sz="1400" b="0" i="0" u="none" strike="noStrike" cap="none">
           <a:solidFill>
             <a:srgbClr val="000000"/>
           </a:solidFill>
@@ -10010,7 +9962,7 @@
       </a:lvl9pPr>
     </p:bodyStyle>
     <p:otherStyle>
-      <a:defPPr lvl="0" marR="0" rtl="0" algn="l">
+      <a:defPPr marR="0" lvl="0" algn="l" rtl="0">
         <a:lnSpc>
           <a:spcPct val="100000"/>
         </a:lnSpc>
@@ -10021,7 +9973,7 @@
           <a:spcPts val="0"/>
         </a:spcAft>
       </a:defPPr>
-      <a:lvl1pPr lvl="0" marR="0" rtl="0" algn="l">
+      <a:lvl1pPr marR="0" lvl="0" algn="l" rtl="0">
         <a:lnSpc>
           <a:spcPct val="100000"/>
         </a:lnSpc>
@@ -10035,7 +9987,7 @@
           <a:srgbClr val="000000"/>
         </a:buClr>
         <a:buFont typeface="Arial"/>
-        <a:defRPr b="0" i="0" sz="1400" u="none" cap="none" strike="noStrike">
+        <a:defRPr sz="1400" b="0" i="0" u="none" strike="noStrike" cap="none">
           <a:solidFill>
             <a:srgbClr val="000000"/>
           </a:solidFill>
@@ -10045,7 +9997,7 @@
           <a:sym typeface="Arial"/>
         </a:defRPr>
       </a:lvl1pPr>
-      <a:lvl2pPr lvl="1" marR="0" rtl="0" algn="l">
+      <a:lvl2pPr marR="0" lvl="1" algn="l" rtl="0">
         <a:lnSpc>
           <a:spcPct val="100000"/>
         </a:lnSpc>
@@ -10059,7 +10011,7 @@
           <a:srgbClr val="000000"/>
         </a:buClr>
         <a:buFont typeface="Arial"/>
-        <a:defRPr b="0" i="0" sz="1400" u="none" cap="none" strike="noStrike">
+        <a:defRPr sz="1400" b="0" i="0" u="none" strike="noStrike" cap="none">
           <a:solidFill>
             <a:srgbClr val="000000"/>
           </a:solidFill>
@@ -10069,7 +10021,7 @@
           <a:sym typeface="Arial"/>
         </a:defRPr>
       </a:lvl2pPr>
-      <a:lvl3pPr lvl="2" marR="0" rtl="0" algn="l">
+      <a:lvl3pPr marR="0" lvl="2" algn="l" rtl="0">
         <a:lnSpc>
           <a:spcPct val="100000"/>
         </a:lnSpc>
@@ -10083,7 +10035,7 @@
           <a:srgbClr val="000000"/>
         </a:buClr>
         <a:buFont typeface="Arial"/>
-        <a:defRPr b="0" i="0" sz="1400" u="none" cap="none" strike="noStrike">
+        <a:defRPr sz="1400" b="0" i="0" u="none" strike="noStrike" cap="none">
           <a:solidFill>
             <a:srgbClr val="000000"/>
           </a:solidFill>
@@ -10093,7 +10045,7 @@
           <a:sym typeface="Arial"/>
         </a:defRPr>
       </a:lvl3pPr>
-      <a:lvl4pPr lvl="3" marR="0" rtl="0" algn="l">
+      <a:lvl4pPr marR="0" lvl="3" algn="l" rtl="0">
         <a:lnSpc>
           <a:spcPct val="100000"/>
         </a:lnSpc>
@@ -10107,7 +10059,7 @@
           <a:srgbClr val="000000"/>
         </a:buClr>
         <a:buFont typeface="Arial"/>
-        <a:defRPr b="0" i="0" sz="1400" u="none" cap="none" strike="noStrike">
+        <a:defRPr sz="1400" b="0" i="0" u="none" strike="noStrike" cap="none">
           <a:solidFill>
             <a:srgbClr val="000000"/>
           </a:solidFill>
@@ -10117,7 +10069,7 @@
           <a:sym typeface="Arial"/>
         </a:defRPr>
       </a:lvl4pPr>
-      <a:lvl5pPr lvl="4" marR="0" rtl="0" algn="l">
+      <a:lvl5pPr marR="0" lvl="4" algn="l" rtl="0">
         <a:lnSpc>
           <a:spcPct val="100000"/>
         </a:lnSpc>
@@ -10131,7 +10083,7 @@
           <a:srgbClr val="000000"/>
         </a:buClr>
         <a:buFont typeface="Arial"/>
-        <a:defRPr b="0" i="0" sz="1400" u="none" cap="none" strike="noStrike">
+        <a:defRPr sz="1400" b="0" i="0" u="none" strike="noStrike" cap="none">
           <a:solidFill>
             <a:srgbClr val="000000"/>
           </a:solidFill>
@@ -10141,7 +10093,7 @@
           <a:sym typeface="Arial"/>
         </a:defRPr>
       </a:lvl5pPr>
-      <a:lvl6pPr lvl="5" marR="0" rtl="0" algn="l">
+      <a:lvl6pPr marR="0" lvl="5" algn="l" rtl="0">
         <a:lnSpc>
           <a:spcPct val="100000"/>
         </a:lnSpc>
@@ -10155,7 +10107,7 @@
           <a:srgbClr val="000000"/>
         </a:buClr>
         <a:buFont typeface="Arial"/>
-        <a:defRPr b="0" i="0" sz="1400" u="none" cap="none" strike="noStrike">
+        <a:defRPr sz="1400" b="0" i="0" u="none" strike="noStrike" cap="none">
           <a:solidFill>
             <a:srgbClr val="000000"/>
           </a:solidFill>
@@ -10165,7 +10117,7 @@
           <a:sym typeface="Arial"/>
         </a:defRPr>
       </a:lvl6pPr>
-      <a:lvl7pPr lvl="6" marR="0" rtl="0" algn="l">
+      <a:lvl7pPr marR="0" lvl="6" algn="l" rtl="0">
         <a:lnSpc>
           <a:spcPct val="100000"/>
         </a:lnSpc>
@@ -10179,7 +10131,7 @@
           <a:srgbClr val="000000"/>
         </a:buClr>
         <a:buFont typeface="Arial"/>
-        <a:defRPr b="0" i="0" sz="1400" u="none" cap="none" strike="noStrike">
+        <a:defRPr sz="1400" b="0" i="0" u="none" strike="noStrike" cap="none">
           <a:solidFill>
             <a:srgbClr val="000000"/>
           </a:solidFill>
@@ -10189,7 +10141,7 @@
           <a:sym typeface="Arial"/>
         </a:defRPr>
       </a:lvl7pPr>
-      <a:lvl8pPr lvl="7" marR="0" rtl="0" algn="l">
+      <a:lvl8pPr marR="0" lvl="7" algn="l" rtl="0">
         <a:lnSpc>
           <a:spcPct val="100000"/>
         </a:lnSpc>
@@ -10203,7 +10155,7 @@
           <a:srgbClr val="000000"/>
         </a:buClr>
         <a:buFont typeface="Arial"/>
-        <a:defRPr b="0" i="0" sz="1400" u="none" cap="none" strike="noStrike">
+        <a:defRPr sz="1400" b="0" i="0" u="none" strike="noStrike" cap="none">
           <a:solidFill>
             <a:srgbClr val="000000"/>
           </a:solidFill>
@@ -10213,7 +10165,7 @@
           <a:sym typeface="Arial"/>
         </a:defRPr>
       </a:lvl8pPr>
-      <a:lvl9pPr lvl="8" marR="0" rtl="0" algn="l">
+      <a:lvl9pPr marR="0" lvl="8" algn="l" rtl="0">
         <a:lnSpc>
           <a:spcPct val="100000"/>
         </a:lnSpc>
@@ -10227,7 +10179,7 @@
           <a:srgbClr val="000000"/>
         </a:buClr>
         <a:buFont typeface="Arial"/>
-        <a:defRPr b="0" i="0" sz="1400" u="none" cap="none" strike="noStrike">
+        <a:defRPr sz="1400" b="0" i="0" u="none" strike="noStrike" cap="none">
           <a:solidFill>
             <a:srgbClr val="000000"/>
           </a:solidFill>
@@ -10243,11 +10195,11 @@
 </file>
 
 <file path=ppt/slides/slide1.xml><?xml version="1.0" encoding="utf-8"?>
-<p:sld xmlns:a="http://schemas.openxmlformats.org/drawingml/2006/main" xmlns:r="http://schemas.openxmlformats.org/officeDocument/2006/relationships" xmlns:mc="http://schemas.openxmlformats.org/markup-compatibility/2006" xmlns:mv="urn:schemas-microsoft-com:mac:vml" xmlns:p="http://schemas.openxmlformats.org/presentationml/2006/main" xmlns:c="http://schemas.openxmlformats.org/drawingml/2006/chart" xmlns:dgm="http://schemas.openxmlformats.org/drawingml/2006/diagram" xmlns:o="urn:schemas-microsoft-com:office:office" xmlns:v="urn:schemas-microsoft-com:vml" xmlns:pvml="urn:schemas-microsoft-com:office:powerpoint" xmlns:com="http://schemas.openxmlformats.org/drawingml/2006/compatibility" xmlns:p14="http://schemas.microsoft.com/office/powerpoint/2010/main" xmlns:p15="http://schemas.microsoft.com/office/powerpoint/2012/main" xmlns:ahyp="http://schemas.microsoft.com/office/drawing/2018/hyperlinkcolor">
+<p:sld xmlns:a="http://schemas.openxmlformats.org/drawingml/2006/main" xmlns:r="http://schemas.openxmlformats.org/officeDocument/2006/relationships" xmlns:p="http://schemas.openxmlformats.org/presentationml/2006/main">
   <p:cSld>
     <p:spTree>
       <p:nvGrpSpPr>
-        <p:cNvPr id="133" name="Shape 133"/>
+        <p:cNvPr id="1" name="Shape 133"/>
         <p:cNvGrpSpPr/>
         <p:nvPr/>
       </p:nvGrpSpPr>
@@ -10262,7 +10214,9 @@
       <p:sp>
         <p:nvSpPr>
           <p:cNvPr id="134" name="Google Shape;134;p13"/>
-          <p:cNvSpPr txBox="1"/>
+          <p:cNvSpPr txBox="1">
+            <a:spLocks noGrp="1"/>
+          </p:cNvSpPr>
           <p:nvPr>
             <p:ph type="ctrTitle"/>
           </p:nvPr>
@@ -10277,12 +10231,12 @@
           </a:prstGeom>
         </p:spPr>
         <p:txBody>
-          <a:bodyPr anchorCtr="0" anchor="t" bIns="91425" lIns="91425" spcFirstLastPara="1" rIns="91425" wrap="square" tIns="91425">
+          <a:bodyPr spcFirstLastPara="1" wrap="square" lIns="91425" tIns="91425" rIns="91425" bIns="91425" anchor="t" anchorCtr="0">
             <a:normAutofit/>
           </a:bodyPr>
           <a:lstStyle/>
           <a:p>
-            <a:pPr indent="0" lvl="0" marL="0" rtl="0" algn="l">
+            <a:pPr marL="0" lvl="0" indent="0" algn="l" rtl="0">
               <a:spcBef>
                 <a:spcPts val="0"/>
               </a:spcBef>
@@ -10302,9 +10256,11 @@
       <p:sp>
         <p:nvSpPr>
           <p:cNvPr id="135" name="Google Shape;135;p13"/>
-          <p:cNvSpPr txBox="1"/>
+          <p:cNvSpPr txBox="1">
+            <a:spLocks noGrp="1"/>
+          </p:cNvSpPr>
           <p:nvPr>
-            <p:ph idx="1" type="subTitle"/>
+            <p:ph type="subTitle" idx="1"/>
           </p:nvPr>
         </p:nvSpPr>
         <p:spPr>
@@ -10317,12 +10273,12 @@
           </a:prstGeom>
         </p:spPr>
         <p:txBody>
-          <a:bodyPr anchorCtr="0" anchor="t" bIns="91425" lIns="91425" spcFirstLastPara="1" rIns="91425" wrap="square" tIns="91425">
+          <a:bodyPr spcFirstLastPara="1" wrap="square" lIns="91425" tIns="91425" rIns="91425" bIns="91425" anchor="t" anchorCtr="0">
             <a:normAutofit fontScale="85000" lnSpcReduction="10000"/>
           </a:bodyPr>
           <a:lstStyle/>
           <a:p>
-            <a:pPr indent="0" lvl="0" marL="0" rtl="0" algn="l">
+            <a:pPr marL="0" lvl="0" indent="0" algn="l" rtl="0">
               <a:spcBef>
                 <a:spcPts val="0"/>
               </a:spcBef>
@@ -10348,11 +10304,11 @@
 </file>
 
 <file path=ppt/slides/slide10.xml><?xml version="1.0" encoding="utf-8"?>
-<p:sld xmlns:a="http://schemas.openxmlformats.org/drawingml/2006/main" xmlns:r="http://schemas.openxmlformats.org/officeDocument/2006/relationships" xmlns:mc="http://schemas.openxmlformats.org/markup-compatibility/2006" xmlns:mv="urn:schemas-microsoft-com:mac:vml" xmlns:p="http://schemas.openxmlformats.org/presentationml/2006/main" xmlns:c="http://schemas.openxmlformats.org/drawingml/2006/chart" xmlns:dgm="http://schemas.openxmlformats.org/drawingml/2006/diagram" xmlns:o="urn:schemas-microsoft-com:office:office" xmlns:v="urn:schemas-microsoft-com:vml" xmlns:pvml="urn:schemas-microsoft-com:office:powerpoint" xmlns:com="http://schemas.openxmlformats.org/drawingml/2006/compatibility" xmlns:p14="http://schemas.microsoft.com/office/powerpoint/2010/main" xmlns:p15="http://schemas.microsoft.com/office/powerpoint/2012/main" xmlns:ahyp="http://schemas.microsoft.com/office/drawing/2018/hyperlinkcolor">
+<p:sld xmlns:a="http://schemas.openxmlformats.org/drawingml/2006/main" xmlns:r="http://schemas.openxmlformats.org/officeDocument/2006/relationships" xmlns:p="http://schemas.openxmlformats.org/presentationml/2006/main">
   <p:cSld>
     <p:spTree>
       <p:nvGrpSpPr>
-        <p:cNvPr id="187" name="Shape 187"/>
+        <p:cNvPr id="1" name="Shape 187"/>
         <p:cNvGrpSpPr/>
         <p:nvPr/>
       </p:nvGrpSpPr>
@@ -10367,7 +10323,9 @@
       <p:sp>
         <p:nvSpPr>
           <p:cNvPr id="188" name="Google Shape;188;p22"/>
-          <p:cNvSpPr txBox="1"/>
+          <p:cNvSpPr txBox="1">
+            <a:spLocks noGrp="1"/>
+          </p:cNvSpPr>
           <p:nvPr>
             <p:ph type="title"/>
           </p:nvPr>
@@ -10382,12 +10340,12 @@
           </a:prstGeom>
         </p:spPr>
         <p:txBody>
-          <a:bodyPr anchorCtr="0" anchor="t" bIns="91425" lIns="91425" spcFirstLastPara="1" rIns="91425" wrap="square" tIns="91425">
+          <a:bodyPr spcFirstLastPara="1" wrap="square" lIns="91425" tIns="91425" rIns="91425" bIns="91425" anchor="t" anchorCtr="0">
             <a:normAutofit/>
           </a:bodyPr>
           <a:lstStyle/>
           <a:p>
-            <a:pPr indent="0" lvl="0" marL="0" rtl="0" algn="l">
+            <a:pPr marL="0" lvl="0" indent="0" algn="l" rtl="0">
               <a:spcBef>
                 <a:spcPts val="0"/>
               </a:spcBef>
@@ -10407,9 +10365,11 @@
       <p:sp>
         <p:nvSpPr>
           <p:cNvPr id="189" name="Google Shape;189;p22"/>
-          <p:cNvSpPr txBox="1"/>
+          <p:cNvSpPr txBox="1">
+            <a:spLocks noGrp="1"/>
+          </p:cNvSpPr>
           <p:nvPr>
-            <p:ph idx="1" type="body"/>
+            <p:ph type="body" idx="1"/>
           </p:nvPr>
         </p:nvSpPr>
         <p:spPr>
@@ -10422,12 +10382,12 @@
           </a:prstGeom>
         </p:spPr>
         <p:txBody>
-          <a:bodyPr anchorCtr="0" anchor="t" bIns="91425" lIns="91425" spcFirstLastPara="1" rIns="91425" wrap="square" tIns="91425">
+          <a:bodyPr spcFirstLastPara="1" wrap="square" lIns="91425" tIns="91425" rIns="91425" bIns="91425" anchor="t" anchorCtr="0">
             <a:normAutofit/>
           </a:bodyPr>
           <a:lstStyle/>
           <a:p>
-            <a:pPr indent="0" lvl="0" marL="0" rtl="0" algn="l">
+            <a:pPr marL="0" lvl="0" indent="0" algn="l" rtl="0">
               <a:spcBef>
                 <a:spcPts val="0"/>
               </a:spcBef>
@@ -10437,39 +10397,48 @@
               <a:buNone/>
             </a:pPr>
             <a:r>
-              <a:rPr lang="en"/>
-              <a:t>Developed by stephen bromley, this CASE tool serves to increase the accuracy of </a:t>
+              <a:rPr lang="en" dirty="0"/>
+              <a:t>Developed by Stephen Bromley, this CASE tool serves to increase the accuracy of the network by training multiple times with different values for the networks hyperparameters and allows developers to accertain the best values for each.</a:t>
             </a:r>
-            <a:r>
-              <a:rPr lang="en"/>
-              <a:t>the network by training multiple times with different values for the networks hyperparameters (which it uses heuristics to calculate best guesses for) and returning their most effective values.</a:t>
-            </a:r>
-            <a:endParaRPr/>
           </a:p>
           <a:p>
-            <a:pPr indent="0" lvl="0" marL="0" rtl="0" algn="l">
-              <a:spcBef>
-                <a:spcPts val="1200"/>
-              </a:spcBef>
-              <a:spcAft>
-                <a:spcPts val="1200"/>
+            <a:pPr marL="0" lvl="0" indent="0" algn="l" rtl="0">
+              <a:spcBef>
+                <a:spcPts val="0"/>
+              </a:spcBef>
+              <a:spcAft>
+                <a:spcPts val="0"/>
+              </a:spcAft>
+              <a:buNone/>
+            </a:pPr>
+            <a:endParaRPr lang="en" dirty="0"/>
+          </a:p>
+          <a:p>
+            <a:pPr marL="0" lvl="0" indent="0" algn="l" rtl="0">
+              <a:spcBef>
+                <a:spcPts val="0"/>
+              </a:spcBef>
+              <a:spcAft>
+                <a:spcPts val="0"/>
               </a:spcAft>
               <a:buNone/>
             </a:pPr>
             <a:r>
-              <a:rPr lang="en"/>
+              <a:rPr lang="en" dirty="0"/>
               <a:t>Apart from this, the tool is also capable of running on multiple systems, and in multiple threads, at the same time, so as to reduce its otherwise prohibitive running time.</a:t>
             </a:r>
-            <a:endParaRPr/>
+            <a:endParaRPr dirty="0"/>
           </a:p>
         </p:txBody>
       </p:sp>
       <p:sp>
         <p:nvSpPr>
           <p:cNvPr id="190" name="Google Shape;190;p22"/>
-          <p:cNvSpPr txBox="1"/>
+          <p:cNvSpPr txBox="1">
+            <a:spLocks noGrp="1"/>
+          </p:cNvSpPr>
           <p:nvPr>
-            <p:ph idx="2" type="body"/>
+            <p:ph type="body" idx="2"/>
           </p:nvPr>
         </p:nvSpPr>
         <p:spPr>
@@ -10482,12 +10451,12 @@
           </a:prstGeom>
         </p:spPr>
         <p:txBody>
-          <a:bodyPr anchorCtr="0" anchor="t" bIns="91425" lIns="91425" spcFirstLastPara="1" rIns="91425" wrap="square" tIns="91425">
+          <a:bodyPr spcFirstLastPara="1" wrap="square" lIns="91425" tIns="91425" rIns="91425" bIns="91425" anchor="t" anchorCtr="0">
             <a:normAutofit/>
           </a:bodyPr>
           <a:lstStyle/>
           <a:p>
-            <a:pPr indent="0" lvl="0" marL="0" rtl="0" algn="l">
+            <a:pPr marL="0" lvl="0" indent="0" algn="l" rtl="0">
               <a:spcBef>
                 <a:spcPts val="0"/>
               </a:spcBef>
@@ -10497,26 +10466,10 @@
               <a:buNone/>
             </a:pPr>
             <a:r>
-              <a:rPr lang="en"/>
-              <a:t>(image of the general NN training process, </a:t>
+              <a:rPr lang="en" dirty="0"/>
+              <a:t>(image of the general NN training process, which indicates what epoch number and learning rate are)</a:t>
             </a:r>
-            <a:r>
-              <a:rPr lang="en"/>
-              <a:t>which</a:t>
-            </a:r>
-            <a:r>
-              <a:rPr lang="en"/>
-              <a:t> </a:t>
-            </a:r>
-            <a:r>
-              <a:rPr lang="en"/>
-              <a:t>indicates</a:t>
-            </a:r>
-            <a:r>
-              <a:rPr lang="en"/>
-              <a:t> what epoch number and learning rate are)</a:t>
-            </a:r>
-            <a:endParaRPr/>
+            <a:endParaRPr dirty="0"/>
           </a:p>
         </p:txBody>
       </p:sp>
@@ -10529,11 +10482,11 @@
 </file>
 
 <file path=ppt/slides/slide11.xml><?xml version="1.0" encoding="utf-8"?>
-<p:sld xmlns:a="http://schemas.openxmlformats.org/drawingml/2006/main" xmlns:r="http://schemas.openxmlformats.org/officeDocument/2006/relationships" xmlns:mc="http://schemas.openxmlformats.org/markup-compatibility/2006" xmlns:mv="urn:schemas-microsoft-com:mac:vml" xmlns:p="http://schemas.openxmlformats.org/presentationml/2006/main" xmlns:c="http://schemas.openxmlformats.org/drawingml/2006/chart" xmlns:dgm="http://schemas.openxmlformats.org/drawingml/2006/diagram" xmlns:o="urn:schemas-microsoft-com:office:office" xmlns:v="urn:schemas-microsoft-com:vml" xmlns:pvml="urn:schemas-microsoft-com:office:powerpoint" xmlns:com="http://schemas.openxmlformats.org/drawingml/2006/compatibility" xmlns:p14="http://schemas.microsoft.com/office/powerpoint/2010/main" xmlns:p15="http://schemas.microsoft.com/office/powerpoint/2012/main" xmlns:ahyp="http://schemas.microsoft.com/office/drawing/2018/hyperlinkcolor">
+<p:sld xmlns:a="http://schemas.openxmlformats.org/drawingml/2006/main" xmlns:r="http://schemas.openxmlformats.org/officeDocument/2006/relationships" xmlns:p="http://schemas.openxmlformats.org/presentationml/2006/main">
   <p:cSld>
     <p:spTree>
       <p:nvGrpSpPr>
-        <p:cNvPr id="194" name="Shape 194"/>
+        <p:cNvPr id="1" name="Shape 194"/>
         <p:cNvGrpSpPr/>
         <p:nvPr/>
       </p:nvGrpSpPr>
@@ -10548,7 +10501,9 @@
       <p:sp>
         <p:nvSpPr>
           <p:cNvPr id="195" name="Google Shape;195;p23"/>
-          <p:cNvSpPr txBox="1"/>
+          <p:cNvSpPr txBox="1">
+            <a:spLocks noGrp="1"/>
+          </p:cNvSpPr>
           <p:nvPr>
             <p:ph type="title"/>
           </p:nvPr>
@@ -10563,12 +10518,12 @@
           </a:prstGeom>
         </p:spPr>
         <p:txBody>
-          <a:bodyPr anchorCtr="0" anchor="ctr" bIns="91425" lIns="91425" spcFirstLastPara="1" rIns="91425" wrap="square" tIns="91425">
+          <a:bodyPr spcFirstLastPara="1" wrap="square" lIns="91425" tIns="91425" rIns="91425" bIns="91425" anchor="ctr" anchorCtr="0">
             <a:normAutofit/>
           </a:bodyPr>
           <a:lstStyle/>
           <a:p>
-            <a:pPr indent="0" lvl="0" marL="0" rtl="0" algn="l">
+            <a:pPr marL="0" lvl="0" indent="0" algn="l" rtl="0">
               <a:spcBef>
                 <a:spcPts val="0"/>
               </a:spcBef>
@@ -10594,11 +10549,11 @@
 </file>
 
 <file path=ppt/slides/slide12.xml><?xml version="1.0" encoding="utf-8"?>
-<p:sld xmlns:a="http://schemas.openxmlformats.org/drawingml/2006/main" xmlns:r="http://schemas.openxmlformats.org/officeDocument/2006/relationships" xmlns:mc="http://schemas.openxmlformats.org/markup-compatibility/2006" xmlns:mv="urn:schemas-microsoft-com:mac:vml" xmlns:p="http://schemas.openxmlformats.org/presentationml/2006/main" xmlns:c="http://schemas.openxmlformats.org/drawingml/2006/chart" xmlns:dgm="http://schemas.openxmlformats.org/drawingml/2006/diagram" xmlns:o="urn:schemas-microsoft-com:office:office" xmlns:v="urn:schemas-microsoft-com:vml" xmlns:pvml="urn:schemas-microsoft-com:office:powerpoint" xmlns:com="http://schemas.openxmlformats.org/drawingml/2006/compatibility" xmlns:p14="http://schemas.microsoft.com/office/powerpoint/2010/main" xmlns:p15="http://schemas.microsoft.com/office/powerpoint/2012/main" xmlns:ahyp="http://schemas.microsoft.com/office/drawing/2018/hyperlinkcolor">
+<p:sld xmlns:a="http://schemas.openxmlformats.org/drawingml/2006/main" xmlns:r="http://schemas.openxmlformats.org/officeDocument/2006/relationships" xmlns:p="http://schemas.openxmlformats.org/presentationml/2006/main">
   <p:cSld>
     <p:spTree>
       <p:nvGrpSpPr>
-        <p:cNvPr id="199" name="Shape 199"/>
+        <p:cNvPr id="1" name="Shape 199"/>
         <p:cNvGrpSpPr/>
         <p:nvPr/>
       </p:nvGrpSpPr>
@@ -10613,7 +10568,9 @@
       <p:sp>
         <p:nvSpPr>
           <p:cNvPr id="200" name="Google Shape;200;p24"/>
-          <p:cNvSpPr txBox="1"/>
+          <p:cNvSpPr txBox="1">
+            <a:spLocks noGrp="1"/>
+          </p:cNvSpPr>
           <p:nvPr>
             <p:ph type="title"/>
           </p:nvPr>
@@ -10628,12 +10585,12 @@
           </a:prstGeom>
         </p:spPr>
         <p:txBody>
-          <a:bodyPr anchorCtr="0" anchor="t" bIns="91425" lIns="91425" spcFirstLastPara="1" rIns="91425" wrap="square" tIns="91425">
+          <a:bodyPr spcFirstLastPara="1" wrap="square" lIns="91425" tIns="91425" rIns="91425" bIns="91425" anchor="t" anchorCtr="0">
             <a:normAutofit/>
           </a:bodyPr>
           <a:lstStyle/>
           <a:p>
-            <a:pPr indent="0" lvl="0" marL="0" rtl="0" algn="l">
+            <a:pPr marL="0" lvl="0" indent="0" algn="l" rtl="0">
               <a:spcBef>
                 <a:spcPts val="0"/>
               </a:spcBef>
@@ -10653,9 +10610,11 @@
       <p:sp>
         <p:nvSpPr>
           <p:cNvPr id="201" name="Google Shape;201;p24"/>
-          <p:cNvSpPr txBox="1"/>
+          <p:cNvSpPr txBox="1">
+            <a:spLocks noGrp="1"/>
+          </p:cNvSpPr>
           <p:nvPr>
-            <p:ph idx="1" type="body"/>
+            <p:ph type="body" idx="1"/>
           </p:nvPr>
         </p:nvSpPr>
         <p:spPr>
@@ -10668,12 +10627,12 @@
           </a:prstGeom>
         </p:spPr>
         <p:txBody>
-          <a:bodyPr anchorCtr="0" anchor="t" bIns="91425" lIns="91425" spcFirstLastPara="1" rIns="91425" wrap="square" tIns="91425">
+          <a:bodyPr spcFirstLastPara="1" wrap="square" lIns="91425" tIns="91425" rIns="91425" bIns="91425" anchor="t" anchorCtr="0">
             <a:normAutofit/>
           </a:bodyPr>
           <a:lstStyle/>
           <a:p>
-            <a:pPr indent="0" lvl="0" marL="0" rtl="0" algn="l">
+            <a:pPr marL="0" lvl="0" indent="0" algn="l" rtl="0">
               <a:spcBef>
                 <a:spcPts val="0"/>
               </a:spcBef>
@@ -10684,24 +10643,12 @@
             </a:pPr>
             <a:r>
               <a:rPr lang="en"/>
-              <a:t>Developed by Meshari Alshammari and Fahad Alsharaf, our website is load tested, </a:t>
-            </a:r>
-            <a:r>
-              <a:rPr lang="en"/>
-              <a:t>cross</a:t>
-            </a:r>
-            <a:r>
-              <a:rPr lang="en"/>
-              <a:t> browser compatible (and features a sleek neo-brutalist design </a:t>
-            </a:r>
-            <a:r>
-              <a:rPr lang="en"/>
-              <a:t>scheme).</a:t>
+              <a:t>Developed by Meshari Alshammari and Fahad Alsharaf, our website is load tested, cross browser compatible (and features a sleek neo-brutalist design scheme).</a:t>
             </a:r>
             <a:endParaRPr/>
           </a:p>
           <a:p>
-            <a:pPr indent="0" lvl="0" marL="0" rtl="0" algn="l">
+            <a:pPr marL="0" lvl="0" indent="0" algn="l" rtl="0">
               <a:spcBef>
                 <a:spcPts val="1200"/>
               </a:spcBef>
@@ -10721,9 +10668,11 @@
       <p:sp>
         <p:nvSpPr>
           <p:cNvPr id="202" name="Google Shape;202;p24"/>
-          <p:cNvSpPr txBox="1"/>
+          <p:cNvSpPr txBox="1">
+            <a:spLocks noGrp="1"/>
+          </p:cNvSpPr>
           <p:nvPr>
-            <p:ph idx="2" type="body"/>
+            <p:ph type="body" idx="2"/>
           </p:nvPr>
         </p:nvSpPr>
         <p:spPr>
@@ -10736,12 +10685,12 @@
           </a:prstGeom>
         </p:spPr>
         <p:txBody>
-          <a:bodyPr anchorCtr="0" anchor="t" bIns="91425" lIns="91425" spcFirstLastPara="1" rIns="91425" wrap="square" tIns="91425">
+          <a:bodyPr spcFirstLastPara="1" wrap="square" lIns="91425" tIns="91425" rIns="91425" bIns="91425" anchor="t" anchorCtr="0">
             <a:normAutofit/>
           </a:bodyPr>
           <a:lstStyle/>
           <a:p>
-            <a:pPr indent="0" lvl="0" marL="0" rtl="0" algn="l">
+            <a:pPr marL="0" lvl="0" indent="0" algn="l" rtl="0">
               <a:spcBef>
                 <a:spcPts val="0"/>
               </a:spcBef>
@@ -10767,11 +10716,11 @@
 </file>
 
 <file path=ppt/slides/slide13.xml><?xml version="1.0" encoding="utf-8"?>
-<p:sld xmlns:a="http://schemas.openxmlformats.org/drawingml/2006/main" xmlns:r="http://schemas.openxmlformats.org/officeDocument/2006/relationships" xmlns:mc="http://schemas.openxmlformats.org/markup-compatibility/2006" xmlns:mv="urn:schemas-microsoft-com:mac:vml" xmlns:p="http://schemas.openxmlformats.org/presentationml/2006/main" xmlns:c="http://schemas.openxmlformats.org/drawingml/2006/chart" xmlns:dgm="http://schemas.openxmlformats.org/drawingml/2006/diagram" xmlns:o="urn:schemas-microsoft-com:office:office" xmlns:v="urn:schemas-microsoft-com:vml" xmlns:pvml="urn:schemas-microsoft-com:office:powerpoint" xmlns:com="http://schemas.openxmlformats.org/drawingml/2006/compatibility" xmlns:p14="http://schemas.microsoft.com/office/powerpoint/2010/main" xmlns:p15="http://schemas.microsoft.com/office/powerpoint/2012/main" xmlns:ahyp="http://schemas.microsoft.com/office/drawing/2018/hyperlinkcolor">
+<p:sld xmlns:a="http://schemas.openxmlformats.org/drawingml/2006/main" xmlns:r="http://schemas.openxmlformats.org/officeDocument/2006/relationships" xmlns:p="http://schemas.openxmlformats.org/presentationml/2006/main">
   <p:cSld>
     <p:spTree>
       <p:nvGrpSpPr>
-        <p:cNvPr id="206" name="Shape 206"/>
+        <p:cNvPr id="1" name="Shape 206"/>
         <p:cNvGrpSpPr/>
         <p:nvPr/>
       </p:nvGrpSpPr>
@@ -10786,7 +10735,9 @@
       <p:sp>
         <p:nvSpPr>
           <p:cNvPr id="207" name="Google Shape;207;p25"/>
-          <p:cNvSpPr txBox="1"/>
+          <p:cNvSpPr txBox="1">
+            <a:spLocks noGrp="1"/>
+          </p:cNvSpPr>
           <p:nvPr>
             <p:ph type="title"/>
           </p:nvPr>
@@ -10801,12 +10752,12 @@
           </a:prstGeom>
         </p:spPr>
         <p:txBody>
-          <a:bodyPr anchorCtr="0" anchor="t" bIns="91425" lIns="91425" spcFirstLastPara="1" rIns="91425" wrap="square" tIns="91425">
+          <a:bodyPr spcFirstLastPara="1" wrap="square" lIns="91425" tIns="91425" rIns="91425" bIns="91425" anchor="t" anchorCtr="0">
             <a:normAutofit/>
           </a:bodyPr>
           <a:lstStyle/>
           <a:p>
-            <a:pPr indent="0" lvl="0" marL="0" rtl="0" algn="l">
+            <a:pPr marL="0" lvl="0" indent="0" algn="l" rtl="0">
               <a:spcBef>
                 <a:spcPts val="0"/>
               </a:spcBef>
@@ -10826,9 +10777,11 @@
       <p:sp>
         <p:nvSpPr>
           <p:cNvPr id="208" name="Google Shape;208;p25"/>
-          <p:cNvSpPr txBox="1"/>
+          <p:cNvSpPr txBox="1">
+            <a:spLocks noGrp="1"/>
+          </p:cNvSpPr>
           <p:nvPr>
-            <p:ph idx="1" type="body"/>
+            <p:ph type="body" idx="1"/>
           </p:nvPr>
         </p:nvSpPr>
         <p:spPr>
@@ -10841,12 +10794,12 @@
           </a:prstGeom>
         </p:spPr>
         <p:txBody>
-          <a:bodyPr anchorCtr="0" anchor="t" bIns="91425" lIns="91425" spcFirstLastPara="1" rIns="91425" wrap="square" tIns="91425">
+          <a:bodyPr spcFirstLastPara="1" wrap="square" lIns="91425" tIns="91425" rIns="91425" bIns="91425" anchor="t" anchorCtr="0">
             <a:normAutofit/>
           </a:bodyPr>
           <a:lstStyle/>
           <a:p>
-            <a:pPr indent="0" lvl="0" marL="0" rtl="0" algn="l">
+            <a:pPr marL="0" lvl="0" indent="0" algn="l" rtl="0">
               <a:spcBef>
                 <a:spcPts val="0"/>
               </a:spcBef>
@@ -10862,7 +10815,7 @@
             <a:endParaRPr/>
           </a:p>
           <a:p>
-            <a:pPr indent="-311150" lvl="0" marL="457200" rtl="0" algn="l">
+            <a:pPr marL="457200" lvl="0" indent="-311150" algn="l" rtl="0">
               <a:spcBef>
                 <a:spcPts val="1200"/>
               </a:spcBef>
@@ -10879,7 +10832,7 @@
             <a:endParaRPr/>
           </a:p>
           <a:p>
-            <a:pPr indent="-311150" lvl="0" marL="457200" rtl="0" algn="l">
+            <a:pPr marL="457200" lvl="0" indent="-311150" algn="l" rtl="0">
               <a:spcBef>
                 <a:spcPts val="0"/>
               </a:spcBef>
@@ -10891,20 +10844,12 @@
             </a:pPr>
             <a:r>
               <a:rPr lang="en"/>
-              <a:t>A system with components which required expertise in multiple </a:t>
-            </a:r>
-            <a:r>
-              <a:rPr lang="en"/>
-              <a:t>disciplines</a:t>
-            </a:r>
-            <a:r>
-              <a:rPr lang="en"/>
-              <a:t> to develop.</a:t>
+              <a:t>A system with components which required expertise in multiple disciplines to develop.</a:t>
             </a:r>
             <a:endParaRPr/>
           </a:p>
           <a:p>
-            <a:pPr indent="-311150" lvl="0" marL="457200" rtl="0" algn="l">
+            <a:pPr marL="457200" lvl="0" indent="-311150" algn="l" rtl="0">
               <a:spcBef>
                 <a:spcPts val="0"/>
               </a:spcBef>
@@ -10916,20 +10861,12 @@
             </a:pPr>
             <a:r>
               <a:rPr lang="en"/>
-              <a:t>Proof of concept for a </a:t>
-            </a:r>
-            <a:r>
-              <a:rPr lang="en"/>
-              <a:t>commercially</a:t>
-            </a:r>
-            <a:r>
-              <a:rPr lang="en"/>
-              <a:t> viable project.</a:t>
+              <a:t>Proof of concept for a commercially viable project.</a:t>
             </a:r>
             <a:endParaRPr/>
           </a:p>
           <a:p>
-            <a:pPr indent="-311150" lvl="0" marL="457200" rtl="0" algn="l">
+            <a:pPr marL="457200" lvl="0" indent="-311150" algn="l" rtl="0">
               <a:spcBef>
                 <a:spcPts val="0"/>
               </a:spcBef>
@@ -10941,20 +10878,12 @@
             </a:pPr>
             <a:r>
               <a:rPr lang="en"/>
-              <a:t>Demonstrable understanding of state of the art neural </a:t>
-            </a:r>
-            <a:r>
-              <a:rPr lang="en"/>
-              <a:t>networking</a:t>
-            </a:r>
-            <a:r>
-              <a:rPr lang="en"/>
-              <a:t> procedures.</a:t>
+              <a:t>Demonstrable understanding of state of the art neural networking procedures.</a:t>
             </a:r>
             <a:endParaRPr/>
           </a:p>
           <a:p>
-            <a:pPr indent="-311150" lvl="0" marL="457200" rtl="0" algn="l">
+            <a:pPr marL="457200" lvl="0" indent="-311150" algn="l" rtl="0">
               <a:spcBef>
                 <a:spcPts val="0"/>
               </a:spcBef>
@@ -10966,15 +10895,7 @@
             </a:pPr>
             <a:r>
               <a:rPr lang="en"/>
-              <a:t>And </a:t>
-            </a:r>
-            <a:r>
-              <a:rPr lang="en"/>
-              <a:t>scrupulous</a:t>
-            </a:r>
-            <a:r>
-              <a:rPr lang="en"/>
-              <a:t> documentation, as well as a professional use of project management tools.</a:t>
+              <a:t>And scrupulous documentation, as well as a professional use of project management tools.</a:t>
             </a:r>
             <a:endParaRPr/>
           </a:p>
@@ -10989,11 +10910,11 @@
 </file>
 
 <file path=ppt/slides/slide2.xml><?xml version="1.0" encoding="utf-8"?>
-<p:sld xmlns:a="http://schemas.openxmlformats.org/drawingml/2006/main" xmlns:r="http://schemas.openxmlformats.org/officeDocument/2006/relationships" xmlns:mc="http://schemas.openxmlformats.org/markup-compatibility/2006" xmlns:mv="urn:schemas-microsoft-com:mac:vml" xmlns:p="http://schemas.openxmlformats.org/presentationml/2006/main" xmlns:c="http://schemas.openxmlformats.org/drawingml/2006/chart" xmlns:dgm="http://schemas.openxmlformats.org/drawingml/2006/diagram" xmlns:o="urn:schemas-microsoft-com:office:office" xmlns:v="urn:schemas-microsoft-com:vml" xmlns:pvml="urn:schemas-microsoft-com:office:powerpoint" xmlns:com="http://schemas.openxmlformats.org/drawingml/2006/compatibility" xmlns:p14="http://schemas.microsoft.com/office/powerpoint/2010/main" xmlns:p15="http://schemas.microsoft.com/office/powerpoint/2012/main" xmlns:ahyp="http://schemas.microsoft.com/office/drawing/2018/hyperlinkcolor">
+<p:sld xmlns:a="http://schemas.openxmlformats.org/drawingml/2006/main" xmlns:r="http://schemas.openxmlformats.org/officeDocument/2006/relationships" xmlns:p="http://schemas.openxmlformats.org/presentationml/2006/main">
   <p:cSld>
     <p:spTree>
       <p:nvGrpSpPr>
-        <p:cNvPr id="139" name="Shape 139"/>
+        <p:cNvPr id="1" name="Shape 139"/>
         <p:cNvGrpSpPr/>
         <p:nvPr/>
       </p:nvGrpSpPr>
@@ -11008,7 +10929,9 @@
       <p:sp>
         <p:nvSpPr>
           <p:cNvPr id="140" name="Google Shape;140;p14"/>
-          <p:cNvSpPr txBox="1"/>
+          <p:cNvSpPr txBox="1">
+            <a:spLocks noGrp="1"/>
+          </p:cNvSpPr>
           <p:nvPr>
             <p:ph type="title"/>
           </p:nvPr>
@@ -11023,12 +10946,12 @@
           </a:prstGeom>
         </p:spPr>
         <p:txBody>
-          <a:bodyPr anchorCtr="0" anchor="t" bIns="91425" lIns="91425" spcFirstLastPara="1" rIns="91425" wrap="square" tIns="91425">
+          <a:bodyPr spcFirstLastPara="1" wrap="square" lIns="91425" tIns="91425" rIns="91425" bIns="91425" anchor="t" anchorCtr="0">
             <a:normAutofit/>
           </a:bodyPr>
           <a:lstStyle/>
           <a:p>
-            <a:pPr indent="0" lvl="0" marL="0" rtl="0" algn="l">
+            <a:pPr marL="0" lvl="0" indent="0" algn="l" rtl="0">
               <a:spcBef>
                 <a:spcPts val="0"/>
               </a:spcBef>
@@ -11048,9 +10971,11 @@
       <p:sp>
         <p:nvSpPr>
           <p:cNvPr id="141" name="Google Shape;141;p14"/>
-          <p:cNvSpPr txBox="1"/>
+          <p:cNvSpPr txBox="1">
+            <a:spLocks noGrp="1"/>
+          </p:cNvSpPr>
           <p:nvPr>
-            <p:ph idx="1" type="body"/>
+            <p:ph type="body" idx="1"/>
           </p:nvPr>
         </p:nvSpPr>
         <p:spPr>
@@ -11063,12 +10988,12 @@
           </a:prstGeom>
         </p:spPr>
         <p:txBody>
-          <a:bodyPr anchorCtr="0" anchor="t" bIns="91425" lIns="91425" spcFirstLastPara="1" rIns="91425" wrap="square" tIns="91425">
+          <a:bodyPr spcFirstLastPara="1" wrap="square" lIns="91425" tIns="91425" rIns="91425" bIns="91425" anchor="t" anchorCtr="0">
             <a:normAutofit/>
           </a:bodyPr>
           <a:lstStyle/>
           <a:p>
-            <a:pPr indent="0" lvl="0" marL="0" rtl="0" algn="ctr">
+            <a:pPr marL="0" lvl="0" indent="0" algn="ctr" rtl="0">
               <a:spcBef>
                 <a:spcPts val="0"/>
               </a:spcBef>
@@ -11084,7 +11009,7 @@
             <a:endParaRPr/>
           </a:p>
           <a:p>
-            <a:pPr indent="0" lvl="0" marL="0" rtl="0" algn="ctr">
+            <a:pPr marL="0" lvl="0" indent="0" algn="ctr" rtl="0">
               <a:spcBef>
                 <a:spcPts val="1200"/>
               </a:spcBef>
@@ -11093,13 +11018,10 @@
               </a:spcAft>
               <a:buNone/>
             </a:pPr>
-            <a:r>
-              <a:t/>
-            </a:r>
             <a:endParaRPr/>
           </a:p>
           <a:p>
-            <a:pPr indent="0" lvl="0" marL="0" rtl="0" algn="ctr">
+            <a:pPr marL="0" lvl="0" indent="0" algn="ctr" rtl="0">
               <a:spcBef>
                 <a:spcPts val="1200"/>
               </a:spcBef>
@@ -11125,11 +11047,11 @@
 </file>
 
 <file path=ppt/slides/slide3.xml><?xml version="1.0" encoding="utf-8"?>
-<p:sld xmlns:a="http://schemas.openxmlformats.org/drawingml/2006/main" xmlns:r="http://schemas.openxmlformats.org/officeDocument/2006/relationships" xmlns:mc="http://schemas.openxmlformats.org/markup-compatibility/2006" xmlns:mv="urn:schemas-microsoft-com:mac:vml" xmlns:p="http://schemas.openxmlformats.org/presentationml/2006/main" xmlns:c="http://schemas.openxmlformats.org/drawingml/2006/chart" xmlns:dgm="http://schemas.openxmlformats.org/drawingml/2006/diagram" xmlns:o="urn:schemas-microsoft-com:office:office" xmlns:v="urn:schemas-microsoft-com:vml" xmlns:pvml="urn:schemas-microsoft-com:office:powerpoint" xmlns:com="http://schemas.openxmlformats.org/drawingml/2006/compatibility" xmlns:p14="http://schemas.microsoft.com/office/powerpoint/2010/main" xmlns:p15="http://schemas.microsoft.com/office/powerpoint/2012/main" xmlns:ahyp="http://schemas.microsoft.com/office/drawing/2018/hyperlinkcolor">
+<p:sld xmlns:a="http://schemas.openxmlformats.org/drawingml/2006/main" xmlns:r="http://schemas.openxmlformats.org/officeDocument/2006/relationships" xmlns:p="http://schemas.openxmlformats.org/presentationml/2006/main">
   <p:cSld>
     <p:spTree>
       <p:nvGrpSpPr>
-        <p:cNvPr id="145" name="Shape 145"/>
+        <p:cNvPr id="1" name="Shape 145"/>
         <p:cNvGrpSpPr/>
         <p:nvPr/>
       </p:nvGrpSpPr>
@@ -11144,7 +11066,9 @@
       <p:sp>
         <p:nvSpPr>
           <p:cNvPr id="146" name="Google Shape;146;p15"/>
-          <p:cNvSpPr txBox="1"/>
+          <p:cNvSpPr txBox="1">
+            <a:spLocks noGrp="1"/>
+          </p:cNvSpPr>
           <p:nvPr>
             <p:ph type="title"/>
           </p:nvPr>
@@ -11159,12 +11083,12 @@
           </a:prstGeom>
         </p:spPr>
         <p:txBody>
-          <a:bodyPr anchorCtr="0" anchor="t" bIns="91425" lIns="91425" spcFirstLastPara="1" rIns="91425" wrap="square" tIns="91425">
+          <a:bodyPr spcFirstLastPara="1" wrap="square" lIns="91425" tIns="91425" rIns="91425" bIns="91425" anchor="t" anchorCtr="0">
             <a:normAutofit/>
           </a:bodyPr>
           <a:lstStyle/>
           <a:p>
-            <a:pPr indent="0" lvl="0" marL="0" rtl="0" algn="l">
+            <a:pPr marL="0" lvl="0" indent="0" algn="l" rtl="0">
               <a:spcBef>
                 <a:spcPts val="0"/>
               </a:spcBef>
@@ -11184,9 +11108,11 @@
       <p:sp>
         <p:nvSpPr>
           <p:cNvPr id="147" name="Google Shape;147;p15"/>
-          <p:cNvSpPr txBox="1"/>
+          <p:cNvSpPr txBox="1">
+            <a:spLocks noGrp="1"/>
+          </p:cNvSpPr>
           <p:nvPr>
-            <p:ph idx="1" type="body"/>
+            <p:ph type="body" idx="1"/>
           </p:nvPr>
         </p:nvSpPr>
         <p:spPr>
@@ -11199,12 +11125,12 @@
           </a:prstGeom>
         </p:spPr>
         <p:txBody>
-          <a:bodyPr anchorCtr="0" anchor="t" bIns="91425" lIns="91425" spcFirstLastPara="1" rIns="91425" wrap="square" tIns="91425">
+          <a:bodyPr spcFirstLastPara="1" wrap="square" lIns="91425" tIns="91425" rIns="91425" bIns="91425" anchor="t" anchorCtr="0">
             <a:normAutofit/>
           </a:bodyPr>
           <a:lstStyle/>
           <a:p>
-            <a:pPr indent="0" lvl="0" marL="0" rtl="0" algn="l">
+            <a:pPr marL="0" lvl="0" indent="0" algn="l" rtl="0">
               <a:spcBef>
                 <a:spcPts val="0"/>
               </a:spcBef>
@@ -11220,7 +11146,7 @@
             <a:endParaRPr/>
           </a:p>
           <a:p>
-            <a:pPr indent="-311150" lvl="0" marL="457200" rtl="0" algn="l">
+            <a:pPr marL="457200" lvl="0" indent="-311150" algn="l" rtl="0">
               <a:spcBef>
                 <a:spcPts val="1200"/>
               </a:spcBef>
@@ -11237,7 +11163,7 @@
             <a:endParaRPr/>
           </a:p>
           <a:p>
-            <a:pPr indent="-311150" lvl="0" marL="457200" rtl="0" algn="l">
+            <a:pPr marL="457200" lvl="0" indent="-311150" algn="l" rtl="0">
               <a:spcBef>
                 <a:spcPts val="0"/>
               </a:spcBef>
@@ -11249,20 +11175,12 @@
             </a:pPr>
             <a:r>
               <a:rPr lang="en"/>
-              <a:t>A </a:t>
-            </a:r>
-            <a:r>
-              <a:rPr lang="en"/>
-              <a:t>proprietary</a:t>
-            </a:r>
-            <a:r>
-              <a:rPr lang="en"/>
-              <a:t> multi-label image dataset (meaning that images lie in multiple categories)</a:t>
+              <a:t>A proprietary multi-label image dataset (meaning that images lie in multiple categories)</a:t>
             </a:r>
             <a:endParaRPr/>
           </a:p>
           <a:p>
-            <a:pPr indent="-311150" lvl="0" marL="457200" rtl="0" algn="l">
+            <a:pPr marL="457200" lvl="0" indent="-311150" algn="l" rtl="0">
               <a:spcBef>
                 <a:spcPts val="0"/>
               </a:spcBef>
@@ -11279,7 +11197,7 @@
             <a:endParaRPr/>
           </a:p>
           <a:p>
-            <a:pPr indent="-311150" lvl="0" marL="457200" rtl="0" algn="l">
+            <a:pPr marL="457200" lvl="0" indent="-311150" algn="l" rtl="0">
               <a:spcBef>
                 <a:spcPts val="0"/>
               </a:spcBef>
@@ -11306,11 +11224,11 @@
 </file>
 
 <file path=ppt/slides/slide4.xml><?xml version="1.0" encoding="utf-8"?>
-<p:sld xmlns:a="http://schemas.openxmlformats.org/drawingml/2006/main" xmlns:r="http://schemas.openxmlformats.org/officeDocument/2006/relationships" xmlns:mc="http://schemas.openxmlformats.org/markup-compatibility/2006" xmlns:mv="urn:schemas-microsoft-com:mac:vml" xmlns:p="http://schemas.openxmlformats.org/presentationml/2006/main" xmlns:c="http://schemas.openxmlformats.org/drawingml/2006/chart" xmlns:dgm="http://schemas.openxmlformats.org/drawingml/2006/diagram" xmlns:o="urn:schemas-microsoft-com:office:office" xmlns:v="urn:schemas-microsoft-com:vml" xmlns:pvml="urn:schemas-microsoft-com:office:powerpoint" xmlns:com="http://schemas.openxmlformats.org/drawingml/2006/compatibility" xmlns:p14="http://schemas.microsoft.com/office/powerpoint/2010/main" xmlns:p15="http://schemas.microsoft.com/office/powerpoint/2012/main" xmlns:ahyp="http://schemas.microsoft.com/office/drawing/2018/hyperlinkcolor">
+<p:sld xmlns:a="http://schemas.openxmlformats.org/drawingml/2006/main" xmlns:r="http://schemas.openxmlformats.org/officeDocument/2006/relationships" xmlns:p="http://schemas.openxmlformats.org/presentationml/2006/main">
   <p:cSld>
     <p:spTree>
       <p:nvGrpSpPr>
-        <p:cNvPr id="151" name="Shape 151"/>
+        <p:cNvPr id="1" name="Shape 151"/>
         <p:cNvGrpSpPr/>
         <p:nvPr/>
       </p:nvGrpSpPr>
@@ -11325,7 +11243,9 @@
       <p:sp>
         <p:nvSpPr>
           <p:cNvPr id="152" name="Google Shape;152;p16"/>
-          <p:cNvSpPr txBox="1"/>
+          <p:cNvSpPr txBox="1">
+            <a:spLocks noGrp="1"/>
+          </p:cNvSpPr>
           <p:nvPr>
             <p:ph type="title"/>
           </p:nvPr>
@@ -11340,12 +11260,12 @@
           </a:prstGeom>
         </p:spPr>
         <p:txBody>
-          <a:bodyPr anchorCtr="0" anchor="t" bIns="91425" lIns="91425" spcFirstLastPara="1" rIns="91425" wrap="square" tIns="91425">
+          <a:bodyPr spcFirstLastPara="1" wrap="square" lIns="91425" tIns="91425" rIns="91425" bIns="91425" anchor="t" anchorCtr="0">
             <a:normAutofit/>
           </a:bodyPr>
           <a:lstStyle/>
           <a:p>
-            <a:pPr indent="0" lvl="0" marL="0" rtl="0" algn="l">
+            <a:pPr marL="0" lvl="0" indent="0" algn="l" rtl="0">
               <a:spcBef>
                 <a:spcPts val="0"/>
               </a:spcBef>
@@ -11365,9 +11285,11 @@
       <p:sp>
         <p:nvSpPr>
           <p:cNvPr id="153" name="Google Shape;153;p16"/>
-          <p:cNvSpPr txBox="1"/>
+          <p:cNvSpPr txBox="1">
+            <a:spLocks noGrp="1"/>
+          </p:cNvSpPr>
           <p:nvPr>
-            <p:ph idx="1" type="body"/>
+            <p:ph type="body" idx="1"/>
           </p:nvPr>
         </p:nvSpPr>
         <p:spPr>
@@ -11380,12 +11302,12 @@
           </a:prstGeom>
         </p:spPr>
         <p:txBody>
-          <a:bodyPr anchorCtr="0" anchor="t" bIns="91425" lIns="91425" spcFirstLastPara="1" rIns="91425" wrap="square" tIns="91425">
+          <a:bodyPr spcFirstLastPara="1" wrap="square" lIns="91425" tIns="91425" rIns="91425" bIns="91425" anchor="t" anchorCtr="0">
             <a:normAutofit/>
           </a:bodyPr>
           <a:lstStyle/>
           <a:p>
-            <a:pPr indent="0" lvl="0" marL="0" rtl="0" algn="l">
+            <a:pPr marL="0" lvl="0" indent="0" algn="l" rtl="0">
               <a:spcBef>
                 <a:spcPts val="0"/>
               </a:spcBef>
@@ -11401,7 +11323,7 @@
             <a:endParaRPr/>
           </a:p>
           <a:p>
-            <a:pPr indent="-311150" lvl="0" marL="457200" rtl="0" algn="l">
+            <a:pPr marL="457200" lvl="0" indent="-311150" algn="l" rtl="0">
               <a:spcBef>
                 <a:spcPts val="1200"/>
               </a:spcBef>
@@ -11413,28 +11335,12 @@
             </a:pPr>
             <a:r>
               <a:rPr lang="en"/>
-              <a:t>Develop a </a:t>
-            </a:r>
-            <a:r>
-              <a:rPr lang="en"/>
-              <a:t>separate</a:t>
-            </a:r>
-            <a:r>
-              <a:rPr lang="en"/>
-              <a:t> tool to establish key categories of </a:t>
-            </a:r>
-            <a:r>
-              <a:rPr lang="en"/>
-              <a:t>classification</a:t>
-            </a:r>
-            <a:r>
-              <a:rPr lang="en"/>
-              <a:t> for buildings (by analysing the hypertext of online images)</a:t>
+              <a:t>Develop a separate tool to establish key categories of classification for buildings (by analysing the hypertext of online images)</a:t>
             </a:r>
             <a:endParaRPr/>
           </a:p>
           <a:p>
-            <a:pPr indent="-311150" lvl="0" marL="457200" rtl="0" algn="l">
+            <a:pPr marL="457200" lvl="0" indent="-311150" algn="l" rtl="0">
               <a:spcBef>
                 <a:spcPts val="0"/>
               </a:spcBef>
@@ -11446,20 +11352,12 @@
             </a:pPr>
             <a:r>
               <a:rPr lang="en"/>
-              <a:t>Hire a team to work full time to populate the </a:t>
-            </a:r>
-            <a:r>
-              <a:rPr lang="en"/>
-              <a:t>dataset</a:t>
-            </a:r>
-            <a:r>
-              <a:rPr lang="en"/>
-              <a:t>.</a:t>
+              <a:t>Hire a team to work full time to populate the dataset.</a:t>
             </a:r>
             <a:endParaRPr/>
           </a:p>
           <a:p>
-            <a:pPr indent="-311150" lvl="0" marL="457200" rtl="0" algn="l">
+            <a:pPr marL="457200" lvl="0" indent="-311150" algn="l" rtl="0">
               <a:spcBef>
                 <a:spcPts val="0"/>
               </a:spcBef>
@@ -11476,7 +11374,7 @@
             <a:endParaRPr/>
           </a:p>
           <a:p>
-            <a:pPr indent="-311150" lvl="0" marL="457200" rtl="0" algn="l">
+            <a:pPr marL="457200" lvl="0" indent="-311150" algn="l" rtl="0">
               <a:spcBef>
                 <a:spcPts val="0"/>
               </a:spcBef>
@@ -11488,15 +11386,7 @@
             </a:pPr>
             <a:r>
               <a:rPr lang="en"/>
-              <a:t>Acquire nvidia AI resourcing chips to allow the models and parameters to be </a:t>
-            </a:r>
-            <a:r>
-              <a:rPr lang="en"/>
-              <a:t>continuously</a:t>
-            </a:r>
-            <a:r>
-              <a:rPr lang="en"/>
-              <a:t> optimised at high speed.</a:t>
+              <a:t>Acquire nvidia AI resourcing chips to allow the models and parameters to be continuously optimised at high speed.</a:t>
             </a:r>
             <a:endParaRPr/>
           </a:p>
@@ -11511,11 +11401,11 @@
 </file>
 
 <file path=ppt/slides/slide5.xml><?xml version="1.0" encoding="utf-8"?>
-<p:sld xmlns:a="http://schemas.openxmlformats.org/drawingml/2006/main" xmlns:r="http://schemas.openxmlformats.org/officeDocument/2006/relationships" xmlns:mc="http://schemas.openxmlformats.org/markup-compatibility/2006" xmlns:mv="urn:schemas-microsoft-com:mac:vml" xmlns:p="http://schemas.openxmlformats.org/presentationml/2006/main" xmlns:c="http://schemas.openxmlformats.org/drawingml/2006/chart" xmlns:dgm="http://schemas.openxmlformats.org/drawingml/2006/diagram" xmlns:o="urn:schemas-microsoft-com:office:office" xmlns:v="urn:schemas-microsoft-com:vml" xmlns:pvml="urn:schemas-microsoft-com:office:powerpoint" xmlns:com="http://schemas.openxmlformats.org/drawingml/2006/compatibility" xmlns:p14="http://schemas.microsoft.com/office/powerpoint/2010/main" xmlns:p15="http://schemas.microsoft.com/office/powerpoint/2012/main" xmlns:ahyp="http://schemas.microsoft.com/office/drawing/2018/hyperlinkcolor">
+<p:sld xmlns:a="http://schemas.openxmlformats.org/drawingml/2006/main" xmlns:r="http://schemas.openxmlformats.org/officeDocument/2006/relationships" xmlns:p="http://schemas.openxmlformats.org/presentationml/2006/main">
   <p:cSld>
     <p:spTree>
       <p:nvGrpSpPr>
-        <p:cNvPr id="157" name="Shape 157"/>
+        <p:cNvPr id="1" name="Shape 157"/>
         <p:cNvGrpSpPr/>
         <p:nvPr/>
       </p:nvGrpSpPr>
@@ -11530,7 +11420,9 @@
       <p:sp>
         <p:nvSpPr>
           <p:cNvPr id="158" name="Google Shape;158;p17"/>
-          <p:cNvSpPr txBox="1"/>
+          <p:cNvSpPr txBox="1">
+            <a:spLocks noGrp="1"/>
+          </p:cNvSpPr>
           <p:nvPr>
             <p:ph type="title"/>
           </p:nvPr>
@@ -11545,12 +11437,12 @@
           </a:prstGeom>
         </p:spPr>
         <p:txBody>
-          <a:bodyPr anchorCtr="0" anchor="ctr" bIns="91425" lIns="91425" spcFirstLastPara="1" rIns="91425" wrap="square" tIns="91425">
+          <a:bodyPr spcFirstLastPara="1" wrap="square" lIns="91425" tIns="91425" rIns="91425" bIns="91425" anchor="ctr" anchorCtr="0">
             <a:normAutofit/>
           </a:bodyPr>
           <a:lstStyle/>
           <a:p>
-            <a:pPr indent="0" lvl="0" marL="0" rtl="0" algn="l">
+            <a:pPr marL="0" lvl="0" indent="0" algn="l" rtl="0">
               <a:spcBef>
                 <a:spcPts val="0"/>
               </a:spcBef>
@@ -11576,11 +11468,11 @@
 </file>
 
 <file path=ppt/slides/slide6.xml><?xml version="1.0" encoding="utf-8"?>
-<p:sld xmlns:a="http://schemas.openxmlformats.org/drawingml/2006/main" xmlns:r="http://schemas.openxmlformats.org/officeDocument/2006/relationships" xmlns:mc="http://schemas.openxmlformats.org/markup-compatibility/2006" xmlns:mv="urn:schemas-microsoft-com:mac:vml" xmlns:p="http://schemas.openxmlformats.org/presentationml/2006/main" xmlns:c="http://schemas.openxmlformats.org/drawingml/2006/chart" xmlns:dgm="http://schemas.openxmlformats.org/drawingml/2006/diagram" xmlns:o="urn:schemas-microsoft-com:office:office" xmlns:v="urn:schemas-microsoft-com:vml" xmlns:pvml="urn:schemas-microsoft-com:office:powerpoint" xmlns:com="http://schemas.openxmlformats.org/drawingml/2006/compatibility" xmlns:p14="http://schemas.microsoft.com/office/powerpoint/2010/main" xmlns:p15="http://schemas.microsoft.com/office/powerpoint/2012/main" xmlns:ahyp="http://schemas.microsoft.com/office/drawing/2018/hyperlinkcolor">
+<p:sld xmlns:a="http://schemas.openxmlformats.org/drawingml/2006/main" xmlns:r="http://schemas.openxmlformats.org/officeDocument/2006/relationships" xmlns:p="http://schemas.openxmlformats.org/presentationml/2006/main">
   <p:cSld>
     <p:spTree>
       <p:nvGrpSpPr>
-        <p:cNvPr id="162" name="Shape 162"/>
+        <p:cNvPr id="1" name="Shape 162"/>
         <p:cNvGrpSpPr/>
         <p:nvPr/>
       </p:nvGrpSpPr>
@@ -11595,7 +11487,9 @@
       <p:sp>
         <p:nvSpPr>
           <p:cNvPr id="163" name="Google Shape;163;p18"/>
-          <p:cNvSpPr txBox="1"/>
+          <p:cNvSpPr txBox="1">
+            <a:spLocks noGrp="1"/>
+          </p:cNvSpPr>
           <p:nvPr>
             <p:ph type="title"/>
           </p:nvPr>
@@ -11610,12 +11504,12 @@
           </a:prstGeom>
         </p:spPr>
         <p:txBody>
-          <a:bodyPr anchorCtr="0" anchor="t" bIns="91425" lIns="91425" spcFirstLastPara="1" rIns="91425" wrap="square" tIns="91425">
+          <a:bodyPr spcFirstLastPara="1" wrap="square" lIns="91425" tIns="91425" rIns="91425" bIns="91425" anchor="t" anchorCtr="0">
             <a:normAutofit/>
           </a:bodyPr>
           <a:lstStyle/>
           <a:p>
-            <a:pPr indent="0" lvl="0" marL="0" rtl="0" algn="l">
+            <a:pPr marL="0" lvl="0" indent="0" algn="l" rtl="0">
               <a:spcBef>
                 <a:spcPts val="0"/>
               </a:spcBef>
@@ -11635,9 +11529,11 @@
       <p:sp>
         <p:nvSpPr>
           <p:cNvPr id="164" name="Google Shape;164;p18"/>
-          <p:cNvSpPr txBox="1"/>
+          <p:cNvSpPr txBox="1">
+            <a:spLocks noGrp="1"/>
+          </p:cNvSpPr>
           <p:nvPr>
-            <p:ph idx="1" type="body"/>
+            <p:ph type="body" idx="1"/>
           </p:nvPr>
         </p:nvSpPr>
         <p:spPr>
@@ -11650,12 +11546,12 @@
           </a:prstGeom>
         </p:spPr>
         <p:txBody>
-          <a:bodyPr anchorCtr="0" anchor="t" bIns="91425" lIns="91425" spcFirstLastPara="1" rIns="91425" wrap="square" tIns="91425">
+          <a:bodyPr spcFirstLastPara="1" wrap="square" lIns="91425" tIns="91425" rIns="91425" bIns="91425" anchor="t" anchorCtr="0">
             <a:normAutofit/>
           </a:bodyPr>
           <a:lstStyle/>
           <a:p>
-            <a:pPr indent="0" lvl="0" marL="0" rtl="0" algn="l">
+            <a:pPr marL="0" lvl="0" indent="0" algn="l" rtl="0">
               <a:spcBef>
                 <a:spcPts val="0"/>
               </a:spcBef>
@@ -11671,7 +11567,7 @@
             <a:endParaRPr/>
           </a:p>
           <a:p>
-            <a:pPr indent="0" lvl="0" marL="0" rtl="0" algn="l">
+            <a:pPr marL="0" lvl="0" indent="0" algn="l" rtl="0">
               <a:spcBef>
                 <a:spcPts val="1200"/>
               </a:spcBef>
@@ -11691,9 +11587,11 @@
       <p:sp>
         <p:nvSpPr>
           <p:cNvPr id="165" name="Google Shape;165;p18"/>
-          <p:cNvSpPr txBox="1"/>
+          <p:cNvSpPr txBox="1">
+            <a:spLocks noGrp="1"/>
+          </p:cNvSpPr>
           <p:nvPr>
-            <p:ph idx="2" type="body"/>
+            <p:ph type="body" idx="2"/>
           </p:nvPr>
         </p:nvSpPr>
         <p:spPr>
@@ -11706,12 +11604,12 @@
           </a:prstGeom>
         </p:spPr>
         <p:txBody>
-          <a:bodyPr anchorCtr="0" anchor="t" bIns="91425" lIns="91425" spcFirstLastPara="1" rIns="91425" wrap="square" tIns="91425">
+          <a:bodyPr spcFirstLastPara="1" wrap="square" lIns="91425" tIns="91425" rIns="91425" bIns="91425" anchor="t" anchorCtr="0">
             <a:normAutofit/>
           </a:bodyPr>
           <a:lstStyle/>
           <a:p>
-            <a:pPr indent="0" lvl="0" marL="0" rtl="0" algn="l">
+            <a:pPr marL="0" lvl="0" indent="0" algn="l" rtl="0">
               <a:spcBef>
                 <a:spcPts val="0"/>
               </a:spcBef>
@@ -11737,11 +11635,11 @@
 </file>
 
 <file path=ppt/slides/slide7.xml><?xml version="1.0" encoding="utf-8"?>
-<p:sld xmlns:a="http://schemas.openxmlformats.org/drawingml/2006/main" xmlns:r="http://schemas.openxmlformats.org/officeDocument/2006/relationships" xmlns:mc="http://schemas.openxmlformats.org/markup-compatibility/2006" xmlns:mv="urn:schemas-microsoft-com:mac:vml" xmlns:p="http://schemas.openxmlformats.org/presentationml/2006/main" xmlns:c="http://schemas.openxmlformats.org/drawingml/2006/chart" xmlns:dgm="http://schemas.openxmlformats.org/drawingml/2006/diagram" xmlns:o="urn:schemas-microsoft-com:office:office" xmlns:v="urn:schemas-microsoft-com:vml" xmlns:pvml="urn:schemas-microsoft-com:office:powerpoint" xmlns:com="http://schemas.openxmlformats.org/drawingml/2006/compatibility" xmlns:p14="http://schemas.microsoft.com/office/powerpoint/2010/main" xmlns:p15="http://schemas.microsoft.com/office/powerpoint/2012/main" xmlns:ahyp="http://schemas.microsoft.com/office/drawing/2018/hyperlinkcolor">
+<p:sld xmlns:a="http://schemas.openxmlformats.org/drawingml/2006/main" xmlns:r="http://schemas.openxmlformats.org/officeDocument/2006/relationships" xmlns:p="http://schemas.openxmlformats.org/presentationml/2006/main">
   <p:cSld>
     <p:spTree>
       <p:nvGrpSpPr>
-        <p:cNvPr id="169" name="Shape 169"/>
+        <p:cNvPr id="1" name="Shape 169"/>
         <p:cNvGrpSpPr/>
         <p:nvPr/>
       </p:nvGrpSpPr>
@@ -11756,7 +11654,9 @@
       <p:sp>
         <p:nvSpPr>
           <p:cNvPr id="170" name="Google Shape;170;p19"/>
-          <p:cNvSpPr txBox="1"/>
+          <p:cNvSpPr txBox="1">
+            <a:spLocks noGrp="1"/>
+          </p:cNvSpPr>
           <p:nvPr>
             <p:ph type="title"/>
           </p:nvPr>
@@ -11771,12 +11671,12 @@
           </a:prstGeom>
         </p:spPr>
         <p:txBody>
-          <a:bodyPr anchorCtr="0" anchor="ctr" bIns="91425" lIns="91425" spcFirstLastPara="1" rIns="91425" wrap="square" tIns="91425">
+          <a:bodyPr spcFirstLastPara="1" wrap="square" lIns="91425" tIns="91425" rIns="91425" bIns="91425" anchor="ctr" anchorCtr="0">
             <a:normAutofit/>
           </a:bodyPr>
           <a:lstStyle/>
           <a:p>
-            <a:pPr indent="0" lvl="0" marL="0" rtl="0" algn="l">
+            <a:pPr marL="0" lvl="0" indent="0" algn="l" rtl="0">
               <a:spcBef>
                 <a:spcPts val="0"/>
               </a:spcBef>
@@ -11802,11 +11702,11 @@
 </file>
 
 <file path=ppt/slides/slide8.xml><?xml version="1.0" encoding="utf-8"?>
-<p:sld xmlns:a="http://schemas.openxmlformats.org/drawingml/2006/main" xmlns:r="http://schemas.openxmlformats.org/officeDocument/2006/relationships" xmlns:mc="http://schemas.openxmlformats.org/markup-compatibility/2006" xmlns:mv="urn:schemas-microsoft-com:mac:vml" xmlns:p="http://schemas.openxmlformats.org/presentationml/2006/main" xmlns:c="http://schemas.openxmlformats.org/drawingml/2006/chart" xmlns:dgm="http://schemas.openxmlformats.org/drawingml/2006/diagram" xmlns:o="urn:schemas-microsoft-com:office:office" xmlns:v="urn:schemas-microsoft-com:vml" xmlns:pvml="urn:schemas-microsoft-com:office:powerpoint" xmlns:com="http://schemas.openxmlformats.org/drawingml/2006/compatibility" xmlns:p14="http://schemas.microsoft.com/office/powerpoint/2010/main" xmlns:p15="http://schemas.microsoft.com/office/powerpoint/2012/main" xmlns:ahyp="http://schemas.microsoft.com/office/drawing/2018/hyperlinkcolor">
+<p:sld xmlns:a="http://schemas.openxmlformats.org/drawingml/2006/main" xmlns:r="http://schemas.openxmlformats.org/officeDocument/2006/relationships" xmlns:p="http://schemas.openxmlformats.org/presentationml/2006/main">
   <p:cSld>
     <p:spTree>
       <p:nvGrpSpPr>
-        <p:cNvPr id="174" name="Shape 174"/>
+        <p:cNvPr id="1" name="Shape 174"/>
         <p:cNvGrpSpPr/>
         <p:nvPr/>
       </p:nvGrpSpPr>
@@ -11821,7 +11721,9 @@
       <p:sp>
         <p:nvSpPr>
           <p:cNvPr id="175" name="Google Shape;175;p20"/>
-          <p:cNvSpPr txBox="1"/>
+          <p:cNvSpPr txBox="1">
+            <a:spLocks noGrp="1"/>
+          </p:cNvSpPr>
           <p:nvPr>
             <p:ph type="title"/>
           </p:nvPr>
@@ -11836,12 +11738,12 @@
           </a:prstGeom>
         </p:spPr>
         <p:txBody>
-          <a:bodyPr anchorCtr="0" anchor="t" bIns="91425" lIns="91425" spcFirstLastPara="1" rIns="91425" wrap="square" tIns="91425">
+          <a:bodyPr spcFirstLastPara="1" wrap="square" lIns="91425" tIns="91425" rIns="91425" bIns="91425" anchor="t" anchorCtr="0">
             <a:normAutofit/>
           </a:bodyPr>
           <a:lstStyle/>
           <a:p>
-            <a:pPr indent="0" lvl="0" marL="0" rtl="0" algn="l">
+            <a:pPr marL="0" lvl="0" indent="0" algn="l" rtl="0">
               <a:spcBef>
                 <a:spcPts val="0"/>
               </a:spcBef>
@@ -11861,9 +11763,11 @@
       <p:sp>
         <p:nvSpPr>
           <p:cNvPr id="176" name="Google Shape;176;p20"/>
-          <p:cNvSpPr txBox="1"/>
+          <p:cNvSpPr txBox="1">
+            <a:spLocks noGrp="1"/>
+          </p:cNvSpPr>
           <p:nvPr>
-            <p:ph idx="1" type="body"/>
+            <p:ph type="body" idx="1"/>
           </p:nvPr>
         </p:nvSpPr>
         <p:spPr>
@@ -11876,12 +11780,12 @@
           </a:prstGeom>
         </p:spPr>
         <p:txBody>
-          <a:bodyPr anchorCtr="0" anchor="t" bIns="91425" lIns="91425" spcFirstLastPara="1" rIns="91425" wrap="square" tIns="91425">
+          <a:bodyPr spcFirstLastPara="1" wrap="square" lIns="91425" tIns="91425" rIns="91425" bIns="91425" anchor="t" anchorCtr="0">
             <a:normAutofit fontScale="92500" lnSpcReduction="10000"/>
           </a:bodyPr>
           <a:lstStyle/>
           <a:p>
-            <a:pPr indent="0" lvl="0" marL="0" rtl="0" algn="l">
+            <a:pPr marL="0" lvl="0" indent="0" algn="l" rtl="0">
               <a:spcBef>
                 <a:spcPts val="0"/>
               </a:spcBef>
@@ -11891,13 +11795,13 @@
               <a:buNone/>
             </a:pPr>
             <a:r>
-              <a:rPr lang="en"/>
+              <a:rPr lang="en" dirty="0"/>
               <a:t>The Network component of this solution was developed by wilf morlidge, and emmanuel adegoke.</a:t>
             </a:r>
-            <a:endParaRPr/>
+            <a:endParaRPr dirty="0"/>
           </a:p>
           <a:p>
-            <a:pPr indent="0" lvl="0" marL="0" rtl="0" algn="l">
+            <a:pPr marL="0" lvl="0" indent="0" algn="l" rtl="0">
               <a:spcBef>
                 <a:spcPts val="1200"/>
               </a:spcBef>
@@ -11907,21 +11811,13 @@
               <a:buNone/>
             </a:pPr>
             <a:r>
-              <a:rPr lang="en"/>
-              <a:t>It consists of one an upsampling network (called a generator) tasked with generating </a:t>
+              <a:rPr lang="en" dirty="0"/>
+              <a:t>It consists of one an upsampling network (called a generator) tasked with generating fake images; and a downsampling network (called a discriminator) tasked with distinguishing those images from real ones.</a:t>
             </a:r>
-            <a:r>
-              <a:rPr lang="en"/>
-              <a:t>fake</a:t>
-            </a:r>
-            <a:r>
-              <a:rPr lang="en"/>
-              <a:t> images; and a downsampling network (called a discriminator) tasked with distinguishing those images from real ones.</a:t>
-            </a:r>
-            <a:endParaRPr/>
+            <a:endParaRPr dirty="0"/>
           </a:p>
           <a:p>
-            <a:pPr indent="0" lvl="0" marL="0" rtl="0" algn="l">
+            <a:pPr marL="0" lvl="0" indent="0" algn="l" rtl="0">
               <a:spcBef>
                 <a:spcPts val="1200"/>
               </a:spcBef>
@@ -11931,19 +11827,21 @@
               <a:buNone/>
             </a:pPr>
             <a:r>
-              <a:rPr lang="en"/>
+              <a:rPr lang="en" dirty="0"/>
               <a:t>The two networks engage in a MinMax (commonly known as adversarial) training loop where the generator is seen to perform better only when the discriminator performs worse.</a:t>
             </a:r>
-            <a:endParaRPr/>
+            <a:endParaRPr dirty="0"/>
           </a:p>
         </p:txBody>
       </p:sp>
       <p:sp>
         <p:nvSpPr>
           <p:cNvPr id="177" name="Google Shape;177;p20"/>
-          <p:cNvSpPr txBox="1"/>
+          <p:cNvSpPr txBox="1">
+            <a:spLocks noGrp="1"/>
+          </p:cNvSpPr>
           <p:nvPr>
-            <p:ph idx="2" type="body"/>
+            <p:ph type="body" idx="2"/>
           </p:nvPr>
         </p:nvSpPr>
         <p:spPr>
@@ -11956,12 +11854,12 @@
           </a:prstGeom>
         </p:spPr>
         <p:txBody>
-          <a:bodyPr anchorCtr="0" anchor="t" bIns="91425" lIns="91425" spcFirstLastPara="1" rIns="91425" wrap="square" tIns="91425">
+          <a:bodyPr spcFirstLastPara="1" wrap="square" lIns="91425" tIns="91425" rIns="91425" bIns="91425" anchor="t" anchorCtr="0">
             <a:normAutofit/>
           </a:bodyPr>
           <a:lstStyle/>
           <a:p>
-            <a:pPr indent="0" lvl="0" marL="0" rtl="0" algn="l">
+            <a:pPr marL="0" lvl="0" indent="0" algn="l" rtl="0">
               <a:spcBef>
                 <a:spcPts val="0"/>
               </a:spcBef>
@@ -12015,11 +11913,11 @@
 </file>
 
 <file path=ppt/slides/slide9.xml><?xml version="1.0" encoding="utf-8"?>
-<p:sld xmlns:a="http://schemas.openxmlformats.org/drawingml/2006/main" xmlns:r="http://schemas.openxmlformats.org/officeDocument/2006/relationships" xmlns:mc="http://schemas.openxmlformats.org/markup-compatibility/2006" xmlns:mv="urn:schemas-microsoft-com:mac:vml" xmlns:p="http://schemas.openxmlformats.org/presentationml/2006/main" xmlns:c="http://schemas.openxmlformats.org/drawingml/2006/chart" xmlns:dgm="http://schemas.openxmlformats.org/drawingml/2006/diagram" xmlns:o="urn:schemas-microsoft-com:office:office" xmlns:v="urn:schemas-microsoft-com:vml" xmlns:pvml="urn:schemas-microsoft-com:office:powerpoint" xmlns:com="http://schemas.openxmlformats.org/drawingml/2006/compatibility" xmlns:p14="http://schemas.microsoft.com/office/powerpoint/2010/main" xmlns:p15="http://schemas.microsoft.com/office/powerpoint/2012/main" xmlns:ahyp="http://schemas.microsoft.com/office/drawing/2018/hyperlinkcolor">
+<p:sld xmlns:a="http://schemas.openxmlformats.org/drawingml/2006/main" xmlns:r="http://schemas.openxmlformats.org/officeDocument/2006/relationships" xmlns:p="http://schemas.openxmlformats.org/presentationml/2006/main">
   <p:cSld>
     <p:spTree>
       <p:nvGrpSpPr>
-        <p:cNvPr id="182" name="Shape 182"/>
+        <p:cNvPr id="1" name="Shape 182"/>
         <p:cNvGrpSpPr/>
         <p:nvPr/>
       </p:nvGrpSpPr>
@@ -12034,7 +11932,9 @@
       <p:sp>
         <p:nvSpPr>
           <p:cNvPr id="183" name="Google Shape;183;p21"/>
-          <p:cNvSpPr txBox="1"/>
+          <p:cNvSpPr txBox="1">
+            <a:spLocks noGrp="1"/>
+          </p:cNvSpPr>
           <p:nvPr>
             <p:ph type="title"/>
           </p:nvPr>
@@ -12049,12 +11949,12 @@
           </a:prstGeom>
         </p:spPr>
         <p:txBody>
-          <a:bodyPr anchorCtr="0" anchor="ctr" bIns="91425" lIns="91425" spcFirstLastPara="1" rIns="91425" wrap="square" tIns="91425">
+          <a:bodyPr spcFirstLastPara="1" wrap="square" lIns="91425" tIns="91425" rIns="91425" bIns="91425" anchor="ctr" anchorCtr="0">
             <a:normAutofit/>
           </a:bodyPr>
           <a:lstStyle/>
           <a:p>
-            <a:pPr indent="0" lvl="0" marL="0" rtl="0" algn="l">
+            <a:pPr marL="0" lvl="0" indent="0" algn="l" rtl="0">
               <a:spcBef>
                 <a:spcPts val="0"/>
               </a:spcBef>
@@ -12080,7 +11980,7 @@
 </file>
 
 <file path=ppt/theme/theme1.xml><?xml version="1.0" encoding="utf-8"?>
-<a:theme xmlns:a="http://schemas.openxmlformats.org/drawingml/2006/main" xmlns:r="http://schemas.openxmlformats.org/officeDocument/2006/relationships" name="Focus">
+<a:theme xmlns:a="http://schemas.openxmlformats.org/drawingml/2006/main" name="Focus">
   <a:themeElements>
     <a:clrScheme name="Focus">
       <a:dk1>
@@ -12355,11 +12255,13 @@
       </a:bgFillStyleLst>
     </a:fmtScheme>
   </a:themeElements>
+  <a:objectDefaults/>
+  <a:extraClrSchemeLst/>
 </a:theme>
 </file>
 
 <file path=ppt/theme/theme2.xml><?xml version="1.0" encoding="utf-8"?>
-<a:theme xmlns:a="http://schemas.openxmlformats.org/drawingml/2006/main" xmlns:r="http://schemas.openxmlformats.org/officeDocument/2006/relationships">
+<a:theme xmlns:a="http://schemas.openxmlformats.org/drawingml/2006/main">
   <a:themeElements>
     <a:clrScheme name="Default">
       <a:dk1>
@@ -12634,5 +12536,7 @@
       </a:bgFillStyleLst>
     </a:fmtScheme>
   </a:themeElements>
+  <a:objectDefaults/>
+  <a:extraClrSchemeLst/>
 </a:theme>
 </file>